--- a/Slides/EF/1 - Introduction to EF.pptx
+++ b/Slides/EF/1 - Introduction to EF.pptx
@@ -5,7 +5,7 @@
     <p:sldMasterId id="2147483661" r:id="rId1"/>
   </p:sldMasterIdLst>
   <p:notesMasterIdLst>
-    <p:notesMasterId r:id="rId41"/>
+    <p:notesMasterId r:id="rId27"/>
   </p:notesMasterIdLst>
   <p:sldIdLst>
     <p:sldId id="257" r:id="rId2"/>
@@ -32,21 +32,7 @@
     <p:sldId id="286" r:id="rId23"/>
     <p:sldId id="287" r:id="rId24"/>
     <p:sldId id="288" r:id="rId25"/>
-    <p:sldId id="289" r:id="rId26"/>
-    <p:sldId id="290" r:id="rId27"/>
-    <p:sldId id="291" r:id="rId28"/>
-    <p:sldId id="292" r:id="rId29"/>
-    <p:sldId id="293" r:id="rId30"/>
-    <p:sldId id="294" r:id="rId31"/>
-    <p:sldId id="295" r:id="rId32"/>
-    <p:sldId id="283" r:id="rId33"/>
-    <p:sldId id="279" r:id="rId34"/>
-    <p:sldId id="268" r:id="rId35"/>
-    <p:sldId id="269" r:id="rId36"/>
-    <p:sldId id="270" r:id="rId37"/>
-    <p:sldId id="271" r:id="rId38"/>
-    <p:sldId id="272" r:id="rId39"/>
-    <p:sldId id="273" r:id="rId40"/>
+    <p:sldId id="273" r:id="rId26"/>
   </p:sldIdLst>
   <p:sldSz cx="9144000" cy="6858000" type="screen4x3"/>
   <p:notesSz cx="6858000" cy="9144000"/>
@@ -4975,8 +4961,8 @@
     <dgm:cxn modelId="{7CC295F6-4E78-4E8C-86AF-5109BE7E6154}" srcId="{9D20D9CC-D10B-4E07-8180-8D00041B78D2}" destId="{16F589D0-FEA3-40B3-9C65-8691A3AECCA1}" srcOrd="0" destOrd="0" parTransId="{89E962A8-9F17-4B0E-94C7-167CBF5C6261}" sibTransId="{87D94BF9-F498-4AB6-A635-4E15E083E548}"/>
     <dgm:cxn modelId="{3A7B7269-E66B-4892-A843-466A0FD80E52}" type="presOf" srcId="{16F589D0-FEA3-40B3-9C65-8691A3AECCA1}" destId="{64ABD945-1F45-4D3B-96B3-5C20AD3E3B42}" srcOrd="1" destOrd="0" presId="urn:microsoft.com/office/officeart/2005/8/layout/vList4"/>
     <dgm:cxn modelId="{C2BBE83A-2991-413D-A1FC-2F755F38FC87}" srcId="{16F589D0-FEA3-40B3-9C65-8691A3AECCA1}" destId="{EEB77668-F32B-44DB-9915-0C829D8C8173}" srcOrd="3" destOrd="0" parTransId="{F258DB23-70CF-4B74-9BDD-C8113BD89040}" sibTransId="{F1F6F548-8279-452F-A7AF-51C9B4FEF2D5}"/>
+    <dgm:cxn modelId="{0BF95243-40B4-45C3-BE8C-CAA83B2EAE48}" type="presOf" srcId="{DCE88AA6-329E-40BE-B820-38BEF4DAF7A4}" destId="{0EBA8456-04A2-4032-91C5-6997799A0C4B}" srcOrd="1" destOrd="0" presId="urn:microsoft.com/office/officeart/2005/8/layout/vList4"/>
     <dgm:cxn modelId="{ADD19598-768E-411E-A575-58C030BBD2B0}" type="presOf" srcId="{AC8F6179-BCF4-46BD-A3BC-F315BC6BA822}" destId="{0EBA8456-04A2-4032-91C5-6997799A0C4B}" srcOrd="1" destOrd="4" presId="urn:microsoft.com/office/officeart/2005/8/layout/vList4"/>
-    <dgm:cxn modelId="{0BF95243-40B4-45C3-BE8C-CAA83B2EAE48}" type="presOf" srcId="{DCE88AA6-329E-40BE-B820-38BEF4DAF7A4}" destId="{0EBA8456-04A2-4032-91C5-6997799A0C4B}" srcOrd="1" destOrd="0" presId="urn:microsoft.com/office/officeart/2005/8/layout/vList4"/>
     <dgm:cxn modelId="{C54FC8C2-7F14-4F36-BA17-B368BF0BF557}" type="presOf" srcId="{7A65FA6A-2778-4F0B-A5CC-36B1FDFEA0E7}" destId="{000D6DC2-6CC9-4626-97E1-2C07A04B4B65}" srcOrd="0" destOrd="3" presId="urn:microsoft.com/office/officeart/2005/8/layout/vList4"/>
     <dgm:cxn modelId="{68A6DE07-6B66-4ACA-A632-AB7903EB2426}" type="presOf" srcId="{923B1C71-119B-4F2B-BB7E-B7757598B86A}" destId="{000D6DC2-6CC9-4626-97E1-2C07A04B4B65}" srcOrd="0" destOrd="2" presId="urn:microsoft.com/office/officeart/2005/8/layout/vList4"/>
     <dgm:cxn modelId="{40E1DB2F-7E2D-4B35-81AF-C12F746F0DAE}" type="presOf" srcId="{158F938D-6721-474A-92BF-431341572300}" destId="{07232A66-F65B-4AF9-AD4A-489D043EBF7D}" srcOrd="0" destOrd="2" presId="urn:microsoft.com/office/officeart/2005/8/layout/vList4"/>
@@ -5009,6 +4995,485 @@
       <dsp:cNvGrpSpPr/>
     </dsp:nvGrpSpPr>
     <dsp:grpSpPr/>
+    <dsp:sp modelId="{7D9CC087-E5B2-45BD-A5E7-65C118FDCED8}">
+      <dsp:nvSpPr>
+        <dsp:cNvPr id="0" name=""/>
+        <dsp:cNvSpPr/>
+      </dsp:nvSpPr>
+      <dsp:spPr>
+        <a:xfrm>
+          <a:off x="4717011" y="406636"/>
+          <a:ext cx="1571313" cy="710325"/>
+        </a:xfrm>
+        <a:prstGeom prst="rect">
+          <a:avLst/>
+        </a:prstGeom>
+        <a:noFill/>
+        <a:ln>
+          <a:noFill/>
+        </a:ln>
+        <a:effectLst/>
+      </dsp:spPr>
+      <dsp:style>
+        <a:lnRef idx="0">
+          <a:scrgbClr r="0" g="0" b="0"/>
+        </a:lnRef>
+        <a:fillRef idx="0">
+          <a:scrgbClr r="0" g="0" b="0"/>
+        </a:fillRef>
+        <a:effectRef idx="0">
+          <a:scrgbClr r="0" g="0" b="0"/>
+        </a:effectRef>
+        <a:fontRef idx="minor"/>
+      </dsp:style>
+      <dsp:txBody>
+        <a:bodyPr spcFirstLastPara="0" vert="horz" wrap="square" lIns="99568" tIns="35560" rIns="99568" bIns="35560" numCol="1" spcCol="1270" anchor="ctr" anchorCtr="0">
+          <a:noAutofit/>
+        </a:bodyPr>
+        <a:lstStyle/>
+        <a:p>
+          <a:pPr lvl="0" algn="l" defTabSz="622300">
+            <a:lnSpc>
+              <a:spcPct val="90000"/>
+            </a:lnSpc>
+            <a:spcBef>
+              <a:spcPct val="0"/>
+            </a:spcBef>
+            <a:spcAft>
+              <a:spcPct val="35000"/>
+            </a:spcAft>
+          </a:pPr>
+          <a:r>
+            <a:rPr lang="en-US" sz="1400" kern="1200" dirty="0" smtClean="0">
+              <a:solidFill>
+                <a:schemeClr val="accent1"/>
+              </a:solidFill>
+              <a:latin typeface="Segoe" panose="020B0502040504020203" pitchFamily="34" charset="0"/>
+            </a:rPr>
+            <a:t>Microsoft’s Object/Relational Mapper</a:t>
+          </a:r>
+          <a:endParaRPr lang="en-US" sz="1400" kern="1200" dirty="0">
+            <a:solidFill>
+              <a:schemeClr val="accent1"/>
+            </a:solidFill>
+            <a:latin typeface="Segoe" panose="020B0502040504020203" pitchFamily="34" charset="0"/>
+          </a:endParaRPr>
+        </a:p>
+      </dsp:txBody>
+      <dsp:txXfrm>
+        <a:off x="4717011" y="406636"/>
+        <a:ext cx="1571313" cy="710325"/>
+      </dsp:txXfrm>
+    </dsp:sp>
+    <dsp:sp modelId="{260D7302-15EA-4065-96E6-60D88EFD245B}">
+      <dsp:nvSpPr>
+        <dsp:cNvPr id="0" name=""/>
+        <dsp:cNvSpPr/>
+      </dsp:nvSpPr>
+      <dsp:spPr>
+        <a:xfrm rot="10800000">
+          <a:off x="4402748" y="362240"/>
+          <a:ext cx="314262" cy="799115"/>
+        </a:xfrm>
+        <a:prstGeom prst="leftBrace">
+          <a:avLst>
+            <a:gd name="adj1" fmla="val 35000"/>
+            <a:gd name="adj2" fmla="val 50000"/>
+          </a:avLst>
+        </a:prstGeom>
+        <a:noFill/>
+        <a:ln w="6350" cap="flat" cmpd="sng" algn="ctr">
+          <a:solidFill>
+            <a:schemeClr val="accent1">
+              <a:hueOff val="0"/>
+              <a:satOff val="0"/>
+              <a:lumOff val="0"/>
+              <a:alphaOff val="0"/>
+            </a:schemeClr>
+          </a:solidFill>
+          <a:prstDash val="solid"/>
+          <a:miter lim="800000"/>
+        </a:ln>
+        <a:effectLst/>
+      </dsp:spPr>
+      <dsp:style>
+        <a:lnRef idx="1">
+          <a:scrgbClr r="0" g="0" b="0"/>
+        </a:lnRef>
+        <a:fillRef idx="0">
+          <a:scrgbClr r="0" g="0" b="0"/>
+        </a:fillRef>
+        <a:effectRef idx="0">
+          <a:scrgbClr r="0" g="0" b="0"/>
+        </a:effectRef>
+        <a:fontRef idx="minor"/>
+      </dsp:style>
+    </dsp:sp>
+    <dsp:sp modelId="{40EF15FF-12E6-4D79-9C96-25DD9BD210CC}">
+      <dsp:nvSpPr>
+        <dsp:cNvPr id="0" name=""/>
+        <dsp:cNvSpPr/>
+      </dsp:nvSpPr>
+      <dsp:spPr>
+        <a:xfrm>
+          <a:off x="3071" y="362240"/>
+          <a:ext cx="4273971" cy="799115"/>
+        </a:xfrm>
+        <a:prstGeom prst="rect">
+          <a:avLst/>
+        </a:prstGeom>
+        <a:gradFill rotWithShape="0">
+          <a:gsLst>
+            <a:gs pos="0">
+              <a:schemeClr val="accent2">
+                <a:hueOff val="0"/>
+                <a:satOff val="0"/>
+                <a:lumOff val="0"/>
+                <a:alphaOff val="0"/>
+                <a:satMod val="103000"/>
+                <a:lumMod val="102000"/>
+                <a:tint val="94000"/>
+              </a:schemeClr>
+            </a:gs>
+            <a:gs pos="50000">
+              <a:schemeClr val="accent2">
+                <a:hueOff val="0"/>
+                <a:satOff val="0"/>
+                <a:lumOff val="0"/>
+                <a:alphaOff val="0"/>
+                <a:satMod val="110000"/>
+                <a:lumMod val="100000"/>
+                <a:shade val="100000"/>
+              </a:schemeClr>
+            </a:gs>
+            <a:gs pos="100000">
+              <a:schemeClr val="accent2">
+                <a:hueOff val="0"/>
+                <a:satOff val="0"/>
+                <a:lumOff val="0"/>
+                <a:alphaOff val="0"/>
+                <a:lumMod val="99000"/>
+                <a:satMod val="120000"/>
+                <a:shade val="78000"/>
+              </a:schemeClr>
+            </a:gs>
+          </a:gsLst>
+          <a:lin ang="5400000" scaled="0"/>
+        </a:gradFill>
+        <a:ln>
+          <a:noFill/>
+        </a:ln>
+        <a:effectLst>
+          <a:outerShdw blurRad="50800" dist="38100" dir="2700000" algn="tl" rotWithShape="0">
+            <a:prstClr val="black">
+              <a:alpha val="40000"/>
+            </a:prstClr>
+          </a:outerShdw>
+        </a:effectLst>
+      </dsp:spPr>
+      <dsp:style>
+        <a:lnRef idx="0">
+          <a:scrgbClr r="0" g="0" b="0"/>
+        </a:lnRef>
+        <a:fillRef idx="3">
+          <a:scrgbClr r="0" g="0" b="0"/>
+        </a:fillRef>
+        <a:effectRef idx="2">
+          <a:scrgbClr r="0" g="0" b="0"/>
+        </a:effectRef>
+        <a:fontRef idx="minor">
+          <a:schemeClr val="lt1"/>
+        </a:fontRef>
+      </dsp:style>
+      <dsp:txBody>
+        <a:bodyPr spcFirstLastPara="0" vert="horz" wrap="square" lIns="53340" tIns="53340" rIns="53340" bIns="53340" numCol="1" spcCol="1270" anchor="ctr" anchorCtr="0">
+          <a:noAutofit/>
+        </a:bodyPr>
+        <a:lstStyle/>
+        <a:p>
+          <a:pPr marL="114300" lvl="1" indent="-114300" algn="l" defTabSz="622300">
+            <a:lnSpc>
+              <a:spcPct val="90000"/>
+            </a:lnSpc>
+            <a:spcBef>
+              <a:spcPct val="0"/>
+            </a:spcBef>
+            <a:spcAft>
+              <a:spcPct val="15000"/>
+            </a:spcAft>
+            <a:buChar char="••"/>
+          </a:pPr>
+          <a:r>
+            <a:rPr lang="en-US" sz="1400" kern="1200" dirty="0" smtClean="0">
+              <a:latin typeface="Segoe" panose="020B0502040504020203" pitchFamily="34" charset="0"/>
+            </a:rPr>
+            <a:t>Recommended technology to connect .NET applications to databases</a:t>
+          </a:r>
+          <a:endParaRPr lang="en-US" sz="1400" kern="1200" dirty="0">
+            <a:latin typeface="Segoe" panose="020B0502040504020203" pitchFamily="34" charset="0"/>
+          </a:endParaRPr>
+        </a:p>
+        <a:p>
+          <a:pPr marL="114300" lvl="1" indent="-114300" algn="l" defTabSz="622300">
+            <a:lnSpc>
+              <a:spcPct val="90000"/>
+            </a:lnSpc>
+            <a:spcBef>
+              <a:spcPct val="0"/>
+            </a:spcBef>
+            <a:spcAft>
+              <a:spcPct val="15000"/>
+            </a:spcAft>
+            <a:buChar char="••"/>
+          </a:pPr>
+          <a:r>
+            <a:rPr lang="en-US" sz="1400" kern="1200" dirty="0" smtClean="0">
+              <a:latin typeface="Segoe" panose="020B0502040504020203" pitchFamily="34" charset="0"/>
+            </a:rPr>
+            <a:t>LINQ against disparate relational databases</a:t>
+          </a:r>
+        </a:p>
+      </dsp:txBody>
+      <dsp:txXfrm>
+        <a:off x="3071" y="362240"/>
+        <a:ext cx="4273971" cy="799115"/>
+      </dsp:txXfrm>
+    </dsp:sp>
+    <dsp:sp modelId="{28801E45-33D8-4E8E-9FA4-2AF005E2FFC1}">
+      <dsp:nvSpPr>
+        <dsp:cNvPr id="0" name=""/>
+        <dsp:cNvSpPr/>
+      </dsp:nvSpPr>
+      <dsp:spPr>
+        <a:xfrm>
+          <a:off x="4717011" y="1461886"/>
+          <a:ext cx="1571313" cy="285862"/>
+        </a:xfrm>
+        <a:prstGeom prst="rect">
+          <a:avLst/>
+        </a:prstGeom>
+        <a:noFill/>
+        <a:ln>
+          <a:noFill/>
+        </a:ln>
+        <a:effectLst/>
+      </dsp:spPr>
+      <dsp:style>
+        <a:lnRef idx="0">
+          <a:scrgbClr r="0" g="0" b="0"/>
+        </a:lnRef>
+        <a:fillRef idx="0">
+          <a:scrgbClr r="0" g="0" b="0"/>
+        </a:fillRef>
+        <a:effectRef idx="0">
+          <a:scrgbClr r="0" g="0" b="0"/>
+        </a:effectRef>
+        <a:fontRef idx="minor"/>
+      </dsp:style>
+      <dsp:txBody>
+        <a:bodyPr spcFirstLastPara="0" vert="horz" wrap="square" lIns="99568" tIns="35560" rIns="99568" bIns="35560" numCol="1" spcCol="1270" anchor="ctr" anchorCtr="0">
+          <a:noAutofit/>
+        </a:bodyPr>
+        <a:lstStyle/>
+        <a:p>
+          <a:pPr lvl="0" algn="l" defTabSz="622300">
+            <a:lnSpc>
+              <a:spcPct val="90000"/>
+            </a:lnSpc>
+            <a:spcBef>
+              <a:spcPct val="0"/>
+            </a:spcBef>
+            <a:spcAft>
+              <a:spcPct val="35000"/>
+            </a:spcAft>
+          </a:pPr>
+          <a:r>
+            <a:rPr lang="en-US" sz="1400" kern="1200" dirty="0" smtClean="0">
+              <a:solidFill>
+                <a:schemeClr val="accent1"/>
+              </a:solidFill>
+              <a:latin typeface="Segoe" panose="020B0502040504020203" pitchFamily="34" charset="0"/>
+            </a:rPr>
+            <a:t>Product goals</a:t>
+          </a:r>
+        </a:p>
+      </dsp:txBody>
+      <dsp:txXfrm>
+        <a:off x="4717011" y="1461886"/>
+        <a:ext cx="1571313" cy="285862"/>
+      </dsp:txXfrm>
+    </dsp:sp>
+    <dsp:sp modelId="{AF9D8277-52ED-4157-AB7F-DF3880245AF2}">
+      <dsp:nvSpPr>
+        <dsp:cNvPr id="0" name=""/>
+        <dsp:cNvSpPr/>
+      </dsp:nvSpPr>
+      <dsp:spPr>
+        <a:xfrm rot="10800000">
+          <a:off x="4402748" y="1211756"/>
+          <a:ext cx="314262" cy="786121"/>
+        </a:xfrm>
+        <a:prstGeom prst="leftBrace">
+          <a:avLst>
+            <a:gd name="adj1" fmla="val 35000"/>
+            <a:gd name="adj2" fmla="val 50000"/>
+          </a:avLst>
+        </a:prstGeom>
+        <a:noFill/>
+        <a:ln w="6350" cap="flat" cmpd="sng" algn="ctr">
+          <a:solidFill>
+            <a:schemeClr val="accent1">
+              <a:hueOff val="0"/>
+              <a:satOff val="0"/>
+              <a:lumOff val="0"/>
+              <a:alphaOff val="0"/>
+            </a:schemeClr>
+          </a:solidFill>
+          <a:prstDash val="solid"/>
+          <a:miter lim="800000"/>
+        </a:ln>
+        <a:effectLst/>
+      </dsp:spPr>
+      <dsp:style>
+        <a:lnRef idx="1">
+          <a:scrgbClr r="0" g="0" b="0"/>
+        </a:lnRef>
+        <a:fillRef idx="0">
+          <a:scrgbClr r="0" g="0" b="0"/>
+        </a:fillRef>
+        <a:effectRef idx="0">
+          <a:scrgbClr r="0" g="0" b="0"/>
+        </a:effectRef>
+        <a:fontRef idx="minor"/>
+      </dsp:style>
+    </dsp:sp>
+    <dsp:sp modelId="{04AF456E-E219-4D43-B555-DC0955EEAE84}">
+      <dsp:nvSpPr>
+        <dsp:cNvPr id="0" name=""/>
+        <dsp:cNvSpPr/>
+      </dsp:nvSpPr>
+      <dsp:spPr>
+        <a:xfrm>
+          <a:off x="3071" y="1211756"/>
+          <a:ext cx="4273971" cy="786121"/>
+        </a:xfrm>
+        <a:prstGeom prst="rect">
+          <a:avLst/>
+        </a:prstGeom>
+        <a:gradFill rotWithShape="0">
+          <a:gsLst>
+            <a:gs pos="0">
+              <a:schemeClr val="accent3">
+                <a:hueOff val="0"/>
+                <a:satOff val="0"/>
+                <a:lumOff val="0"/>
+                <a:alphaOff val="0"/>
+                <a:satMod val="103000"/>
+                <a:lumMod val="102000"/>
+                <a:tint val="94000"/>
+              </a:schemeClr>
+            </a:gs>
+            <a:gs pos="50000">
+              <a:schemeClr val="accent3">
+                <a:hueOff val="0"/>
+                <a:satOff val="0"/>
+                <a:lumOff val="0"/>
+                <a:alphaOff val="0"/>
+                <a:satMod val="110000"/>
+                <a:lumMod val="100000"/>
+                <a:shade val="100000"/>
+              </a:schemeClr>
+            </a:gs>
+            <a:gs pos="100000">
+              <a:schemeClr val="accent3">
+                <a:hueOff val="0"/>
+                <a:satOff val="0"/>
+                <a:lumOff val="0"/>
+                <a:alphaOff val="0"/>
+                <a:lumMod val="99000"/>
+                <a:satMod val="120000"/>
+                <a:shade val="78000"/>
+              </a:schemeClr>
+            </a:gs>
+          </a:gsLst>
+          <a:lin ang="5400000" scaled="0"/>
+        </a:gradFill>
+        <a:ln>
+          <a:noFill/>
+        </a:ln>
+        <a:effectLst>
+          <a:outerShdw blurRad="50800" dist="38100" dir="2700000" algn="tl" rotWithShape="0">
+            <a:prstClr val="black">
+              <a:alpha val="40000"/>
+            </a:prstClr>
+          </a:outerShdw>
+        </a:effectLst>
+      </dsp:spPr>
+      <dsp:style>
+        <a:lnRef idx="0">
+          <a:scrgbClr r="0" g="0" b="0"/>
+        </a:lnRef>
+        <a:fillRef idx="3">
+          <a:scrgbClr r="0" g="0" b="0"/>
+        </a:fillRef>
+        <a:effectRef idx="2">
+          <a:scrgbClr r="0" g="0" b="0"/>
+        </a:effectRef>
+        <a:fontRef idx="minor">
+          <a:schemeClr val="lt1"/>
+        </a:fontRef>
+      </dsp:style>
+      <dsp:txBody>
+        <a:bodyPr spcFirstLastPara="0" vert="horz" wrap="square" lIns="53340" tIns="53340" rIns="53340" bIns="53340" numCol="1" spcCol="1270" anchor="ctr" anchorCtr="0">
+          <a:noAutofit/>
+        </a:bodyPr>
+        <a:lstStyle/>
+        <a:p>
+          <a:pPr marL="114300" lvl="1" indent="-114300" algn="l" defTabSz="622300">
+            <a:lnSpc>
+              <a:spcPct val="90000"/>
+            </a:lnSpc>
+            <a:spcBef>
+              <a:spcPct val="0"/>
+            </a:spcBef>
+            <a:spcAft>
+              <a:spcPct val="15000"/>
+            </a:spcAft>
+            <a:buChar char="••"/>
+          </a:pPr>
+          <a:r>
+            <a:rPr lang="en-US" sz="1400" kern="1200" dirty="0" smtClean="0">
+              <a:latin typeface="Segoe" panose="020B0502040504020203" pitchFamily="34" charset="0"/>
+            </a:rPr>
+            <a:t>Make .NET &amp; Windows Azure the best platform for data centered apps</a:t>
+          </a:r>
+        </a:p>
+        <a:p>
+          <a:pPr marL="114300" lvl="1" indent="-114300" algn="l" defTabSz="622300">
+            <a:lnSpc>
+              <a:spcPct val="90000"/>
+            </a:lnSpc>
+            <a:spcBef>
+              <a:spcPct val="0"/>
+            </a:spcBef>
+            <a:spcAft>
+              <a:spcPct val="15000"/>
+            </a:spcAft>
+            <a:buChar char="••"/>
+          </a:pPr>
+          <a:r>
+            <a:rPr lang="en-US" sz="1400" kern="1200" dirty="0" smtClean="0">
+              <a:latin typeface="Segoe" panose="020B0502040504020203" pitchFamily="34" charset="0"/>
+            </a:rPr>
+            <a:t>Be the most productive data access API</a:t>
+          </a:r>
+        </a:p>
+      </dsp:txBody>
+      <dsp:txXfrm>
+        <a:off x="3071" y="1211756"/>
+        <a:ext cx="4273971" cy="786121"/>
+      </dsp:txXfrm>
+    </dsp:sp>
   </dsp:spTree>
 </dsp:drawing>
 </file>
@@ -5021,6 +5486,632 @@
       <dsp:cNvGrpSpPr/>
     </dsp:nvGrpSpPr>
     <dsp:grpSpPr/>
+    <dsp:sp modelId="{549A7428-1F76-4905-8C44-B25A0D74649E}">
+      <dsp:nvSpPr>
+        <dsp:cNvPr id="0" name=""/>
+        <dsp:cNvSpPr/>
+      </dsp:nvSpPr>
+      <dsp:spPr>
+        <a:xfrm>
+          <a:off x="0" y="0"/>
+          <a:ext cx="6555107" cy="738631"/>
+        </a:xfrm>
+        <a:prstGeom prst="rect">
+          <a:avLst/>
+        </a:prstGeom>
+        <a:gradFill rotWithShape="0">
+          <a:gsLst>
+            <a:gs pos="0">
+              <a:schemeClr val="accent2">
+                <a:hueOff val="0"/>
+                <a:satOff val="0"/>
+                <a:lumOff val="0"/>
+                <a:alphaOff val="0"/>
+                <a:satMod val="103000"/>
+                <a:lumMod val="102000"/>
+                <a:tint val="94000"/>
+              </a:schemeClr>
+            </a:gs>
+            <a:gs pos="50000">
+              <a:schemeClr val="accent2">
+                <a:hueOff val="0"/>
+                <a:satOff val="0"/>
+                <a:lumOff val="0"/>
+                <a:alphaOff val="0"/>
+                <a:satMod val="110000"/>
+                <a:lumMod val="100000"/>
+                <a:shade val="100000"/>
+              </a:schemeClr>
+            </a:gs>
+            <a:gs pos="100000">
+              <a:schemeClr val="accent2">
+                <a:hueOff val="0"/>
+                <a:satOff val="0"/>
+                <a:lumOff val="0"/>
+                <a:alphaOff val="0"/>
+                <a:lumMod val="99000"/>
+                <a:satMod val="120000"/>
+                <a:shade val="78000"/>
+              </a:schemeClr>
+            </a:gs>
+          </a:gsLst>
+          <a:lin ang="5400000" scaled="0"/>
+        </a:gradFill>
+        <a:ln>
+          <a:noFill/>
+        </a:ln>
+        <a:effectLst>
+          <a:outerShdw blurRad="50800" dist="38100" dir="2700000" algn="tl" rotWithShape="0">
+            <a:prstClr val="black">
+              <a:alpha val="40000"/>
+            </a:prstClr>
+          </a:outerShdw>
+        </a:effectLst>
+      </dsp:spPr>
+      <dsp:style>
+        <a:lnRef idx="0">
+          <a:scrgbClr r="0" g="0" b="0"/>
+        </a:lnRef>
+        <a:fillRef idx="3">
+          <a:scrgbClr r="0" g="0" b="0"/>
+        </a:fillRef>
+        <a:effectRef idx="2">
+          <a:scrgbClr r="0" g="0" b="0"/>
+        </a:effectRef>
+        <a:fontRef idx="minor">
+          <a:schemeClr val="lt1"/>
+        </a:fontRef>
+      </dsp:style>
+      <dsp:txBody>
+        <a:bodyPr spcFirstLastPara="0" vert="horz" wrap="square" lIns="38100" tIns="38100" rIns="38100" bIns="38100" numCol="1" spcCol="1270" anchor="t" anchorCtr="0">
+          <a:noAutofit/>
+        </a:bodyPr>
+        <a:lstStyle/>
+        <a:p>
+          <a:pPr lvl="0" algn="l" defTabSz="444500">
+            <a:lnSpc>
+              <a:spcPct val="90000"/>
+            </a:lnSpc>
+            <a:spcBef>
+              <a:spcPct val="0"/>
+            </a:spcBef>
+            <a:spcAft>
+              <a:spcPct val="35000"/>
+            </a:spcAft>
+          </a:pPr>
+          <a:r>
+            <a:rPr lang="en-US" sz="1000" kern="1200" dirty="0" smtClean="0">
+              <a:latin typeface="Segoe" panose="020B0502040504020203" pitchFamily="34" charset="0"/>
+            </a:rPr>
+            <a:t>EF </a:t>
+          </a:r>
+          <a:r>
+            <a:rPr lang="en-US" sz="1000" kern="1200" dirty="0" err="1" smtClean="0">
+              <a:latin typeface="Segoe" panose="020B0502040504020203" pitchFamily="34" charset="0"/>
+            </a:rPr>
+            <a:t>NuGet</a:t>
+          </a:r>
+          <a:r>
+            <a:rPr lang="en-US" sz="1000" kern="1200" dirty="0" smtClean="0">
+              <a:latin typeface="Segoe" panose="020B0502040504020203" pitchFamily="34" charset="0"/>
+            </a:rPr>
+            <a:t> Package</a:t>
+          </a:r>
+          <a:endParaRPr lang="en-US" sz="1000" kern="1200" dirty="0">
+            <a:latin typeface="Segoe" panose="020B0502040504020203" pitchFamily="34" charset="0"/>
+          </a:endParaRPr>
+        </a:p>
+        <a:p>
+          <a:pPr marL="57150" lvl="1" indent="-57150" algn="l" defTabSz="355600">
+            <a:lnSpc>
+              <a:spcPct val="90000"/>
+            </a:lnSpc>
+            <a:spcBef>
+              <a:spcPct val="0"/>
+            </a:spcBef>
+            <a:spcAft>
+              <a:spcPct val="15000"/>
+            </a:spcAft>
+            <a:buChar char="••"/>
+          </a:pPr>
+          <a:r>
+            <a:rPr lang="en-US" sz="800" kern="1200" dirty="0" err="1" smtClean="0">
+              <a:latin typeface="Segoe" panose="020B0502040504020203" pitchFamily="34" charset="0"/>
+            </a:rPr>
+            <a:t>DbContext</a:t>
+          </a:r>
+          <a:r>
+            <a:rPr lang="en-US" sz="800" kern="1200" dirty="0" smtClean="0">
+              <a:latin typeface="Segoe" panose="020B0502040504020203" pitchFamily="34" charset="0"/>
+            </a:rPr>
+            <a:t>, Code First &amp; Migrations</a:t>
+          </a:r>
+          <a:endParaRPr lang="en-US" sz="800" kern="1200" dirty="0">
+            <a:latin typeface="Segoe" panose="020B0502040504020203" pitchFamily="34" charset="0"/>
+          </a:endParaRPr>
+        </a:p>
+        <a:p>
+          <a:pPr marL="57150" lvl="1" indent="-57150" algn="l" defTabSz="355600">
+            <a:lnSpc>
+              <a:spcPct val="90000"/>
+            </a:lnSpc>
+            <a:spcBef>
+              <a:spcPct val="0"/>
+            </a:spcBef>
+            <a:spcAft>
+              <a:spcPct val="15000"/>
+            </a:spcAft>
+            <a:buChar char="••"/>
+          </a:pPr>
+          <a:r>
+            <a:rPr lang="en-US" sz="800" kern="1200" dirty="0" smtClean="0">
+              <a:latin typeface="Segoe" panose="020B0502040504020203" pitchFamily="34" charset="0"/>
+            </a:rPr>
+            <a:t>Included in VS 2012</a:t>
+          </a:r>
+        </a:p>
+        <a:p>
+          <a:pPr marL="57150" lvl="1" indent="-57150" algn="l" defTabSz="355600">
+            <a:lnSpc>
+              <a:spcPct val="90000"/>
+            </a:lnSpc>
+            <a:spcBef>
+              <a:spcPct val="0"/>
+            </a:spcBef>
+            <a:spcAft>
+              <a:spcPct val="15000"/>
+            </a:spcAft>
+            <a:buChar char="••"/>
+          </a:pPr>
+          <a:r>
+            <a:rPr lang="en-US" sz="800" kern="1200" dirty="0" smtClean="0">
+              <a:latin typeface="Segoe" panose="020B0502040504020203" pitchFamily="34" charset="0"/>
+            </a:rPr>
+            <a:t>Works with .NET 4.0 &amp; 4.5, VS 2010 &amp; 2012</a:t>
+          </a:r>
+        </a:p>
+      </dsp:txBody>
+      <dsp:txXfrm>
+        <a:off x="1384884" y="0"/>
+        <a:ext cx="5170222" cy="738631"/>
+      </dsp:txXfrm>
+    </dsp:sp>
+    <dsp:sp modelId="{3E8E5289-BB45-43A3-9668-33A6CDBF871E}">
+      <dsp:nvSpPr>
+        <dsp:cNvPr id="0" name=""/>
+        <dsp:cNvSpPr/>
+      </dsp:nvSpPr>
+      <dsp:spPr>
+        <a:xfrm>
+          <a:off x="73863" y="73863"/>
+          <a:ext cx="1311021" cy="590905"/>
+        </a:xfrm>
+        <a:prstGeom prst="rect">
+          <a:avLst/>
+        </a:prstGeom>
+        <a:blipFill dpi="0" rotWithShape="1">
+          <a:blip xmlns:r="http://schemas.openxmlformats.org/officeDocument/2006/relationships" r:embed="rId1">
+            <a:extLst>
+              <a:ext uri="{28A0092B-C50C-407E-A947-70E740481C1C}">
+                <a14:useLocalDpi xmlns:a14="http://schemas.microsoft.com/office/drawing/2010/main" val="0"/>
+              </a:ext>
+            </a:extLst>
+          </a:blip>
+          <a:srcRect/>
+          <a:stretch>
+            <a:fillRect/>
+          </a:stretch>
+        </a:blipFill>
+        <a:ln>
+          <a:noFill/>
+        </a:ln>
+        <a:effectLst/>
+      </dsp:spPr>
+      <dsp:style>
+        <a:lnRef idx="0">
+          <a:scrgbClr r="0" g="0" b="0"/>
+        </a:lnRef>
+        <a:fillRef idx="1">
+          <a:scrgbClr r="0" g="0" b="0"/>
+        </a:fillRef>
+        <a:effectRef idx="2">
+          <a:scrgbClr r="0" g="0" b="0"/>
+        </a:effectRef>
+        <a:fontRef idx="minor"/>
+      </dsp:style>
+    </dsp:sp>
+    <dsp:sp modelId="{D65889B0-7F1C-4425-917B-F2B0E69BF780}">
+      <dsp:nvSpPr>
+        <dsp:cNvPr id="0" name=""/>
+        <dsp:cNvSpPr/>
+      </dsp:nvSpPr>
+      <dsp:spPr>
+        <a:xfrm>
+          <a:off x="0" y="812494"/>
+          <a:ext cx="6555107" cy="738631"/>
+        </a:xfrm>
+        <a:prstGeom prst="rect">
+          <a:avLst/>
+        </a:prstGeom>
+        <a:gradFill rotWithShape="0">
+          <a:gsLst>
+            <a:gs pos="0">
+              <a:schemeClr val="accent3">
+                <a:hueOff val="0"/>
+                <a:satOff val="0"/>
+                <a:lumOff val="0"/>
+                <a:alphaOff val="0"/>
+                <a:satMod val="103000"/>
+                <a:lumMod val="102000"/>
+                <a:tint val="94000"/>
+              </a:schemeClr>
+            </a:gs>
+            <a:gs pos="50000">
+              <a:schemeClr val="accent3">
+                <a:hueOff val="0"/>
+                <a:satOff val="0"/>
+                <a:lumOff val="0"/>
+                <a:alphaOff val="0"/>
+                <a:satMod val="110000"/>
+                <a:lumMod val="100000"/>
+                <a:shade val="100000"/>
+              </a:schemeClr>
+            </a:gs>
+            <a:gs pos="100000">
+              <a:schemeClr val="accent3">
+                <a:hueOff val="0"/>
+                <a:satOff val="0"/>
+                <a:lumOff val="0"/>
+                <a:alphaOff val="0"/>
+                <a:lumMod val="99000"/>
+                <a:satMod val="120000"/>
+                <a:shade val="78000"/>
+              </a:schemeClr>
+            </a:gs>
+          </a:gsLst>
+          <a:lin ang="5400000" scaled="0"/>
+        </a:gradFill>
+        <a:ln>
+          <a:noFill/>
+        </a:ln>
+        <a:effectLst>
+          <a:outerShdw blurRad="50800" dist="38100" dir="2700000" algn="tl" rotWithShape="0">
+            <a:prstClr val="black">
+              <a:alpha val="40000"/>
+            </a:prstClr>
+          </a:outerShdw>
+        </a:effectLst>
+      </dsp:spPr>
+      <dsp:style>
+        <a:lnRef idx="0">
+          <a:scrgbClr r="0" g="0" b="0"/>
+        </a:lnRef>
+        <a:fillRef idx="3">
+          <a:scrgbClr r="0" g="0" b="0"/>
+        </a:fillRef>
+        <a:effectRef idx="2">
+          <a:scrgbClr r="0" g="0" b="0"/>
+        </a:effectRef>
+        <a:fontRef idx="minor">
+          <a:schemeClr val="lt1"/>
+        </a:fontRef>
+      </dsp:style>
+      <dsp:txBody>
+        <a:bodyPr spcFirstLastPara="0" vert="horz" wrap="square" lIns="38100" tIns="38100" rIns="38100" bIns="38100" numCol="1" spcCol="1270" anchor="t" anchorCtr="0">
+          <a:noAutofit/>
+        </a:bodyPr>
+        <a:lstStyle/>
+        <a:p>
+          <a:pPr lvl="0" algn="l" defTabSz="444500">
+            <a:lnSpc>
+              <a:spcPct val="90000"/>
+            </a:lnSpc>
+            <a:spcBef>
+              <a:spcPct val="0"/>
+            </a:spcBef>
+            <a:spcAft>
+              <a:spcPct val="35000"/>
+            </a:spcAft>
+          </a:pPr>
+          <a:r>
+            <a:rPr lang="en-US" sz="1000" kern="1200" dirty="0" smtClean="0">
+              <a:latin typeface="Segoe" panose="020B0502040504020203" pitchFamily="34" charset="0"/>
+            </a:rPr>
+            <a:t>EF Core bits in .NET</a:t>
+          </a:r>
+        </a:p>
+        <a:p>
+          <a:pPr marL="57150" lvl="1" indent="-57150" algn="l" defTabSz="355600">
+            <a:lnSpc>
+              <a:spcPct val="90000"/>
+            </a:lnSpc>
+            <a:spcBef>
+              <a:spcPct val="0"/>
+            </a:spcBef>
+            <a:spcAft>
+              <a:spcPct val="15000"/>
+            </a:spcAft>
+            <a:buChar char="••"/>
+          </a:pPr>
+          <a:r>
+            <a:rPr lang="en-US" sz="800" kern="1200" dirty="0" smtClean="0">
+              <a:latin typeface="Segoe" panose="020B0502040504020203" pitchFamily="34" charset="0"/>
+            </a:rPr>
+            <a:t>Updated in .NET 4.5</a:t>
+          </a:r>
+        </a:p>
+        <a:p>
+          <a:pPr marL="57150" lvl="1" indent="-57150" algn="l" defTabSz="355600">
+            <a:lnSpc>
+              <a:spcPct val="90000"/>
+            </a:lnSpc>
+            <a:spcBef>
+              <a:spcPct val="0"/>
+            </a:spcBef>
+            <a:spcAft>
+              <a:spcPct val="15000"/>
+            </a:spcAft>
+            <a:buChar char="••"/>
+          </a:pPr>
+          <a:r>
+            <a:rPr lang="en-US" sz="800" kern="1200" dirty="0" smtClean="0">
+              <a:latin typeface="Segoe" panose="020B0502040504020203" pitchFamily="34" charset="0"/>
+            </a:rPr>
+            <a:t>New features like Enums, Spatial, better performance, etc.</a:t>
+          </a:r>
+        </a:p>
+      </dsp:txBody>
+      <dsp:txXfrm>
+        <a:off x="1384884" y="812494"/>
+        <a:ext cx="5170222" cy="738631"/>
+      </dsp:txXfrm>
+    </dsp:sp>
+    <dsp:sp modelId="{B46EE31F-3510-4D5C-B87D-D12AB4D15D90}">
+      <dsp:nvSpPr>
+        <dsp:cNvPr id="0" name=""/>
+        <dsp:cNvSpPr/>
+      </dsp:nvSpPr>
+      <dsp:spPr>
+        <a:xfrm>
+          <a:off x="73863" y="886357"/>
+          <a:ext cx="1311021" cy="590905"/>
+        </a:xfrm>
+        <a:prstGeom prst="rect">
+          <a:avLst/>
+        </a:prstGeom>
+        <a:blipFill dpi="0" rotWithShape="1">
+          <a:blip xmlns:r="http://schemas.openxmlformats.org/officeDocument/2006/relationships" r:embed="rId2" cstate="print">
+            <a:extLst>
+              <a:ext uri="{28A0092B-C50C-407E-A947-70E740481C1C}">
+                <a14:useLocalDpi xmlns:a14="http://schemas.microsoft.com/office/drawing/2010/main" val="0"/>
+              </a:ext>
+            </a:extLst>
+          </a:blip>
+          <a:srcRect/>
+          <a:stretch>
+            <a:fillRect/>
+          </a:stretch>
+        </a:blipFill>
+        <a:ln>
+          <a:noFill/>
+        </a:ln>
+        <a:effectLst/>
+      </dsp:spPr>
+      <dsp:style>
+        <a:lnRef idx="0">
+          <a:scrgbClr r="0" g="0" b="0"/>
+        </a:lnRef>
+        <a:fillRef idx="1">
+          <a:scrgbClr r="0" g="0" b="0"/>
+        </a:fillRef>
+        <a:effectRef idx="2">
+          <a:scrgbClr r="0" g="0" b="0"/>
+        </a:effectRef>
+        <a:fontRef idx="minor"/>
+      </dsp:style>
+    </dsp:sp>
+    <dsp:sp modelId="{30410937-FDC2-43BD-BC27-1D45BF37F6C8}">
+      <dsp:nvSpPr>
+        <dsp:cNvPr id="0" name=""/>
+        <dsp:cNvSpPr/>
+      </dsp:nvSpPr>
+      <dsp:spPr>
+        <a:xfrm>
+          <a:off x="0" y="1624988"/>
+          <a:ext cx="6555107" cy="738631"/>
+        </a:xfrm>
+        <a:prstGeom prst="rect">
+          <a:avLst/>
+        </a:prstGeom>
+        <a:gradFill rotWithShape="0">
+          <a:gsLst>
+            <a:gs pos="0">
+              <a:schemeClr val="accent4">
+                <a:hueOff val="0"/>
+                <a:satOff val="0"/>
+                <a:lumOff val="0"/>
+                <a:alphaOff val="0"/>
+                <a:satMod val="103000"/>
+                <a:lumMod val="102000"/>
+                <a:tint val="94000"/>
+              </a:schemeClr>
+            </a:gs>
+            <a:gs pos="50000">
+              <a:schemeClr val="accent4">
+                <a:hueOff val="0"/>
+                <a:satOff val="0"/>
+                <a:lumOff val="0"/>
+                <a:alphaOff val="0"/>
+                <a:satMod val="110000"/>
+                <a:lumMod val="100000"/>
+                <a:shade val="100000"/>
+              </a:schemeClr>
+            </a:gs>
+            <a:gs pos="100000">
+              <a:schemeClr val="accent4">
+                <a:hueOff val="0"/>
+                <a:satOff val="0"/>
+                <a:lumOff val="0"/>
+                <a:alphaOff val="0"/>
+                <a:lumMod val="99000"/>
+                <a:satMod val="120000"/>
+                <a:shade val="78000"/>
+              </a:schemeClr>
+            </a:gs>
+          </a:gsLst>
+          <a:lin ang="5400000" scaled="0"/>
+        </a:gradFill>
+        <a:ln>
+          <a:noFill/>
+        </a:ln>
+        <a:effectLst>
+          <a:outerShdw blurRad="50800" dist="38100" dir="2700000" algn="tl" rotWithShape="0">
+            <a:prstClr val="black">
+              <a:alpha val="40000"/>
+            </a:prstClr>
+          </a:outerShdw>
+        </a:effectLst>
+      </dsp:spPr>
+      <dsp:style>
+        <a:lnRef idx="0">
+          <a:scrgbClr r="0" g="0" b="0"/>
+        </a:lnRef>
+        <a:fillRef idx="3">
+          <a:scrgbClr r="0" g="0" b="0"/>
+        </a:fillRef>
+        <a:effectRef idx="2">
+          <a:scrgbClr r="0" g="0" b="0"/>
+        </a:effectRef>
+        <a:fontRef idx="minor">
+          <a:schemeClr val="lt1"/>
+        </a:fontRef>
+      </dsp:style>
+      <dsp:txBody>
+        <a:bodyPr spcFirstLastPara="0" vert="horz" wrap="square" lIns="38100" tIns="38100" rIns="38100" bIns="38100" numCol="1" spcCol="1270" anchor="t" anchorCtr="0">
+          <a:noAutofit/>
+        </a:bodyPr>
+        <a:lstStyle/>
+        <a:p>
+          <a:pPr lvl="0" algn="l" defTabSz="444500">
+            <a:lnSpc>
+              <a:spcPct val="90000"/>
+            </a:lnSpc>
+            <a:spcBef>
+              <a:spcPct val="0"/>
+            </a:spcBef>
+            <a:spcAft>
+              <a:spcPct val="35000"/>
+            </a:spcAft>
+          </a:pPr>
+          <a:r>
+            <a:rPr lang="en-US" sz="1000" kern="1200" dirty="0" smtClean="0">
+              <a:latin typeface="Segoe" panose="020B0502040504020203" pitchFamily="34" charset="0"/>
+            </a:rPr>
+            <a:t>EF Designer in VS</a:t>
+          </a:r>
+        </a:p>
+        <a:p>
+          <a:pPr marL="57150" lvl="1" indent="-57150" algn="l" defTabSz="355600">
+            <a:lnSpc>
+              <a:spcPct val="90000"/>
+            </a:lnSpc>
+            <a:spcBef>
+              <a:spcPct val="0"/>
+            </a:spcBef>
+            <a:spcAft>
+              <a:spcPct val="15000"/>
+            </a:spcAft>
+            <a:buChar char="••"/>
+          </a:pPr>
+          <a:r>
+            <a:rPr lang="en-US" sz="800" kern="1200" dirty="0" smtClean="0">
+              <a:latin typeface="Segoe" panose="020B0502040504020203" pitchFamily="34" charset="0"/>
+            </a:rPr>
+            <a:t>Updated in VS 2012</a:t>
+          </a:r>
+        </a:p>
+        <a:p>
+          <a:pPr marL="57150" lvl="1" indent="-57150" algn="l" defTabSz="355600">
+            <a:lnSpc>
+              <a:spcPct val="90000"/>
+            </a:lnSpc>
+            <a:spcBef>
+              <a:spcPct val="0"/>
+            </a:spcBef>
+            <a:spcAft>
+              <a:spcPct val="15000"/>
+            </a:spcAft>
+            <a:buChar char="••"/>
+          </a:pPr>
+          <a:r>
+            <a:rPr lang="en-US" sz="800" kern="1200" dirty="0" smtClean="0">
+              <a:latin typeface="Segoe" panose="020B0502040504020203" pitchFamily="34" charset="0"/>
+            </a:rPr>
+            <a:t>New features like multiple diagrams, colorization, </a:t>
+          </a:r>
+          <a:r>
+            <a:rPr lang="en-US" sz="800" kern="1200" dirty="0" err="1" smtClean="0">
+              <a:latin typeface="Segoe" panose="020B0502040504020203" pitchFamily="34" charset="0"/>
+            </a:rPr>
+            <a:t>DbContext</a:t>
+          </a:r>
+          <a:r>
+            <a:rPr lang="en-US" sz="800" kern="1200" dirty="0" smtClean="0">
+              <a:latin typeface="Segoe" panose="020B0502040504020203" pitchFamily="34" charset="0"/>
+            </a:rPr>
+            <a:t> code generation, etc.</a:t>
+          </a:r>
+        </a:p>
+      </dsp:txBody>
+      <dsp:txXfrm>
+        <a:off x="1384884" y="1624988"/>
+        <a:ext cx="5170222" cy="738631"/>
+      </dsp:txXfrm>
+    </dsp:sp>
+    <dsp:sp modelId="{C2BBD0DC-7A7A-4EFA-8464-43474D4A9C72}">
+      <dsp:nvSpPr>
+        <dsp:cNvPr id="0" name=""/>
+        <dsp:cNvSpPr/>
+      </dsp:nvSpPr>
+      <dsp:spPr>
+        <a:xfrm>
+          <a:off x="73863" y="1698851"/>
+          <a:ext cx="1311021" cy="590905"/>
+        </a:xfrm>
+        <a:prstGeom prst="rect">
+          <a:avLst/>
+        </a:prstGeom>
+        <a:blipFill dpi="0" rotWithShape="1">
+          <a:blip xmlns:r="http://schemas.openxmlformats.org/officeDocument/2006/relationships" r:embed="rId3" cstate="print">
+            <a:extLst>
+              <a:ext uri="{28A0092B-C50C-407E-A947-70E740481C1C}">
+                <a14:useLocalDpi xmlns:a14="http://schemas.microsoft.com/office/drawing/2010/main" val="0"/>
+              </a:ext>
+            </a:extLst>
+          </a:blip>
+          <a:srcRect/>
+          <a:stretch>
+            <a:fillRect/>
+          </a:stretch>
+        </a:blipFill>
+        <a:ln>
+          <a:noFill/>
+        </a:ln>
+        <a:effectLst/>
+      </dsp:spPr>
+      <dsp:style>
+        <a:lnRef idx="0">
+          <a:scrgbClr r="0" g="0" b="0"/>
+        </a:lnRef>
+        <a:fillRef idx="1">
+          <a:scrgbClr r="0" g="0" b="0"/>
+        </a:fillRef>
+        <a:effectRef idx="2">
+          <a:scrgbClr r="0" g="0" b="0"/>
+        </a:effectRef>
+        <a:fontRef idx="minor"/>
+      </dsp:style>
+    </dsp:sp>
   </dsp:spTree>
 </dsp:drawing>
 </file>
@@ -5033,6 +6124,474 @@
       <dsp:cNvGrpSpPr/>
     </dsp:nvGrpSpPr>
     <dsp:grpSpPr/>
+    <dsp:sp modelId="{000D6DC2-6CC9-4626-97E1-2C07A04B4B65}">
+      <dsp:nvSpPr>
+        <dsp:cNvPr id="0" name=""/>
+        <dsp:cNvSpPr/>
+      </dsp:nvSpPr>
+      <dsp:spPr>
+        <a:xfrm>
+          <a:off x="0" y="0"/>
+          <a:ext cx="6555107" cy="1125258"/>
+        </a:xfrm>
+        <a:prstGeom prst="rect">
+          <a:avLst/>
+        </a:prstGeom>
+        <a:gradFill rotWithShape="0">
+          <a:gsLst>
+            <a:gs pos="0">
+              <a:schemeClr val="accent2">
+                <a:hueOff val="0"/>
+                <a:satOff val="0"/>
+                <a:lumOff val="0"/>
+                <a:alphaOff val="0"/>
+                <a:satMod val="103000"/>
+                <a:lumMod val="102000"/>
+                <a:tint val="94000"/>
+              </a:schemeClr>
+            </a:gs>
+            <a:gs pos="50000">
+              <a:schemeClr val="accent2">
+                <a:hueOff val="0"/>
+                <a:satOff val="0"/>
+                <a:lumOff val="0"/>
+                <a:alphaOff val="0"/>
+                <a:satMod val="110000"/>
+                <a:lumMod val="100000"/>
+                <a:shade val="100000"/>
+              </a:schemeClr>
+            </a:gs>
+            <a:gs pos="100000">
+              <a:schemeClr val="accent2">
+                <a:hueOff val="0"/>
+                <a:satOff val="0"/>
+                <a:lumOff val="0"/>
+                <a:alphaOff val="0"/>
+                <a:lumMod val="99000"/>
+                <a:satMod val="120000"/>
+                <a:shade val="78000"/>
+              </a:schemeClr>
+            </a:gs>
+          </a:gsLst>
+          <a:lin ang="5400000" scaled="0"/>
+        </a:gradFill>
+        <a:ln>
+          <a:noFill/>
+        </a:ln>
+        <a:effectLst>
+          <a:outerShdw blurRad="50800" dist="38100" dir="2700000" algn="tl" rotWithShape="0">
+            <a:prstClr val="black">
+              <a:alpha val="40000"/>
+            </a:prstClr>
+          </a:outerShdw>
+        </a:effectLst>
+      </dsp:spPr>
+      <dsp:style>
+        <a:lnRef idx="0">
+          <a:scrgbClr r="0" g="0" b="0"/>
+        </a:lnRef>
+        <a:fillRef idx="3">
+          <a:scrgbClr r="0" g="0" b="0"/>
+        </a:fillRef>
+        <a:effectRef idx="2">
+          <a:scrgbClr r="0" g="0" b="0"/>
+        </a:effectRef>
+        <a:fontRef idx="minor">
+          <a:schemeClr val="lt1"/>
+        </a:fontRef>
+      </dsp:style>
+      <dsp:txBody>
+        <a:bodyPr spcFirstLastPara="0" vert="horz" wrap="square" lIns="49530" tIns="49530" rIns="49530" bIns="49530" numCol="1" spcCol="1270" anchor="t" anchorCtr="0">
+          <a:noAutofit/>
+        </a:bodyPr>
+        <a:lstStyle/>
+        <a:p>
+          <a:pPr lvl="0" algn="l" defTabSz="577850">
+            <a:lnSpc>
+              <a:spcPct val="90000"/>
+            </a:lnSpc>
+            <a:spcBef>
+              <a:spcPct val="0"/>
+            </a:spcBef>
+            <a:spcAft>
+              <a:spcPct val="35000"/>
+            </a:spcAft>
+          </a:pPr>
+          <a:r>
+            <a:rPr lang="en-US" sz="1300" kern="1200" dirty="0" smtClean="0">
+              <a:latin typeface="Segoe" panose="020B0502040504020203" pitchFamily="34" charset="0"/>
+            </a:rPr>
+            <a:t>Both for code-centric and designer-centric developers</a:t>
+          </a:r>
+          <a:endParaRPr lang="en-US" sz="1300" kern="1200" dirty="0">
+            <a:latin typeface="Segoe" panose="020B0502040504020203" pitchFamily="34" charset="0"/>
+          </a:endParaRPr>
+        </a:p>
+        <a:p>
+          <a:pPr marL="57150" lvl="1" indent="-57150" algn="l" defTabSz="444500">
+            <a:lnSpc>
+              <a:spcPct val="90000"/>
+            </a:lnSpc>
+            <a:spcBef>
+              <a:spcPct val="0"/>
+            </a:spcBef>
+            <a:spcAft>
+              <a:spcPct val="15000"/>
+            </a:spcAft>
+            <a:buChar char="••"/>
+          </a:pPr>
+          <a:r>
+            <a:rPr lang="en-US" sz="1000" kern="1200" dirty="0" smtClean="0">
+              <a:latin typeface="Segoe" panose="020B0502040504020203" pitchFamily="34" charset="0"/>
+            </a:rPr>
+            <a:t>Enum support</a:t>
+          </a:r>
+        </a:p>
+        <a:p>
+          <a:pPr marL="57150" lvl="1" indent="-57150" algn="l" defTabSz="444500">
+            <a:lnSpc>
+              <a:spcPct val="90000"/>
+            </a:lnSpc>
+            <a:spcBef>
+              <a:spcPct val="0"/>
+            </a:spcBef>
+            <a:spcAft>
+              <a:spcPct val="15000"/>
+            </a:spcAft>
+            <a:buChar char="••"/>
+          </a:pPr>
+          <a:r>
+            <a:rPr lang="en-US" sz="1000" kern="1200" dirty="0" smtClean="0">
+              <a:latin typeface="Segoe" panose="020B0502040504020203" pitchFamily="34" charset="0"/>
+            </a:rPr>
+            <a:t>Spatial data types</a:t>
+          </a:r>
+        </a:p>
+        <a:p>
+          <a:pPr marL="57150" lvl="1" indent="-57150" algn="l" defTabSz="444500">
+            <a:lnSpc>
+              <a:spcPct val="90000"/>
+            </a:lnSpc>
+            <a:spcBef>
+              <a:spcPct val="0"/>
+            </a:spcBef>
+            <a:spcAft>
+              <a:spcPct val="15000"/>
+            </a:spcAft>
+            <a:buChar char="••"/>
+          </a:pPr>
+          <a:r>
+            <a:rPr lang="en-US" sz="1000" kern="1200" dirty="0" smtClean="0">
+              <a:latin typeface="Segoe" panose="020B0502040504020203" pitchFamily="34" charset="0"/>
+            </a:rPr>
+            <a:t>Auto-compiled query</a:t>
+          </a:r>
+        </a:p>
+        <a:p>
+          <a:pPr marL="57150" lvl="1" indent="-57150" algn="l" defTabSz="444500">
+            <a:lnSpc>
+              <a:spcPct val="90000"/>
+            </a:lnSpc>
+            <a:spcBef>
+              <a:spcPct val="0"/>
+            </a:spcBef>
+            <a:spcAft>
+              <a:spcPct val="15000"/>
+            </a:spcAft>
+            <a:buChar char="••"/>
+          </a:pPr>
+          <a:r>
+            <a:rPr lang="en-US" sz="1000" kern="1200" dirty="0" smtClean="0">
+              <a:latin typeface="Segoe" panose="020B0502040504020203" pitchFamily="34" charset="0"/>
+            </a:rPr>
+            <a:t>Parameter evaluation performance</a:t>
+          </a:r>
+        </a:p>
+      </dsp:txBody>
+      <dsp:txXfrm>
+        <a:off x="1423547" y="0"/>
+        <a:ext cx="5131559" cy="1125258"/>
+      </dsp:txXfrm>
+    </dsp:sp>
+    <dsp:sp modelId="{DB5C85CA-CABD-4FBE-A07A-60B083F037C9}">
+      <dsp:nvSpPr>
+        <dsp:cNvPr id="0" name=""/>
+        <dsp:cNvSpPr/>
+      </dsp:nvSpPr>
+      <dsp:spPr>
+        <a:xfrm>
+          <a:off x="112525" y="112525"/>
+          <a:ext cx="1311021" cy="900206"/>
+        </a:xfrm>
+        <a:prstGeom prst="rect">
+          <a:avLst/>
+        </a:prstGeom>
+        <a:blipFill dpi="0" rotWithShape="1">
+          <a:blip xmlns:r="http://schemas.openxmlformats.org/officeDocument/2006/relationships" r:embed="rId1">
+            <a:extLst>
+              <a:ext uri="{28A0092B-C50C-407E-A947-70E740481C1C}">
+                <a14:useLocalDpi xmlns:a14="http://schemas.microsoft.com/office/drawing/2010/main" val="0"/>
+              </a:ext>
+            </a:extLst>
+          </a:blip>
+          <a:srcRect/>
+          <a:stretch>
+            <a:fillRect/>
+          </a:stretch>
+        </a:blipFill>
+        <a:ln>
+          <a:noFill/>
+        </a:ln>
+        <a:effectLst/>
+      </dsp:spPr>
+      <dsp:style>
+        <a:lnRef idx="0">
+          <a:scrgbClr r="0" g="0" b="0"/>
+        </a:lnRef>
+        <a:fillRef idx="1">
+          <a:scrgbClr r="0" g="0" b="0"/>
+        </a:fillRef>
+        <a:effectRef idx="2">
+          <a:scrgbClr r="0" g="0" b="0"/>
+        </a:effectRef>
+        <a:fontRef idx="minor"/>
+      </dsp:style>
+    </dsp:sp>
+    <dsp:sp modelId="{07232A66-F65B-4AF9-AD4A-489D043EBF7D}">
+      <dsp:nvSpPr>
+        <dsp:cNvPr id="0" name=""/>
+        <dsp:cNvSpPr/>
+      </dsp:nvSpPr>
+      <dsp:spPr>
+        <a:xfrm>
+          <a:off x="0" y="1237784"/>
+          <a:ext cx="6555107" cy="1125258"/>
+        </a:xfrm>
+        <a:prstGeom prst="rect">
+          <a:avLst/>
+        </a:prstGeom>
+        <a:gradFill rotWithShape="0">
+          <a:gsLst>
+            <a:gs pos="0">
+              <a:schemeClr val="accent3">
+                <a:hueOff val="0"/>
+                <a:satOff val="0"/>
+                <a:lumOff val="0"/>
+                <a:alphaOff val="0"/>
+                <a:satMod val="103000"/>
+                <a:lumMod val="102000"/>
+                <a:tint val="94000"/>
+              </a:schemeClr>
+            </a:gs>
+            <a:gs pos="50000">
+              <a:schemeClr val="accent3">
+                <a:hueOff val="0"/>
+                <a:satOff val="0"/>
+                <a:lumOff val="0"/>
+                <a:alphaOff val="0"/>
+                <a:satMod val="110000"/>
+                <a:lumMod val="100000"/>
+                <a:shade val="100000"/>
+              </a:schemeClr>
+            </a:gs>
+            <a:gs pos="100000">
+              <a:schemeClr val="accent3">
+                <a:hueOff val="0"/>
+                <a:satOff val="0"/>
+                <a:lumOff val="0"/>
+                <a:alphaOff val="0"/>
+                <a:lumMod val="99000"/>
+                <a:satMod val="120000"/>
+                <a:shade val="78000"/>
+              </a:schemeClr>
+            </a:gs>
+          </a:gsLst>
+          <a:lin ang="5400000" scaled="0"/>
+        </a:gradFill>
+        <a:ln>
+          <a:noFill/>
+        </a:ln>
+        <a:effectLst>
+          <a:outerShdw blurRad="50800" dist="38100" dir="2700000" algn="tl" rotWithShape="0">
+            <a:prstClr val="black">
+              <a:alpha val="40000"/>
+            </a:prstClr>
+          </a:outerShdw>
+        </a:effectLst>
+      </dsp:spPr>
+      <dsp:style>
+        <a:lnRef idx="0">
+          <a:scrgbClr r="0" g="0" b="0"/>
+        </a:lnRef>
+        <a:fillRef idx="3">
+          <a:scrgbClr r="0" g="0" b="0"/>
+        </a:fillRef>
+        <a:effectRef idx="2">
+          <a:scrgbClr r="0" g="0" b="0"/>
+        </a:effectRef>
+        <a:fontRef idx="minor">
+          <a:schemeClr val="lt1"/>
+        </a:fontRef>
+      </dsp:style>
+      <dsp:txBody>
+        <a:bodyPr spcFirstLastPara="0" vert="horz" wrap="square" lIns="49530" tIns="49530" rIns="49530" bIns="49530" numCol="1" spcCol="1270" anchor="t" anchorCtr="0">
+          <a:noAutofit/>
+        </a:bodyPr>
+        <a:lstStyle/>
+        <a:p>
+          <a:pPr lvl="0" algn="l" defTabSz="577850">
+            <a:lnSpc>
+              <a:spcPct val="90000"/>
+            </a:lnSpc>
+            <a:spcBef>
+              <a:spcPct val="0"/>
+            </a:spcBef>
+            <a:spcAft>
+              <a:spcPct val="35000"/>
+            </a:spcAft>
+          </a:pPr>
+          <a:r>
+            <a:rPr lang="en-US" sz="1300" kern="1200" dirty="0" smtClean="0">
+              <a:latin typeface="Segoe" panose="020B0502040504020203" pitchFamily="34" charset="0"/>
+            </a:rPr>
+            <a:t>Only for designer-centric developers</a:t>
+          </a:r>
+        </a:p>
+        <a:p>
+          <a:pPr marL="57150" lvl="1" indent="-57150" algn="l" defTabSz="444500">
+            <a:lnSpc>
+              <a:spcPct val="90000"/>
+            </a:lnSpc>
+            <a:spcBef>
+              <a:spcPct val="0"/>
+            </a:spcBef>
+            <a:spcAft>
+              <a:spcPct val="15000"/>
+            </a:spcAft>
+            <a:buChar char="••"/>
+          </a:pPr>
+          <a:r>
+            <a:rPr lang="en-US" sz="1000" kern="1200" smtClean="0">
+              <a:latin typeface="Segoe" panose="020B0502040504020203" pitchFamily="34" charset="0"/>
+            </a:rPr>
+            <a:t>Table-valued Functions (TVFs)</a:t>
+          </a:r>
+          <a:endParaRPr lang="en-US" sz="1000" kern="1200" dirty="0" smtClean="0">
+            <a:latin typeface="Segoe" panose="020B0502040504020203" pitchFamily="34" charset="0"/>
+          </a:endParaRPr>
+        </a:p>
+        <a:p>
+          <a:pPr marL="57150" lvl="1" indent="-57150" algn="l" defTabSz="444500">
+            <a:lnSpc>
+              <a:spcPct val="90000"/>
+            </a:lnSpc>
+            <a:spcBef>
+              <a:spcPct val="0"/>
+            </a:spcBef>
+            <a:spcAft>
+              <a:spcPct val="15000"/>
+            </a:spcAft>
+            <a:buChar char="••"/>
+          </a:pPr>
+          <a:r>
+            <a:rPr lang="en-US" sz="1000" kern="1200" smtClean="0">
+              <a:latin typeface="Segoe" panose="020B0502040504020203" pitchFamily="34" charset="0"/>
+            </a:rPr>
+            <a:t>Multiple diagrams and coloring</a:t>
+          </a:r>
+          <a:endParaRPr lang="en-US" sz="1000" kern="1200" dirty="0" smtClean="0">
+            <a:latin typeface="Segoe" panose="020B0502040504020203" pitchFamily="34" charset="0"/>
+          </a:endParaRPr>
+        </a:p>
+        <a:p>
+          <a:pPr marL="57150" lvl="1" indent="-57150" algn="l" defTabSz="444500">
+            <a:lnSpc>
+              <a:spcPct val="90000"/>
+            </a:lnSpc>
+            <a:spcBef>
+              <a:spcPct val="0"/>
+            </a:spcBef>
+            <a:spcAft>
+              <a:spcPct val="15000"/>
+            </a:spcAft>
+            <a:buChar char="••"/>
+          </a:pPr>
+          <a:r>
+            <a:rPr lang="en-US" sz="1000" kern="1200" smtClean="0">
+              <a:latin typeface="Segoe" panose="020B0502040504020203" pitchFamily="34" charset="0"/>
+            </a:rPr>
+            <a:t>Batch import of stored procedures</a:t>
+          </a:r>
+          <a:endParaRPr lang="en-US" sz="1000" kern="1200" dirty="0" smtClean="0">
+            <a:latin typeface="Segoe" panose="020B0502040504020203" pitchFamily="34" charset="0"/>
+          </a:endParaRPr>
+        </a:p>
+        <a:p>
+          <a:pPr marL="57150" lvl="1" indent="-57150" algn="l" defTabSz="444500">
+            <a:lnSpc>
+              <a:spcPct val="90000"/>
+            </a:lnSpc>
+            <a:spcBef>
+              <a:spcPct val="0"/>
+            </a:spcBef>
+            <a:spcAft>
+              <a:spcPct val="15000"/>
+            </a:spcAft>
+            <a:buChar char="••"/>
+          </a:pPr>
+          <a:r>
+            <a:rPr lang="en-US" sz="1000" kern="1200" smtClean="0">
+              <a:latin typeface="Segoe" panose="020B0502040504020203" pitchFamily="34" charset="0"/>
+            </a:rPr>
+            <a:t>DbContext code generation</a:t>
+          </a:r>
+          <a:endParaRPr lang="en-US" sz="1000" kern="1200" dirty="0">
+            <a:latin typeface="Segoe" panose="020B0502040504020203" pitchFamily="34" charset="0"/>
+          </a:endParaRPr>
+        </a:p>
+      </dsp:txBody>
+      <dsp:txXfrm>
+        <a:off x="1423547" y="1237784"/>
+        <a:ext cx="5131559" cy="1125258"/>
+      </dsp:txXfrm>
+    </dsp:sp>
+    <dsp:sp modelId="{A6B6DC57-F9C0-4156-B9E4-460BEF44BDCF}">
+      <dsp:nvSpPr>
+        <dsp:cNvPr id="0" name=""/>
+        <dsp:cNvSpPr/>
+      </dsp:nvSpPr>
+      <dsp:spPr>
+        <a:xfrm>
+          <a:off x="112525" y="1350310"/>
+          <a:ext cx="1311021" cy="900206"/>
+        </a:xfrm>
+        <a:prstGeom prst="rect">
+          <a:avLst/>
+        </a:prstGeom>
+        <a:blipFill rotWithShape="1">
+          <a:blip xmlns:r="http://schemas.openxmlformats.org/officeDocument/2006/relationships" r:embed="rId2"/>
+          <a:stretch>
+            <a:fillRect/>
+          </a:stretch>
+        </a:blipFill>
+        <a:ln>
+          <a:noFill/>
+        </a:ln>
+        <a:effectLst/>
+      </dsp:spPr>
+      <dsp:style>
+        <a:lnRef idx="0">
+          <a:scrgbClr r="0" g="0" b="0"/>
+        </a:lnRef>
+        <a:fillRef idx="1">
+          <a:scrgbClr r="0" g="0" b="0"/>
+        </a:fillRef>
+        <a:effectRef idx="2">
+          <a:scrgbClr r="0" g="0" b="0"/>
+        </a:effectRef>
+        <a:fontRef idx="minor"/>
+      </dsp:style>
+    </dsp:sp>
   </dsp:spTree>
 </dsp:drawing>
 </file>
@@ -8840,7 +10399,7 @@
           <a:p>
             <a:fld id="{84994432-442A-417F-B6FA-819B8B891133}" type="datetimeFigureOut">
               <a:rPr lang="en-US" smtClean="0"/>
-              <a:t>2/1/2015</a:t>
+              <a:t>2/3/2015</a:t>
             </a:fld>
             <a:endParaRPr lang="en-US"/>
           </a:p>
@@ -9663,7 +11222,7 @@
           <a:p>
             <a:fld id="{211D4B0C-B40C-4B38-86E4-2AFA7E194751}" type="datetime1">
               <a:rPr lang="en-US" smtClean="0"/>
-              <a:t>2/1/2015</a:t>
+              <a:t>2/3/2015</a:t>
             </a:fld>
             <a:endParaRPr lang="en-US" dirty="0"/>
           </a:p>
@@ -9901,272 +11460,6 @@
     <p:extLst>
       <p:ext uri="{BB962C8B-B14F-4D97-AF65-F5344CB8AC3E}">
         <p14:creationId xmlns:p14="http://schemas.microsoft.com/office/powerpoint/2010/main" val="2641823597"/>
-      </p:ext>
-    </p:extLst>
-  </p:cSld>
-  <p:clrMapOvr>
-    <a:masterClrMapping/>
-  </p:clrMapOvr>
-</p:notes>
-</file>
-
-<file path=ppt/notesSlides/notesSlide7.xml><?xml version="1.0" encoding="utf-8"?>
-<p:notes xmlns:a="http://schemas.openxmlformats.org/drawingml/2006/main" xmlns:r="http://schemas.openxmlformats.org/officeDocument/2006/relationships" xmlns:p="http://schemas.openxmlformats.org/presentationml/2006/main">
-  <p:cSld>
-    <p:spTree>
-      <p:nvGrpSpPr>
-        <p:cNvPr id="1" name=""/>
-        <p:cNvGrpSpPr/>
-        <p:nvPr/>
-      </p:nvGrpSpPr>
-      <p:grpSpPr>
-        <a:xfrm>
-          <a:off x="0" y="0"/>
-          <a:ext cx="0" cy="0"/>
-          <a:chOff x="0" y="0"/>
-          <a:chExt cx="0" cy="0"/>
-        </a:xfrm>
-      </p:grpSpPr>
-      <p:sp>
-        <p:nvSpPr>
-          <p:cNvPr id="2" name="Slide Image Placeholder 1"/>
-          <p:cNvSpPr>
-            <a:spLocks noGrp="1" noRot="1" noChangeAspect="1"/>
-          </p:cNvSpPr>
-          <p:nvPr>
-            <p:ph type="sldImg"/>
-          </p:nvPr>
-        </p:nvSpPr>
-        <p:spPr/>
-      </p:sp>
-      <p:sp>
-        <p:nvSpPr>
-          <p:cNvPr id="3" name="Notes Placeholder 2"/>
-          <p:cNvSpPr>
-            <a:spLocks noGrp="1"/>
-          </p:cNvSpPr>
-          <p:nvPr>
-            <p:ph type="body" idx="1"/>
-          </p:nvPr>
-        </p:nvSpPr>
-        <p:spPr/>
-        <p:txBody>
-          <a:bodyPr/>
-          <a:lstStyle/>
-          <a:p>
-            <a:endParaRPr lang="en-US" dirty="0"/>
-          </a:p>
-        </p:txBody>
-      </p:sp>
-      <p:sp>
-        <p:nvSpPr>
-          <p:cNvPr id="4" name="Slide Number Placeholder 3"/>
-          <p:cNvSpPr>
-            <a:spLocks noGrp="1"/>
-          </p:cNvSpPr>
-          <p:nvPr>
-            <p:ph type="sldNum" sz="quarter" idx="10"/>
-          </p:nvPr>
-        </p:nvSpPr>
-        <p:spPr/>
-        <p:txBody>
-          <a:bodyPr/>
-          <a:lstStyle/>
-          <a:p>
-            <a:fld id="{6FB4F6EA-423E-42DF-9292-215E7D886C4E}" type="slidenum">
-              <a:rPr lang="en-US" smtClean="0"/>
-              <a:pPr/>
-              <a:t>25</a:t>
-            </a:fld>
-            <a:endParaRPr lang="en-US" dirty="0"/>
-          </a:p>
-        </p:txBody>
-      </p:sp>
-    </p:spTree>
-    <p:extLst>
-      <p:ext uri="{BB962C8B-B14F-4D97-AF65-F5344CB8AC3E}">
-        <p14:creationId xmlns:p14="http://schemas.microsoft.com/office/powerpoint/2010/main" val="2686763738"/>
-      </p:ext>
-    </p:extLst>
-  </p:cSld>
-  <p:clrMapOvr>
-    <a:masterClrMapping/>
-  </p:clrMapOvr>
-</p:notes>
-</file>
-
-<file path=ppt/notesSlides/notesSlide8.xml><?xml version="1.0" encoding="utf-8"?>
-<p:notes xmlns:a="http://schemas.openxmlformats.org/drawingml/2006/main" xmlns:r="http://schemas.openxmlformats.org/officeDocument/2006/relationships" xmlns:p="http://schemas.openxmlformats.org/presentationml/2006/main">
-  <p:cSld>
-    <p:spTree>
-      <p:nvGrpSpPr>
-        <p:cNvPr id="1" name=""/>
-        <p:cNvGrpSpPr/>
-        <p:nvPr/>
-      </p:nvGrpSpPr>
-      <p:grpSpPr>
-        <a:xfrm>
-          <a:off x="0" y="0"/>
-          <a:ext cx="0" cy="0"/>
-          <a:chOff x="0" y="0"/>
-          <a:chExt cx="0" cy="0"/>
-        </a:xfrm>
-      </p:grpSpPr>
-      <p:sp>
-        <p:nvSpPr>
-          <p:cNvPr id="2" name="Slide Image Placeholder 1"/>
-          <p:cNvSpPr>
-            <a:spLocks noGrp="1" noRot="1" noChangeAspect="1"/>
-          </p:cNvSpPr>
-          <p:nvPr>
-            <p:ph type="sldImg"/>
-          </p:nvPr>
-        </p:nvSpPr>
-        <p:spPr/>
-      </p:sp>
-      <p:sp>
-        <p:nvSpPr>
-          <p:cNvPr id="3" name="Notes Placeholder 2"/>
-          <p:cNvSpPr>
-            <a:spLocks noGrp="1"/>
-          </p:cNvSpPr>
-          <p:nvPr>
-            <p:ph type="body" idx="1"/>
-          </p:nvPr>
-        </p:nvSpPr>
-        <p:spPr/>
-        <p:txBody>
-          <a:bodyPr/>
-          <a:lstStyle/>
-          <a:p>
-            <a:endParaRPr lang="en-US"/>
-          </a:p>
-        </p:txBody>
-      </p:sp>
-      <p:sp>
-        <p:nvSpPr>
-          <p:cNvPr id="6" name="Slide Number Placeholder 5"/>
-          <p:cNvSpPr>
-            <a:spLocks noGrp="1"/>
-          </p:cNvSpPr>
-          <p:nvPr>
-            <p:ph type="sldNum" sz="quarter" idx="12"/>
-          </p:nvPr>
-        </p:nvSpPr>
-        <p:spPr/>
-        <p:txBody>
-          <a:bodyPr/>
-          <a:lstStyle/>
-          <a:p>
-            <a:fld id="{B4008EB6-D09E-4580-8CD6-DDB14511944F}" type="slidenum">
-              <a:rPr lang="en-US" smtClean="0"/>
-              <a:pPr/>
-              <a:t>33</a:t>
-            </a:fld>
-            <a:endParaRPr lang="en-US" dirty="0"/>
-          </a:p>
-        </p:txBody>
-      </p:sp>
-      <p:sp>
-        <p:nvSpPr>
-          <p:cNvPr id="10" name="Date Placeholder 9"/>
-          <p:cNvSpPr>
-            <a:spLocks noGrp="1"/>
-          </p:cNvSpPr>
-          <p:nvPr>
-            <p:ph type="dt" idx="13"/>
-          </p:nvPr>
-        </p:nvSpPr>
-        <p:spPr/>
-        <p:txBody>
-          <a:bodyPr/>
-          <a:lstStyle/>
-          <a:p>
-            <a:fld id="{EEDF3C4D-D87C-4908-890C-F1AD6E39936D}" type="datetime8">
-              <a:rPr lang="en-US" smtClean="0"/>
-              <a:t>2/1/2015 1:51 PM</a:t>
-            </a:fld>
-            <a:endParaRPr lang="en-US" dirty="0"/>
-          </a:p>
-        </p:txBody>
-      </p:sp>
-      <p:sp>
-        <p:nvSpPr>
-          <p:cNvPr id="11" name="Footer Placeholder 10"/>
-          <p:cNvSpPr>
-            <a:spLocks noGrp="1"/>
-          </p:cNvSpPr>
-          <p:nvPr>
-            <p:ph type="ftr" sz="quarter" idx="14"/>
-          </p:nvPr>
-        </p:nvSpPr>
-        <p:spPr/>
-        <p:txBody>
-          <a:bodyPr/>
-          <a:lstStyle/>
-          <a:p>
-            <a:pPr defTabSz="914099" eaLnBrk="0" hangingPunct="0"/>
-            <a:r>
-              <a:rPr lang="en-US" sz="400" smtClean="0">
-                <a:gradFill>
-                  <a:gsLst>
-                    <a:gs pos="0">
-                      <a:prstClr val="black"/>
-                    </a:gs>
-                    <a:gs pos="100000">
-                      <a:prstClr val="black"/>
-                    </a:gs>
-                  </a:gsLst>
-                  <a:lin ang="5400000" scaled="0"/>
-                </a:gradFill>
-                <a:latin typeface="Segoe UI" pitchFamily="34" charset="0"/>
-                <a:ea typeface="Segoe UI" pitchFamily="34" charset="0"/>
-                <a:cs typeface="Segoe UI" pitchFamily="34" charset="0"/>
-              </a:rPr>
-              <a:t>© 2013 Microsoft Corporation. All rights reserved. Microsoft, Windows, and other product names are or may be registered trademarks and/or trademarks in the U.S. and/or other countries. The information herein is for informational purposes only and represents the current view of Microsoft Corporation as of the date of this presentation.  Because Microsoft must respond to changing market conditions, it should not be interpreted to be a commitment on the part of Microsoft, and Microsoft cannot guarantee the accuracy of any information provided after the date of this presentation.  MICROSOFT MAKES NO WARRANTIES, EXPRESS, IMPLIED OR STATUTORY, AS TO THE INFORMATION IN THIS PRESENTATION.</a:t>
-            </a:r>
-            <a:endParaRPr lang="en-US" sz="400" dirty="0" smtClean="0">
-              <a:gradFill>
-                <a:gsLst>
-                  <a:gs pos="0">
-                    <a:prstClr val="black"/>
-                  </a:gs>
-                  <a:gs pos="100000">
-                    <a:prstClr val="black"/>
-                  </a:gs>
-                </a:gsLst>
-                <a:lin ang="5400000" scaled="0"/>
-              </a:gradFill>
-              <a:latin typeface="Segoe UI" pitchFamily="34" charset="0"/>
-              <a:ea typeface="Segoe UI" pitchFamily="34" charset="0"/>
-              <a:cs typeface="Segoe UI" pitchFamily="34" charset="0"/>
-            </a:endParaRPr>
-          </a:p>
-        </p:txBody>
-      </p:sp>
-      <p:sp>
-        <p:nvSpPr>
-          <p:cNvPr id="12" name="Header Placeholder 11"/>
-          <p:cNvSpPr>
-            <a:spLocks noGrp="1"/>
-          </p:cNvSpPr>
-          <p:nvPr>
-            <p:ph type="hdr" sz="quarter" idx="15"/>
-          </p:nvPr>
-        </p:nvSpPr>
-        <p:spPr/>
-        <p:txBody>
-          <a:bodyPr/>
-          <a:lstStyle/>
-          <a:p>
-            <a:endParaRPr lang="en-US" dirty="0"/>
-          </a:p>
-        </p:txBody>
-      </p:sp>
-    </p:spTree>
-    <p:extLst>
-      <p:ext uri="{BB962C8B-B14F-4D97-AF65-F5344CB8AC3E}">
-        <p14:creationId xmlns:p14="http://schemas.microsoft.com/office/powerpoint/2010/main" val="2802673469"/>
       </p:ext>
     </p:extLst>
   </p:cSld>
@@ -10307,7 +11600,7 @@
           <a:p>
             <a:fld id="{CA550756-7C99-45CB-AB2B-3432577F22C2}" type="datetimeFigureOut">
               <a:rPr lang="en-US" smtClean="0"/>
-              <a:t>2/1/2015</a:t>
+              <a:t>2/3/2015</a:t>
             </a:fld>
             <a:endParaRPr lang="en-US"/>
           </a:p>
@@ -10477,7 +11770,7 @@
           <a:p>
             <a:fld id="{CA550756-7C99-45CB-AB2B-3432577F22C2}" type="datetimeFigureOut">
               <a:rPr lang="en-US" smtClean="0"/>
-              <a:t>2/1/2015</a:t>
+              <a:t>2/3/2015</a:t>
             </a:fld>
             <a:endParaRPr lang="en-US"/>
           </a:p>
@@ -10657,7 +11950,7 @@
           <a:p>
             <a:fld id="{CA550756-7C99-45CB-AB2B-3432577F22C2}" type="datetimeFigureOut">
               <a:rPr lang="en-US" smtClean="0"/>
-              <a:t>2/1/2015</a:t>
+              <a:t>2/3/2015</a:t>
             </a:fld>
             <a:endParaRPr lang="en-US"/>
           </a:p>
@@ -11282,147 +12575,6 @@
 </p:sldLayout>
 </file>
 
-<file path=ppt/slideLayouts/slideLayout14.xml><?xml version="1.0" encoding="utf-8"?>
-<p:sldLayout xmlns:a="http://schemas.openxmlformats.org/drawingml/2006/main" xmlns:r="http://schemas.openxmlformats.org/officeDocument/2006/relationships" xmlns:p="http://schemas.openxmlformats.org/presentationml/2006/main" userDrawn="1">
-  <p:cSld name="Title &amp; Non-bulleted text">
-    <p:spTree>
-      <p:nvGrpSpPr>
-        <p:cNvPr id="1" name=""/>
-        <p:cNvGrpSpPr/>
-        <p:nvPr/>
-      </p:nvGrpSpPr>
-      <p:grpSpPr>
-        <a:xfrm>
-          <a:off x="0" y="0"/>
-          <a:ext cx="0" cy="0"/>
-          <a:chOff x="0" y="0"/>
-          <a:chExt cx="0" cy="0"/>
-        </a:xfrm>
-      </p:grpSpPr>
-      <p:sp>
-        <p:nvSpPr>
-          <p:cNvPr id="2" name="Title 1"/>
-          <p:cNvSpPr>
-            <a:spLocks noGrp="1"/>
-          </p:cNvSpPr>
-          <p:nvPr>
-            <p:ph type="title"/>
-          </p:nvPr>
-        </p:nvSpPr>
-        <p:spPr/>
-        <p:txBody>
-          <a:bodyPr/>
-          <a:lstStyle/>
-          <a:p>
-            <a:r>
-              <a:rPr lang="en-US" smtClean="0"/>
-              <a:t>Click to edit Master title style</a:t>
-            </a:r>
-            <a:endParaRPr lang="en-US" dirty="0"/>
-          </a:p>
-        </p:txBody>
-      </p:sp>
-      <p:sp>
-        <p:nvSpPr>
-          <p:cNvPr id="4" name="Text Placeholder 3"/>
-          <p:cNvSpPr>
-            <a:spLocks noGrp="1"/>
-          </p:cNvSpPr>
-          <p:nvPr>
-            <p:ph type="body" sz="quarter" idx="11"/>
-          </p:nvPr>
-        </p:nvSpPr>
-        <p:spPr>
-          <a:xfrm>
-            <a:off x="201930" y="1189176"/>
-            <a:ext cx="8741880" cy="2018835"/>
-          </a:xfrm>
-        </p:spPr>
-        <p:txBody>
-          <a:bodyPr/>
-          <a:lstStyle>
-            <a:lvl1pPr marL="0" indent="0">
-              <a:buNone/>
-              <a:defRPr/>
-            </a:lvl1pPr>
-            <a:lvl2pPr marL="21011" indent="0">
-              <a:buNone/>
-              <a:defRPr sz="1471"/>
-            </a:lvl2pPr>
-            <a:lvl3pPr marL="164588" indent="0">
-              <a:buNone/>
-              <a:defRPr sz="1471"/>
-            </a:lvl3pPr>
-            <a:lvl4pPr marL="350187" indent="0">
-              <a:buNone/>
-              <a:defRPr sz="1324"/>
-            </a:lvl4pPr>
-            <a:lvl5pPr marL="543957" indent="0">
-              <a:buNone/>
-              <a:defRPr sz="1324"/>
-            </a:lvl5pPr>
-          </a:lstStyle>
-          <a:p>
-            <a:pPr lvl="0"/>
-            <a:r>
-              <a:rPr lang="en-US" smtClean="0"/>
-              <a:t>Click to edit Master text styles</a:t>
-            </a:r>
-          </a:p>
-          <a:p>
-            <a:pPr lvl="1"/>
-            <a:r>
-              <a:rPr lang="en-US" smtClean="0"/>
-              <a:t>Second level</a:t>
-            </a:r>
-          </a:p>
-          <a:p>
-            <a:pPr lvl="2"/>
-            <a:r>
-              <a:rPr lang="en-US" smtClean="0"/>
-              <a:t>Third level</a:t>
-            </a:r>
-          </a:p>
-          <a:p>
-            <a:pPr lvl="3"/>
-            <a:r>
-              <a:rPr lang="en-US" smtClean="0"/>
-              <a:t>Fourth level</a:t>
-            </a:r>
-          </a:p>
-          <a:p>
-            <a:pPr lvl="4"/>
-            <a:r>
-              <a:rPr lang="en-US" smtClean="0"/>
-              <a:t>Fifth level</a:t>
-            </a:r>
-            <a:endParaRPr lang="en-US" dirty="0"/>
-          </a:p>
-        </p:txBody>
-      </p:sp>
-    </p:spTree>
-    <p:extLst>
-      <p:ext uri="{BB962C8B-B14F-4D97-AF65-F5344CB8AC3E}">
-        <p14:creationId xmlns:p14="http://schemas.microsoft.com/office/powerpoint/2010/main" val="3429975337"/>
-      </p:ext>
-    </p:extLst>
-  </p:cSld>
-  <p:clrMapOvr>
-    <a:masterClrMapping/>
-  </p:clrMapOvr>
-  <p:transition>
-    <p:fade/>
-  </p:transition>
-  <p:timing>
-    <p:tnLst>
-      <p:par>
-        <p:cTn id="1" dur="indefinite" restart="never" nodeType="tmRoot"/>
-      </p:par>
-    </p:tnLst>
-  </p:timing>
-</p:sldLayout>
-</file>
-
 <file path=ppt/slideLayouts/slideLayout2.xml><?xml version="1.0" encoding="utf-8"?>
 <p:sldLayout xmlns:a="http://schemas.openxmlformats.org/drawingml/2006/main" xmlns:r="http://schemas.openxmlformats.org/officeDocument/2006/relationships" xmlns:p="http://schemas.openxmlformats.org/presentationml/2006/main" type="obj" preserve="1">
   <p:cSld name="Title and Content">
@@ -11532,7 +12684,7 @@
           <a:p>
             <a:fld id="{CA550756-7C99-45CB-AB2B-3432577F22C2}" type="datetimeFigureOut">
               <a:rPr lang="en-US" smtClean="0"/>
-              <a:t>2/1/2015</a:t>
+              <a:t>2/3/2015</a:t>
             </a:fld>
             <a:endParaRPr lang="en-US"/>
           </a:p>
@@ -11776,7 +12928,7 @@
           <a:p>
             <a:fld id="{CA550756-7C99-45CB-AB2B-3432577F22C2}" type="datetimeFigureOut">
               <a:rPr lang="en-US" smtClean="0"/>
-              <a:t>2/1/2015</a:t>
+              <a:t>2/3/2015</a:t>
             </a:fld>
             <a:endParaRPr lang="en-US"/>
           </a:p>
@@ -12008,7 +13160,7 @@
           <a:p>
             <a:fld id="{CA550756-7C99-45CB-AB2B-3432577F22C2}" type="datetimeFigureOut">
               <a:rPr lang="en-US" smtClean="0"/>
-              <a:t>2/1/2015</a:t>
+              <a:t>2/3/2015</a:t>
             </a:fld>
             <a:endParaRPr lang="en-US"/>
           </a:p>
@@ -12375,7 +13527,7 @@
           <a:p>
             <a:fld id="{CA550756-7C99-45CB-AB2B-3432577F22C2}" type="datetimeFigureOut">
               <a:rPr lang="en-US" smtClean="0"/>
-              <a:t>2/1/2015</a:t>
+              <a:t>2/3/2015</a:t>
             </a:fld>
             <a:endParaRPr lang="en-US"/>
           </a:p>
@@ -12493,7 +13645,7 @@
           <a:p>
             <a:fld id="{CA550756-7C99-45CB-AB2B-3432577F22C2}" type="datetimeFigureOut">
               <a:rPr lang="en-US" smtClean="0"/>
-              <a:t>2/1/2015</a:t>
+              <a:t>2/3/2015</a:t>
             </a:fld>
             <a:endParaRPr lang="en-US"/>
           </a:p>
@@ -12588,7 +13740,7 @@
           <a:p>
             <a:fld id="{CA550756-7C99-45CB-AB2B-3432577F22C2}" type="datetimeFigureOut">
               <a:rPr lang="en-US" smtClean="0"/>
-              <a:t>2/1/2015</a:t>
+              <a:t>2/3/2015</a:t>
             </a:fld>
             <a:endParaRPr lang="en-US"/>
           </a:p>
@@ -12865,7 +14017,7 @@
           <a:p>
             <a:fld id="{CA550756-7C99-45CB-AB2B-3432577F22C2}" type="datetimeFigureOut">
               <a:rPr lang="en-US" smtClean="0"/>
-              <a:t>2/1/2015</a:t>
+              <a:t>2/3/2015</a:t>
             </a:fld>
             <a:endParaRPr lang="en-US"/>
           </a:p>
@@ -13122,7 +14274,7 @@
           <a:p>
             <a:fld id="{CA550756-7C99-45CB-AB2B-3432577F22C2}" type="datetimeFigureOut">
               <a:rPr lang="en-US" smtClean="0"/>
-              <a:t>2/1/2015</a:t>
+              <a:t>2/3/2015</a:t>
             </a:fld>
             <a:endParaRPr lang="en-US"/>
           </a:p>
@@ -13335,7 +14487,7 @@
           <a:p>
             <a:fld id="{CA550756-7C99-45CB-AB2B-3432577F22C2}" type="datetimeFigureOut">
               <a:rPr lang="en-US" smtClean="0"/>
-              <a:t>2/1/2015</a:t>
+              <a:t>2/3/2015</a:t>
             </a:fld>
             <a:endParaRPr lang="en-US"/>
           </a:p>
@@ -13441,7 +14593,6 @@
     <p:sldLayoutId id="2147483672" r:id="rId11"/>
     <p:sldLayoutId id="2147483673" r:id="rId12"/>
     <p:sldLayoutId id="2147483674" r:id="rId13"/>
-    <p:sldLayoutId id="2147483675" r:id="rId14"/>
   </p:sldLayoutIdLst>
   <p:txStyles>
     <p:titleStyle>
@@ -23559,41 +24710,22 @@
           <a:bodyPr/>
           <a:lstStyle/>
           <a:p>
-            <a:pPr lvl="1"/>
-            <a:r>
-              <a:rPr lang="en-US" sz="4000" dirty="0">
-                <a:gradFill>
-                  <a:gsLst>
-                    <a:gs pos="1250">
-                      <a:schemeClr val="tx1"/>
-                    </a:gs>
-                    <a:gs pos="99000">
-                      <a:schemeClr val="tx1"/>
-                    </a:gs>
-                  </a:gsLst>
-                  <a:lin ang="5400000" scaled="0"/>
-                </a:gradFill>
-              </a:rPr>
-              <a:t>From our contributors</a:t>
-            </a:r>
-            <a:endParaRPr lang="en-US" dirty="0"/>
-          </a:p>
-          <a:p>
-            <a:pPr lvl="1"/>
+            <a:r>
+              <a:rPr lang="en-US" dirty="0" smtClean="0"/>
+              <a:t>Custom </a:t>
+            </a:r>
             <a:r>
               <a:rPr lang="en-US" dirty="0"/>
-              <a:t>Custom migrations operations</a:t>
-            </a:r>
-          </a:p>
-          <a:p>
-            <a:pPr lvl="1"/>
+              <a:t>migrations operations</a:t>
+            </a:r>
+          </a:p>
+          <a:p>
             <a:r>
               <a:rPr lang="en-US" dirty="0"/>
               <a:t>Improved warm up time for large models</a:t>
             </a:r>
           </a:p>
           <a:p>
-            <a:pPr lvl="1"/>
             <a:r>
               <a:rPr lang="en-US" dirty="0"/>
               <a:t>Pluggable pluralization &amp; </a:t>
@@ -23608,7 +24740,6 @@
             </a:r>
           </a:p>
           <a:p>
-            <a:pPr lvl="1"/>
             <a:r>
               <a:rPr lang="en-US" dirty="0" err="1"/>
               <a:t>DbModelBuilder.Configurations.AddFromAssembly</a:t>
@@ -23616,7 +24747,6 @@
             <a:endParaRPr lang="en-US" dirty="0"/>
           </a:p>
           <a:p>
-            <a:pPr lvl="1"/>
             <a:r>
               <a:rPr lang="en-US" dirty="0" err="1"/>
               <a:t>DbSet.AddRange</a:t>
@@ -23697,12 +24827,14 @@
         </p:nvSpPr>
         <p:spPr>
           <a:xfrm>
-            <a:off x="228600" y="914400"/>
-            <a:ext cx="8686800" cy="5686425"/>
+            <a:off x="228600" y="2052735"/>
+            <a:ext cx="8686800" cy="4548090"/>
           </a:xfrm>
         </p:spPr>
         <p:txBody>
-          <a:bodyPr/>
+          <a:bodyPr>
+            <a:normAutofit lnSpcReduction="10000"/>
+          </a:bodyPr>
           <a:lstStyle/>
           <a:p>
             <a:pPr>
@@ -23789,12 +24921,6 @@
             </a:r>
             <a:r>
               <a:rPr lang="da-DK" dirty="0" smtClean="0">
-                <a:solidFill>
-                  <a:schemeClr val="accent5">
-                    <a:lumMod val="20000"/>
-                    <a:lumOff val="80000"/>
-                  </a:schemeClr>
-                </a:solidFill>
                 <a:latin typeface="Consolas" pitchFamily="49" charset="0"/>
                 <a:cs typeface="Consolas" pitchFamily="49" charset="0"/>
               </a:rPr>
@@ -23806,12 +24932,6 @@
             </a:r>
             <a:r>
               <a:rPr lang="da-DK" dirty="0">
-                <a:solidFill>
-                  <a:schemeClr val="accent5">
-                    <a:lumMod val="20000"/>
-                    <a:lumOff val="80000"/>
-                  </a:schemeClr>
-                </a:solidFill>
                 <a:latin typeface="Consolas" pitchFamily="49" charset="0"/>
                 <a:cs typeface="Consolas" pitchFamily="49" charset="0"/>
               </a:rPr>
@@ -23928,7 +25048,7 @@
         <p:spPr/>
         <p:txBody>
           <a:bodyPr>
-            <a:normAutofit lnSpcReduction="10000"/>
+            <a:normAutofit/>
           </a:bodyPr>
           <a:lstStyle/>
           <a:p>
@@ -23959,30 +25079,6 @@
             <a:r>
               <a:rPr lang="en-US" dirty="0" smtClean="0"/>
               <a:t>5 – Model First</a:t>
-            </a:r>
-          </a:p>
-          <a:p>
-            <a:r>
-              <a:rPr lang="en-US" dirty="0" smtClean="0"/>
-              <a:t>6 – Enterprise Considerations</a:t>
-            </a:r>
-          </a:p>
-          <a:p>
-            <a:r>
-              <a:rPr lang="en-US" dirty="0" smtClean="0"/>
-              <a:t>7 – Bounded Contexts in Code First</a:t>
-            </a:r>
-          </a:p>
-          <a:p>
-            <a:r>
-              <a:rPr lang="en-US" dirty="0" smtClean="0"/>
-              <a:t>8 – Repositories and Units of Work</a:t>
-            </a:r>
-          </a:p>
-          <a:p>
-            <a:r>
-              <a:rPr lang="en-US" dirty="0" smtClean="0"/>
-              <a:t>9 – Injection and Testing</a:t>
             </a:r>
           </a:p>
           <a:p>
@@ -24064,19 +25160,8 @@
               </a:lnSpc>
             </a:pPr>
             <a:r>
-              <a:rPr lang="en-US" dirty="0" smtClean="0">
-                <a:solidFill>
-                  <a:schemeClr val="accent5">
-                    <a:lumMod val="20000"/>
-                    <a:lumOff val="80000"/>
-                  </a:schemeClr>
-                </a:solidFill>
-              </a:rPr>
-              <a:t>Entity Framework</a:t>
-            </a:r>
-            <a:r>
               <a:rPr lang="en-US" dirty="0" smtClean="0"/>
-              <a:t> standard features:</a:t>
+              <a:t>Entity Framework standard features:</a:t>
             </a:r>
           </a:p>
           <a:p>
@@ -24113,12 +25198,6 @@
             </a:r>
             <a:r>
               <a:rPr lang="en-US" dirty="0" smtClean="0">
-                <a:solidFill>
-                  <a:schemeClr val="accent5">
-                    <a:lumMod val="20000"/>
-                    <a:lumOff val="80000"/>
-                  </a:schemeClr>
-                </a:solidFill>
                 <a:latin typeface="Consolas" pitchFamily="49" charset="0"/>
                 <a:cs typeface="Consolas" pitchFamily="49" charset="0"/>
               </a:rPr>
@@ -24126,12 +25205,6 @@
             </a:r>
             <a:r>
               <a:rPr lang="en-US" dirty="0" smtClean="0">
-                <a:solidFill>
-                  <a:schemeClr val="accent5">
-                    <a:lumMod val="20000"/>
-                    <a:lumOff val="80000"/>
-                  </a:schemeClr>
-                </a:solidFill>
                 <a:latin typeface="+mj-lt"/>
                 <a:cs typeface="Consolas" pitchFamily="49" charset="0"/>
               </a:rPr>
@@ -24139,12 +25212,6 @@
             </a:r>
             <a:r>
               <a:rPr lang="en-US" dirty="0" smtClean="0">
-                <a:solidFill>
-                  <a:schemeClr val="accent5">
-                    <a:lumMod val="20000"/>
-                    <a:lumOff val="80000"/>
-                  </a:schemeClr>
-                </a:solidFill>
                 <a:latin typeface="Consolas" pitchFamily="49" charset="0"/>
                 <a:cs typeface="Consolas" pitchFamily="49" charset="0"/>
               </a:rPr>
@@ -24163,63 +25230,7 @@
             </a:pPr>
             <a:r>
               <a:rPr lang="en-US" dirty="0" smtClean="0"/>
-              <a:t>CRUD operations – </a:t>
-            </a:r>
-            <a:r>
-              <a:rPr lang="en-US" dirty="0" smtClean="0">
-                <a:solidFill>
-                  <a:schemeClr val="accent5">
-                    <a:lumMod val="20000"/>
-                    <a:lumOff val="80000"/>
-                  </a:schemeClr>
-                </a:solidFill>
-              </a:rPr>
-              <a:t>Create</a:t>
-            </a:r>
-            <a:r>
-              <a:rPr lang="en-US" dirty="0" smtClean="0"/>
-              <a:t>/</a:t>
-            </a:r>
-            <a:r>
-              <a:rPr lang="en-US" dirty="0" smtClean="0">
-                <a:solidFill>
-                  <a:schemeClr val="accent5">
-                    <a:lumMod val="20000"/>
-                    <a:lumOff val="80000"/>
-                  </a:schemeClr>
-                </a:solidFill>
-              </a:rPr>
-              <a:t>Read</a:t>
-            </a:r>
-            <a:r>
-              <a:rPr lang="en-US" dirty="0" smtClean="0"/>
-              <a:t>/</a:t>
-            </a:r>
-            <a:r>
-              <a:rPr lang="en-US" dirty="0" smtClean="0">
-                <a:solidFill>
-                  <a:schemeClr val="accent5">
-                    <a:lumMod val="20000"/>
-                    <a:lumOff val="80000"/>
-                  </a:schemeClr>
-                </a:solidFill>
-              </a:rPr>
-              <a:t>Update</a:t>
-            </a:r>
-            <a:r>
-              <a:rPr lang="en-US" dirty="0" smtClean="0"/>
-              <a:t>/</a:t>
-            </a:r>
-            <a:r>
-              <a:rPr lang="en-US" dirty="0" smtClean="0">
-                <a:solidFill>
-                  <a:schemeClr val="accent5">
-                    <a:lumMod val="20000"/>
-                    <a:lumOff val="80000"/>
-                  </a:schemeClr>
-                </a:solidFill>
-              </a:rPr>
-              <a:t>Delete</a:t>
+              <a:t>CRUD operations – Create/Read/Update/Delete</a:t>
             </a:r>
           </a:p>
           <a:p>
@@ -24330,7 +25341,11 @@
           <a:p>
             <a:r>
               <a:rPr lang="en-US" dirty="0" smtClean="0"/>
-              <a:t>Entity Framework Lifecycle (2)</a:t>
+              <a:t>Entity Framework </a:t>
+            </a:r>
+            <a:r>
+              <a:rPr lang="en-US" dirty="0" smtClean="0"/>
+              <a:t>Lifecycle</a:t>
             </a:r>
             <a:endParaRPr lang="bg-BG" dirty="0"/>
           </a:p>
@@ -24348,7 +25363,7 @@
         </p:nvSpPr>
         <p:spPr>
           <a:xfrm>
-            <a:off x="228600" y="1690688"/>
+            <a:off x="628650" y="1858965"/>
             <a:ext cx="8686800" cy="4862511"/>
           </a:xfrm>
         </p:spPr>
@@ -24373,19 +25388,8 @@
               </a:lnSpc>
             </a:pPr>
             <a:r>
-              <a:rPr lang="en-US" dirty="0" smtClean="0">
-                <a:solidFill>
-                  <a:schemeClr val="accent5">
-                    <a:lumMod val="20000"/>
-                    <a:lumOff val="80000"/>
-                  </a:schemeClr>
-                </a:solidFill>
-              </a:rPr>
-              <a:t>Entity Framework </a:t>
-            </a:r>
-            <a:r>
               <a:rPr lang="en-US" dirty="0" smtClean="0"/>
-              <a:t>translates them back to objects</a:t>
+              <a:t>Entity Framework translates them back to objects</a:t>
             </a:r>
           </a:p>
           <a:p>
@@ -24396,88 +25400,66 @@
             </a:pPr>
             <a:r>
               <a:rPr lang="en-US" dirty="0" smtClean="0"/>
-              <a:t>The Database is transparent, hidden behind the API</a:t>
-            </a:r>
-          </a:p>
-          <a:p>
-            <a:pPr marL="282575" lvl="2" indent="-282575">
+              <a:t>The Database is transparent, hidden behind the </a:t>
+            </a:r>
+            <a:r>
+              <a:rPr lang="en-US" dirty="0" smtClean="0"/>
+              <a:t>API</a:t>
+            </a:r>
+          </a:p>
+          <a:p>
+            <a:pPr>
               <a:lnSpc>
                 <a:spcPct val="100000"/>
               </a:lnSpc>
-              <a:buClr>
-                <a:schemeClr val="accent5">
-                  <a:lumMod val="40000"/>
-                  <a:lumOff val="60000"/>
-                </a:schemeClr>
-              </a:buClr>
-              <a:buSzPct val="70000"/>
-              <a:buFont typeface="Wingdings 2" pitchFamily="18" charset="2"/>
-              <a:buChar char=""/>
-              <a:tabLst>
-                <a:tab pos="282575" algn="l"/>
-              </a:tabLst>
             </a:pPr>
             <a:r>
               <a:rPr lang="en-US" sz="3000" dirty="0" smtClean="0"/>
-              <a:t>LINQ is executed over </a:t>
+              <a:t>LINQ </a:t>
+            </a:r>
+            <a:r>
+              <a:rPr lang="en-US" sz="3000" dirty="0" smtClean="0"/>
+              <a:t>is executed over </a:t>
             </a:r>
             <a:r>
               <a:rPr lang="en-US" sz="3000" noProof="1" smtClean="0">
-                <a:solidFill>
-                  <a:schemeClr val="accent5">
-                    <a:lumMod val="20000"/>
-                    <a:lumOff val="80000"/>
-                  </a:schemeClr>
-                </a:solidFill>
                 <a:latin typeface="Consolas" pitchFamily="49" charset="0"/>
               </a:rPr>
               <a:t>IQueryable&lt;T&gt;</a:t>
             </a:r>
           </a:p>
           <a:p>
-            <a:pPr marL="547687" lvl="3" indent="-282575">
+            <a:pPr lvl="1">
               <a:lnSpc>
                 <a:spcPct val="100000"/>
               </a:lnSpc>
-              <a:buClr>
-                <a:schemeClr val="accent5">
-                  <a:lumMod val="40000"/>
-                  <a:lumOff val="60000"/>
-                </a:schemeClr>
-              </a:buClr>
-              <a:buSzPct val="70000"/>
-              <a:buFont typeface="Wingdings 2" pitchFamily="18" charset="2"/>
-              <a:buChar char=""/>
-              <a:tabLst>
-                <a:tab pos="282575" algn="l"/>
-              </a:tabLst>
             </a:pPr>
             <a:r>
-              <a:rPr lang="en-US" sz="2800" dirty="0" smtClean="0"/>
-              <a:t>At compile time a query expression tree is emitted</a:t>
-            </a:r>
-          </a:p>
-          <a:p>
-            <a:pPr marL="547687" lvl="3" indent="-282575">
+              <a:rPr lang="en-US" sz="2400" dirty="0" smtClean="0"/>
+              <a:t>At </a:t>
+            </a:r>
+            <a:r>
+              <a:rPr lang="en-US" sz="2400" dirty="0" smtClean="0"/>
+              <a:t>compile time a query expression tree is </a:t>
+            </a:r>
+            <a:r>
+              <a:rPr lang="en-US" sz="2400" dirty="0" smtClean="0"/>
+              <a:t>emitted</a:t>
+            </a:r>
+          </a:p>
+          <a:p>
+            <a:pPr lvl="1">
               <a:lnSpc>
                 <a:spcPct val="100000"/>
               </a:lnSpc>
-              <a:buClr>
-                <a:schemeClr val="accent5">
-                  <a:lumMod val="40000"/>
-                  <a:lumOff val="60000"/>
-                </a:schemeClr>
-              </a:buClr>
-              <a:buSzPct val="70000"/>
-              <a:buFont typeface="Wingdings 2" pitchFamily="18" charset="2"/>
-              <a:buChar char=""/>
-              <a:tabLst>
-                <a:tab pos="282575" algn="l"/>
-              </a:tabLst>
             </a:pPr>
             <a:r>
               <a:rPr lang="en-US" sz="2800" dirty="0" smtClean="0"/>
-              <a:t>At runtime SQL is generated and executed</a:t>
+              <a:t>At </a:t>
+            </a:r>
+            <a:r>
+              <a:rPr lang="en-US" sz="2800" dirty="0" smtClean="0"/>
+              <a:t>runtime SQL is generated and executed</a:t>
             </a:r>
           </a:p>
         </p:txBody>
@@ -24596,38 +25578,18 @@
               </a:lnSpc>
             </a:pPr>
             <a:r>
-              <a:rPr lang="en-US" dirty="0" smtClean="0">
-                <a:solidFill>
-                  <a:schemeClr val="accent5">
-                    <a:lumMod val="20000"/>
-                    <a:lumOff val="80000"/>
-                  </a:schemeClr>
-                </a:solidFill>
-              </a:rPr>
+              <a:rPr lang="en-US" dirty="0" smtClean="0"/>
               <a:t>The </a:t>
             </a:r>
             <a:r>
               <a:rPr lang="en-US" noProof="1" smtClean="0">
-                <a:solidFill>
-                  <a:schemeClr val="accent5">
-                    <a:lumMod val="20000"/>
-                    <a:lumOff val="80000"/>
-                  </a:schemeClr>
-                </a:solidFill>
                 <a:latin typeface="Consolas" pitchFamily="49" charset="0"/>
                 <a:cs typeface="Consolas" pitchFamily="49" charset="0"/>
               </a:rPr>
               <a:t>ObjectContext </a:t>
             </a:r>
             <a:r>
-              <a:rPr lang="en-US" dirty="0" smtClean="0">
-                <a:solidFill>
-                  <a:schemeClr val="accent5">
-                    <a:lumMod val="20000"/>
-                    <a:lumOff val="80000"/>
-                  </a:schemeClr>
-                </a:solidFill>
-              </a:rPr>
+              <a:rPr lang="en-US" dirty="0" smtClean="0"/>
               <a:t>class</a:t>
             </a:r>
           </a:p>
@@ -24639,12 +25601,6 @@
             </a:pPr>
             <a:r>
               <a:rPr lang="en-US" noProof="1" smtClean="0">
-                <a:solidFill>
-                  <a:schemeClr val="accent5">
-                    <a:lumMod val="20000"/>
-                    <a:lumOff val="80000"/>
-                  </a:schemeClr>
-                </a:solidFill>
                 <a:latin typeface="Consolas" pitchFamily="49" charset="0"/>
                 <a:cs typeface="Consolas" pitchFamily="49" charset="0"/>
               </a:rPr>
@@ -24652,12 +25608,6 @@
             </a:r>
             <a:r>
               <a:rPr lang="en-US" noProof="1" smtClean="0">
-                <a:solidFill>
-                  <a:schemeClr val="accent5">
-                    <a:lumMod val="20000"/>
-                    <a:lumOff val="80000"/>
-                  </a:schemeClr>
-                </a:solidFill>
                 <a:latin typeface="+mj-lt"/>
                 <a:cs typeface="Consolas" pitchFamily="49" charset="0"/>
               </a:rPr>
@@ -24703,14 +25653,7 @@
               </a:lnSpc>
             </a:pPr>
             <a:r>
-              <a:rPr lang="en-US" dirty="0" smtClean="0">
-                <a:solidFill>
-                  <a:schemeClr val="accent5">
-                    <a:lumMod val="20000"/>
-                    <a:lumOff val="80000"/>
-                  </a:schemeClr>
-                </a:solidFill>
-              </a:rPr>
+              <a:rPr lang="en-US" dirty="0" smtClean="0"/>
               <a:t>Entity classes</a:t>
             </a:r>
           </a:p>
@@ -24817,10 +25760,6 @@
               <a:rPr lang="bg-BG" dirty="0" smtClean="0"/>
               <a:t>nents</a:t>
             </a:r>
-            <a:r>
-              <a:rPr lang="en-US" dirty="0" smtClean="0"/>
-              <a:t> (2)</a:t>
-            </a:r>
             <a:endParaRPr lang="bg-BG" dirty="0"/>
           </a:p>
         </p:txBody>
@@ -24846,24 +25785,10 @@
               </a:lnSpc>
             </a:pPr>
             <a:r>
-              <a:rPr lang="bg-BG" dirty="0" smtClean="0">
-                <a:solidFill>
-                  <a:schemeClr val="accent5">
-                    <a:lumMod val="20000"/>
-                    <a:lumOff val="80000"/>
-                  </a:schemeClr>
-                </a:solidFill>
-              </a:rPr>
+              <a:rPr lang="bg-BG" dirty="0" smtClean="0"/>
               <a:t>Associations</a:t>
             </a:r>
-            <a:endParaRPr lang="en-US" dirty="0" smtClean="0">
-              <a:solidFill>
-                <a:schemeClr val="accent5">
-                  <a:lumMod val="20000"/>
-                  <a:lumOff val="80000"/>
-                </a:schemeClr>
-              </a:solidFill>
-            </a:endParaRPr>
+            <a:endParaRPr lang="en-US" dirty="0" smtClean="0"/>
           </a:p>
           <a:p>
             <a:pPr lvl="1">
@@ -24888,12 +25813,6 @@
             </a:r>
             <a:r>
               <a:rPr lang="en-US" noProof="1" smtClean="0">
-                <a:solidFill>
-                  <a:schemeClr val="accent5">
-                    <a:lumMod val="20000"/>
-                    <a:lumOff val="80000"/>
-                  </a:schemeClr>
-                </a:solidFill>
                 <a:latin typeface="Consolas" pitchFamily="49" charset="0"/>
                 <a:cs typeface="Consolas" pitchFamily="49" charset="0"/>
               </a:rPr>
@@ -24907,14 +25826,7 @@
               </a:lnSpc>
             </a:pPr>
             <a:r>
-              <a:rPr lang="en-US" dirty="0" smtClean="0">
-                <a:solidFill>
-                  <a:schemeClr val="accent5">
-                    <a:lumMod val="20000"/>
-                    <a:lumOff val="80000"/>
-                  </a:schemeClr>
-                </a:solidFill>
-              </a:rPr>
+              <a:rPr lang="en-US" dirty="0" smtClean="0"/>
               <a:t>Concurrency control</a:t>
             </a:r>
           </a:p>
@@ -24925,34 +25837,8 @@
               </a:lnSpc>
             </a:pPr>
             <a:r>
-              <a:rPr lang="en-US" dirty="0" smtClean="0">
-                <a:solidFill>
-                  <a:schemeClr val="accent5">
-                    <a:lumMod val="20000"/>
-                    <a:lumOff val="80000"/>
-                  </a:schemeClr>
-                </a:solidFill>
-              </a:rPr>
-              <a:t>Entity</a:t>
-            </a:r>
-            <a:r>
               <a:rPr lang="en-US" dirty="0" smtClean="0"/>
-              <a:t> </a:t>
-            </a:r>
-            <a:r>
-              <a:rPr lang="en-US" dirty="0" smtClean="0">
-                <a:solidFill>
-                  <a:schemeClr val="accent5">
-                    <a:lumMod val="20000"/>
-                    <a:lumOff val="80000"/>
-                  </a:schemeClr>
-                </a:solidFill>
-              </a:rPr>
-              <a:t>Framework</a:t>
-            </a:r>
-            <a:r>
-              <a:rPr lang="en-US" dirty="0" smtClean="0"/>
-              <a:t> uses optimistic concurrency control</a:t>
+              <a:t>Entity Framework uses optimistic concurrency control</a:t>
             </a:r>
           </a:p>
           <a:p>
@@ -25069,8 +25955,8 @@
         </p:nvSpPr>
         <p:spPr>
           <a:xfrm>
-            <a:off x="228600" y="950408"/>
-            <a:ext cx="8686800" cy="5715000"/>
+            <a:off x="228600" y="1690688"/>
+            <a:ext cx="8686800" cy="4974719"/>
           </a:xfrm>
         </p:spPr>
         <p:txBody>
@@ -25084,22 +25970,7 @@
             </a:pPr>
             <a:r>
               <a:rPr lang="en-US" dirty="0" smtClean="0"/>
-              <a:t>Visual Studio has built-in </a:t>
-            </a:r>
-            <a:r>
-              <a:rPr lang="en-US" dirty="0" smtClean="0">
-                <a:solidFill>
-                  <a:schemeClr val="accent5">
-                    <a:lumMod val="20000"/>
-                    <a:lumOff val="80000"/>
-                  </a:schemeClr>
-                </a:solidFill>
-              </a:rPr>
-              <a:t>EF</a:t>
-            </a:r>
-            <a:r>
-              <a:rPr lang="en-US" dirty="0" smtClean="0"/>
-              <a:t> data designer and code generator</a:t>
+              <a:t>Visual Studio has built-in EF data designer and code generator</a:t>
             </a:r>
           </a:p>
           <a:p>
@@ -25114,12 +25985,6 @@
             </a:r>
             <a:r>
               <a:rPr lang="en-US" noProof="1" smtClean="0">
-                <a:solidFill>
-                  <a:schemeClr val="accent5">
-                    <a:lumMod val="20000"/>
-                    <a:lumOff val="80000"/>
-                  </a:schemeClr>
-                </a:solidFill>
                 <a:latin typeface="Consolas" pitchFamily="49" charset="0"/>
                 <a:cs typeface="Consolas" pitchFamily="49" charset="0"/>
               </a:rPr>
@@ -25127,87 +25992,7 @@
             </a:r>
             <a:r>
               <a:rPr lang="en-US" dirty="0" smtClean="0"/>
-              <a:t>files (</a:t>
-            </a:r>
-            <a:r>
-              <a:rPr lang="en-US" dirty="0" smtClean="0">
-                <a:solidFill>
-                  <a:schemeClr val="accent5">
-                    <a:lumMod val="20000"/>
-                    <a:lumOff val="80000"/>
-                  </a:schemeClr>
-                </a:solidFill>
-              </a:rPr>
-              <a:t>E</a:t>
-            </a:r>
-            <a:r>
-              <a:rPr lang="en-US" dirty="0" smtClean="0">
-                <a:solidFill>
-                  <a:srgbClr val="EBFFD2"/>
-                </a:solidFill>
-              </a:rPr>
-              <a:t>ntity</a:t>
-            </a:r>
-            <a:r>
-              <a:rPr lang="en-US" dirty="0" smtClean="0">
-                <a:solidFill>
-                  <a:schemeClr val="accent5">
-                    <a:lumMod val="20000"/>
-                    <a:lumOff val="80000"/>
-                  </a:schemeClr>
-                </a:solidFill>
-              </a:rPr>
-              <a:t> D</a:t>
-            </a:r>
-            <a:r>
-              <a:rPr lang="en-US" dirty="0" smtClean="0">
-                <a:solidFill>
-                  <a:srgbClr val="EBFFD2"/>
-                </a:solidFill>
-              </a:rPr>
-              <a:t>ata</a:t>
-            </a:r>
-            <a:r>
-              <a:rPr lang="en-US" dirty="0" smtClean="0">
-                <a:solidFill>
-                  <a:schemeClr val="accent5">
-                    <a:lumMod val="20000"/>
-                    <a:lumOff val="80000"/>
-                  </a:schemeClr>
-                </a:solidFill>
-              </a:rPr>
-              <a:t> M</a:t>
-            </a:r>
-            <a:r>
-              <a:rPr lang="en-US" dirty="0" smtClean="0">
-                <a:solidFill>
-                  <a:srgbClr val="EBFFD2"/>
-                </a:solidFill>
-              </a:rPr>
-              <a:t>odel</a:t>
-            </a:r>
-            <a:r>
-              <a:rPr lang="en-US" dirty="0" smtClean="0">
-                <a:solidFill>
-                  <a:schemeClr val="accent5">
-                    <a:lumMod val="20000"/>
-                    <a:lumOff val="80000"/>
-                  </a:schemeClr>
-                </a:solidFill>
-              </a:rPr>
-              <a:t> X</a:t>
-            </a:r>
-            <a:r>
-              <a:rPr lang="en-US" dirty="0" smtClean="0">
-                <a:solidFill>
-                  <a:srgbClr val="EBFFD2"/>
-                </a:solidFill>
-              </a:rPr>
-              <a:t>ML</a:t>
-            </a:r>
-            <a:r>
-              <a:rPr lang="en-US" dirty="0" smtClean="0"/>
-              <a:t>)</a:t>
+              <a:t>files (Entity Data Model XML)</a:t>
             </a:r>
           </a:p>
           <a:p>
@@ -25218,12 +26003,6 @@
             </a:pPr>
             <a:r>
               <a:rPr lang="en-US" noProof="1" smtClean="0">
-                <a:solidFill>
-                  <a:schemeClr val="accent5">
-                    <a:lumMod val="20000"/>
-                    <a:lumOff val="80000"/>
-                  </a:schemeClr>
-                </a:solidFill>
                 <a:latin typeface="Consolas" pitchFamily="49" charset="0"/>
                 <a:cs typeface="Consolas" pitchFamily="49" charset="0"/>
               </a:rPr>
@@ -25231,12 +26010,6 @@
             </a:r>
             <a:r>
               <a:rPr lang="en-US" noProof="1" smtClean="0">
-                <a:solidFill>
-                  <a:schemeClr val="accent5">
-                    <a:lumMod val="20000"/>
-                    <a:lumOff val="80000"/>
-                  </a:schemeClr>
-                </a:solidFill>
                 <a:latin typeface="+mj-lt"/>
                 <a:cs typeface="Consolas" pitchFamily="49" charset="0"/>
               </a:rPr>
@@ -25266,12 +26039,6 @@
             </a:pPr>
             <a:r>
               <a:rPr lang="en-US" noProof="1" smtClean="0">
-                <a:solidFill>
-                  <a:schemeClr val="accent5">
-                    <a:lumMod val="20000"/>
-                    <a:lumOff val="80000"/>
-                  </a:schemeClr>
-                </a:solidFill>
                 <a:latin typeface="Consolas" pitchFamily="49" charset="0"/>
                 <a:cs typeface="Consolas" pitchFamily="49" charset="0"/>
               </a:rPr>
@@ -25279,22 +26046,7 @@
             </a:r>
             <a:r>
               <a:rPr lang="en-US" dirty="0" smtClean="0"/>
-              <a:t> file contains the entity classes and the </a:t>
-            </a:r>
-            <a:r>
-              <a:rPr lang="en-US" dirty="0" smtClean="0">
-                <a:solidFill>
-                  <a:schemeClr val="accent5">
-                    <a:lumMod val="20000"/>
-                    <a:lumOff val="80000"/>
-                  </a:schemeClr>
-                </a:solidFill>
-              </a:rPr>
-              <a:t>ObjectContext </a:t>
-            </a:r>
-            <a:r>
-              <a:rPr lang="en-US" dirty="0" smtClean="0"/>
-              <a:t>class</a:t>
+              <a:t> file contains the entity classes and the ObjectContext class</a:t>
             </a:r>
           </a:p>
           <a:p>
@@ -25392,10 +26144,10 @@
           <a:lstStyle/>
           <a:p>
             <a:r>
-              <a:rPr lang="en-US" dirty="0" smtClean="0"/>
-              <a:t>Logging the Native Queries</a:t>
-            </a:r>
-            <a:endParaRPr lang="bg-BG" dirty="0"/>
+              <a:rPr lang="en-US" smtClean="0"/>
+              <a:t>Summary</a:t>
+            </a:r>
+            <a:endParaRPr lang="en-US"/>
           </a:p>
         </p:txBody>
       </p:sp>
@@ -25409,535 +26161,46 @@
             <p:ph idx="1"/>
           </p:nvPr>
         </p:nvSpPr>
-        <p:spPr>
-          <a:xfrm>
-            <a:off x="228600" y="990600"/>
-            <a:ext cx="8686800" cy="990600"/>
-          </a:xfrm>
-        </p:spPr>
-        <p:txBody>
-          <a:bodyPr>
-            <a:normAutofit fontScale="85000" lnSpcReduction="10000"/>
-          </a:bodyPr>
-          <a:lstStyle/>
-          <a:p>
-            <a:pPr>
-              <a:lnSpc>
-                <a:spcPct val="100000"/>
-              </a:lnSpc>
-            </a:pPr>
-            <a:r>
-              <a:rPr lang="en-US" dirty="0" smtClean="0"/>
-              <a:t>To print the native Database SQL queries call the cast the object to </a:t>
-            </a:r>
-            <a:r>
-              <a:rPr lang="en-US" noProof="1" smtClean="0">
-                <a:solidFill>
-                  <a:schemeClr val="accent5">
-                    <a:lumMod val="20000"/>
-                    <a:lumOff val="80000"/>
-                  </a:schemeClr>
-                </a:solidFill>
-                <a:latin typeface="Consolas" pitchFamily="49" charset="0"/>
-                <a:cs typeface="Consolas" pitchFamily="49" charset="0"/>
-              </a:rPr>
-              <a:t>ObjectQuery </a:t>
-            </a:r>
-            <a:r>
-              <a:rPr lang="en-US" noProof="1" smtClean="0"/>
-              <a:t>and call the method </a:t>
-            </a:r>
-            <a:r>
-              <a:rPr lang="en-US" noProof="1" smtClean="0">
-                <a:solidFill>
-                  <a:schemeClr val="accent5">
-                    <a:lumMod val="20000"/>
-                    <a:lumOff val="80000"/>
-                  </a:schemeClr>
-                </a:solidFill>
-                <a:latin typeface="Consolas" pitchFamily="49" charset="0"/>
-                <a:cs typeface="Consolas" pitchFamily="49" charset="0"/>
-              </a:rPr>
-              <a:t>ToTraceString()</a:t>
-            </a:r>
-            <a:r>
-              <a:rPr lang="en-US" noProof="1" smtClean="0"/>
-              <a:t>;</a:t>
-            </a:r>
-            <a:endParaRPr lang="en-US" dirty="0" smtClean="0"/>
-          </a:p>
-        </p:txBody>
-      </p:sp>
-      <p:sp>
-        <p:nvSpPr>
-          <p:cNvPr id="4" name="Slide Number Placeholder 3"/>
-          <p:cNvSpPr>
-            <a:spLocks noGrp="1"/>
-          </p:cNvSpPr>
-          <p:nvPr>
-            <p:ph type="sldNum" sz="quarter" idx="10"/>
-          </p:nvPr>
-        </p:nvSpPr>
         <p:spPr/>
         <p:txBody>
           <a:bodyPr/>
           <a:lstStyle/>
           <a:p>
-            <a:pPr>
-              <a:defRPr/>
-            </a:pPr>
-            <a:fld id="{58452FF4-89E3-4D1B-9927-2DBDC00E58D7}" type="slidenum">
+            <a:r>
+              <a:rPr lang="en-US" dirty="0" smtClean="0"/>
+              <a:t>EF is Microsoft’s ORM Technology</a:t>
+            </a:r>
+          </a:p>
+          <a:p>
+            <a:r>
+              <a:rPr lang="en-US" dirty="0" smtClean="0"/>
+              <a:t>Part of the .NET Framework, but also Open Sourced</a:t>
+            </a:r>
+          </a:p>
+          <a:p>
+            <a:r>
+              <a:rPr lang="en-US" dirty="0" smtClean="0"/>
+              <a:t>As of V6.0 it has matured</a:t>
+            </a:r>
+            <a:endParaRPr lang="en-US" dirty="0"/>
+          </a:p>
+          <a:p>
+            <a:r>
+              <a:rPr lang="en-US" dirty="0" smtClean="0"/>
+              <a:t>Like many things made by Microsoft, adopted from other Frameworks and then made </a:t>
+            </a:r>
+            <a:r>
               <a:rPr lang="en-US" smtClean="0"/>
-              <a:pPr>
-                <a:defRPr/>
-              </a:pPr>
-              <a:t>25</a:t>
-            </a:fld>
+              <a:t>everything better (by v6.0)</a:t>
+            </a:r>
             <a:endParaRPr lang="en-US" dirty="0"/>
-          </a:p>
-        </p:txBody>
-      </p:sp>
-      <p:sp>
-        <p:nvSpPr>
-          <p:cNvPr id="8" name="Text Placeholder 4"/>
-          <p:cNvSpPr txBox="1">
-            <a:spLocks/>
-          </p:cNvSpPr>
-          <p:nvPr/>
-        </p:nvSpPr>
-        <p:spPr>
-          <a:xfrm>
-            <a:off x="228600" y="2590800"/>
-            <a:ext cx="8534400" cy="707886"/>
-          </a:xfrm>
-          <a:prstGeom prst="rect">
-            <a:avLst/>
-          </a:prstGeom>
-          <a:solidFill>
-            <a:schemeClr val="accent5">
-              <a:lumMod val="40000"/>
-              <a:lumOff val="60000"/>
-              <a:alpha val="15000"/>
-            </a:schemeClr>
-          </a:solidFill>
-          <a:ln w="12700">
-            <a:solidFill>
-              <a:schemeClr val="accent5">
-                <a:lumMod val="60000"/>
-                <a:lumOff val="40000"/>
-              </a:schemeClr>
-            </a:solidFill>
-          </a:ln>
-        </p:spPr>
-        <p:txBody>
-          <a:bodyPr wrap="square">
-            <a:spAutoFit/>
-          </a:bodyPr>
-          <a:lstStyle>
-            <a:defPPr>
-              <a:defRPr lang="en-US"/>
-            </a:defPPr>
-            <a:lvl1pPr lvl="0" eaLnBrk="0" hangingPunct="0">
-              <a:spcBef>
-                <a:spcPts val="0"/>
-              </a:spcBef>
-              <a:buClr>
-                <a:schemeClr val="accent5">
-                  <a:lumMod val="40000"/>
-                  <a:lumOff val="60000"/>
-                </a:schemeClr>
-              </a:buClr>
-              <a:buSzPct val="70000"/>
-              <a:defRPr sz="2000" b="1">
-                <a:solidFill>
-                  <a:srgbClr val="8CF4F2"/>
-                </a:solidFill>
-                <a:effectLst>
-                  <a:outerShdw blurRad="38100" dist="38100" dir="2700000" algn="tl">
-                    <a:srgbClr val="000000">
-                      <a:alpha val="43137"/>
-                    </a:srgbClr>
-                  </a:outerShdw>
-                </a:effectLst>
-                <a:latin typeface="Consolas" pitchFamily="49" charset="0"/>
-                <a:cs typeface="Consolas" pitchFamily="49" charset="0"/>
-              </a:defRPr>
-            </a:lvl1pPr>
-          </a:lstStyle>
-          <a:p>
-            <a:r>
-              <a:rPr lang="en-US" noProof="1" smtClean="0"/>
-              <a:t>var p = CountriesEntities.Countries;</a:t>
-            </a:r>
-          </a:p>
-          <a:p>
-            <a:r>
-              <a:rPr lang="en-US" noProof="1" smtClean="0"/>
-              <a:t>Console.WriteLine((query as ObjectQuery).ToTraceString());</a:t>
-            </a:r>
-            <a:endParaRPr lang="en-US" noProof="1"/>
-          </a:p>
-        </p:txBody>
-      </p:sp>
-      <p:sp>
-        <p:nvSpPr>
-          <p:cNvPr id="6" name="Content Placeholder 2"/>
-          <p:cNvSpPr txBox="1">
-            <a:spLocks/>
-          </p:cNvSpPr>
-          <p:nvPr/>
-        </p:nvSpPr>
-        <p:spPr>
-          <a:xfrm>
-            <a:off x="381000" y="3505200"/>
-            <a:ext cx="8686800" cy="2209800"/>
-          </a:xfrm>
-          <a:prstGeom prst="rect">
-            <a:avLst/>
-          </a:prstGeom>
-        </p:spPr>
-        <p:txBody>
-          <a:bodyPr/>
-          <a:lstStyle>
-            <a:lvl1pPr marL="282575" indent="-282575" algn="l" rtl="0" eaLnBrk="1" fontAlgn="base" hangingPunct="1">
-              <a:lnSpc>
-                <a:spcPts val="3800"/>
-              </a:lnSpc>
-              <a:spcBef>
-                <a:spcPts val="600"/>
-              </a:spcBef>
-              <a:spcAft>
-                <a:spcPts val="600"/>
-              </a:spcAft>
-              <a:buClr>
-                <a:schemeClr val="accent5">
-                  <a:lumMod val="40000"/>
-                  <a:lumOff val="60000"/>
-                </a:schemeClr>
-              </a:buClr>
-              <a:buSzPct val="70000"/>
-              <a:buFont typeface="Wingdings 2" pitchFamily="18" charset="2"/>
-              <a:buChar char=""/>
-              <a:tabLst>
-                <a:tab pos="282575" algn="l"/>
-              </a:tabLst>
-              <a:defRPr sz="3200" b="1" kern="1200">
-                <a:solidFill>
-                  <a:srgbClr val="EBFFD2"/>
-                </a:solidFill>
-                <a:effectLst>
-                  <a:outerShdw blurRad="38100" dist="38100" dir="2700000" algn="tl">
-                    <a:srgbClr val="000000">
-                      <a:alpha val="43137"/>
-                    </a:srgbClr>
-                  </a:outerShdw>
-                </a:effectLst>
-                <a:latin typeface="+mn-lt"/>
-                <a:ea typeface="+mn-ea"/>
-                <a:cs typeface="+mn-cs"/>
-              </a:defRPr>
-            </a:lvl1pPr>
-            <a:lvl2pPr marL="630238" indent="-273050" algn="l" rtl="0" eaLnBrk="1" fontAlgn="base" hangingPunct="1">
-              <a:lnSpc>
-                <a:spcPts val="3800"/>
-              </a:lnSpc>
-              <a:spcBef>
-                <a:spcPts val="600"/>
-              </a:spcBef>
-              <a:spcAft>
-                <a:spcPts val="600"/>
-              </a:spcAft>
-              <a:buClr>
-                <a:srgbClr val="8FD600"/>
-              </a:buClr>
-              <a:buFont typeface="Wingdings 2" pitchFamily="18" charset="2"/>
-              <a:buChar char=""/>
-              <a:defRPr sz="3000" b="1" kern="1200">
-                <a:solidFill>
-                  <a:schemeClr val="tx1">
-                    <a:lumMod val="40000"/>
-                    <a:lumOff val="60000"/>
-                  </a:schemeClr>
-                </a:solidFill>
-                <a:effectLst>
-                  <a:outerShdw blurRad="38100" dist="38100" dir="2700000" algn="tl">
-                    <a:srgbClr val="000000">
-                      <a:alpha val="43137"/>
-                    </a:srgbClr>
-                  </a:outerShdw>
-                </a:effectLst>
-                <a:latin typeface="+mn-lt"/>
-                <a:ea typeface="+mn-ea"/>
-                <a:cs typeface="+mn-cs"/>
-              </a:defRPr>
-            </a:lvl2pPr>
-            <a:lvl3pPr marL="922338" indent="-273050" algn="l" rtl="0" eaLnBrk="1" fontAlgn="base" hangingPunct="1">
-              <a:lnSpc>
-                <a:spcPts val="3800"/>
-              </a:lnSpc>
-              <a:spcBef>
-                <a:spcPts val="600"/>
-              </a:spcBef>
-              <a:spcAft>
-                <a:spcPts val="600"/>
-              </a:spcAft>
-              <a:buClr>
-                <a:srgbClr val="FFAD9F"/>
-              </a:buClr>
-              <a:buFont typeface="Wingdings 2" pitchFamily="18" charset="2"/>
-              <a:buChar char=""/>
-              <a:defRPr sz="2800" b="1" kern="1200">
-                <a:solidFill>
-                  <a:srgbClr val="F5FFC2"/>
-                </a:solidFill>
-                <a:effectLst>
-                  <a:outerShdw blurRad="38100" dist="38100" dir="2700000" algn="tl">
-                    <a:srgbClr val="000000">
-                      <a:alpha val="43137"/>
-                    </a:srgbClr>
-                  </a:outerShdw>
-                </a:effectLst>
-                <a:latin typeface="+mn-lt"/>
-                <a:ea typeface="+mn-ea"/>
-                <a:cs typeface="+mn-cs"/>
-              </a:defRPr>
-            </a:lvl3pPr>
-            <a:lvl4pPr marL="1187450" indent="-228600" algn="l" rtl="0" eaLnBrk="1" fontAlgn="base" hangingPunct="1">
-              <a:lnSpc>
-                <a:spcPts val="3800"/>
-              </a:lnSpc>
-              <a:spcBef>
-                <a:spcPts val="600"/>
-              </a:spcBef>
-              <a:spcAft>
-                <a:spcPts val="600"/>
-              </a:spcAft>
-              <a:buClr>
-                <a:srgbClr val="FACF82"/>
-              </a:buClr>
-              <a:buFont typeface="Wingdings 2" pitchFamily="18" charset="2"/>
-              <a:buChar char=""/>
-              <a:defRPr sz="2600" b="1" kern="1200">
-                <a:solidFill>
-                  <a:schemeClr val="tx1">
-                    <a:lumMod val="40000"/>
-                    <a:lumOff val="60000"/>
-                  </a:schemeClr>
-                </a:solidFill>
-                <a:effectLst>
-                  <a:outerShdw blurRad="38100" dist="38100" dir="2700000" algn="tl">
-                    <a:srgbClr val="000000">
-                      <a:alpha val="43137"/>
-                    </a:srgbClr>
-                  </a:outerShdw>
-                </a:effectLst>
-                <a:latin typeface="+mn-lt"/>
-                <a:ea typeface="+mn-ea"/>
-                <a:cs typeface="+mn-cs"/>
-              </a:defRPr>
-            </a:lvl4pPr>
-            <a:lvl5pPr marL="1425575" indent="-228600" algn="l" rtl="0" eaLnBrk="1" fontAlgn="base" hangingPunct="1">
-              <a:lnSpc>
-                <a:spcPts val="3800"/>
-              </a:lnSpc>
-              <a:spcBef>
-                <a:spcPts val="600"/>
-              </a:spcBef>
-              <a:spcAft>
-                <a:spcPts val="600"/>
-              </a:spcAft>
-              <a:buClr>
-                <a:srgbClr val="46A6BD"/>
-              </a:buClr>
-              <a:buFont typeface="Wingdings 2" pitchFamily="18" charset="2"/>
-              <a:buChar char=""/>
-              <a:defRPr sz="2400" b="1" kern="1200">
-                <a:solidFill>
-                  <a:schemeClr val="tx1">
-                    <a:lumMod val="40000"/>
-                    <a:lumOff val="60000"/>
-                  </a:schemeClr>
-                </a:solidFill>
-                <a:effectLst>
-                  <a:outerShdw blurRad="38100" dist="38100" dir="2700000" algn="tl">
-                    <a:srgbClr val="000000">
-                      <a:alpha val="43137"/>
-                    </a:srgbClr>
-                  </a:outerShdw>
-                </a:effectLst>
-                <a:latin typeface="+mn-lt"/>
-                <a:ea typeface="+mn-ea"/>
-                <a:cs typeface="+mn-cs"/>
-              </a:defRPr>
-            </a:lvl5pPr>
-            <a:lvl6pPr marL="1673352" indent="-228600" algn="l" rtl="0" eaLnBrk="1" latinLnBrk="0" hangingPunct="1">
-              <a:spcBef>
-                <a:spcPct val="20000"/>
-              </a:spcBef>
-              <a:buClr>
-                <a:schemeClr val="accent6"/>
-              </a:buClr>
-              <a:buFont typeface="Wingdings 2"/>
-              <a:buChar char=""/>
-              <a:defRPr sz="1800" kern="1200">
-                <a:solidFill>
-                  <a:schemeClr val="tx1"/>
-                </a:solidFill>
-                <a:latin typeface="+mn-lt"/>
-                <a:ea typeface="+mn-ea"/>
-                <a:cs typeface="+mn-cs"/>
-              </a:defRPr>
-            </a:lvl6pPr>
-            <a:lvl7pPr marL="1911096" indent="-228600" algn="l" rtl="0" eaLnBrk="1" latinLnBrk="0" hangingPunct="1">
-              <a:spcBef>
-                <a:spcPct val="20000"/>
-              </a:spcBef>
-              <a:buClr>
-                <a:schemeClr val="tx2"/>
-              </a:buClr>
-              <a:buFont typeface="Wingdings 2"/>
-              <a:buChar char=""/>
-              <a:defRPr sz="1600" kern="1200">
-                <a:solidFill>
-                  <a:schemeClr val="tx1"/>
-                </a:solidFill>
-                <a:latin typeface="+mn-lt"/>
-                <a:ea typeface="+mn-ea"/>
-                <a:cs typeface="+mn-cs"/>
-              </a:defRPr>
-            </a:lvl7pPr>
-            <a:lvl8pPr marL="2121408" indent="-182880" algn="l" rtl="0" eaLnBrk="1" latinLnBrk="0" hangingPunct="1">
-              <a:spcBef>
-                <a:spcPct val="20000"/>
-              </a:spcBef>
-              <a:buClr>
-                <a:schemeClr val="tx2"/>
-              </a:buClr>
-              <a:buFont typeface="Wingdings 2"/>
-              <a:buChar char=""/>
-              <a:defRPr sz="1400" kern="1200">
-                <a:solidFill>
-                  <a:schemeClr val="tx1"/>
-                </a:solidFill>
-                <a:latin typeface="+mn-lt"/>
-                <a:ea typeface="+mn-ea"/>
-                <a:cs typeface="+mn-cs"/>
-              </a:defRPr>
-            </a:lvl8pPr>
-            <a:lvl9pPr marL="2322576" indent="-182880" algn="l" rtl="0" eaLnBrk="1" latinLnBrk="0" hangingPunct="1">
-              <a:spcBef>
-                <a:spcPct val="20000"/>
-              </a:spcBef>
-              <a:buClr>
-                <a:schemeClr val="tx2"/>
-              </a:buClr>
-              <a:buFont typeface="Wingdings 2"/>
-              <a:buChar char=""/>
-              <a:defRPr sz="1400" kern="1200">
-                <a:solidFill>
-                  <a:schemeClr val="tx1"/>
-                </a:solidFill>
-                <a:latin typeface="+mn-lt"/>
-                <a:ea typeface="+mn-ea"/>
-                <a:cs typeface="+mn-cs"/>
-              </a:defRPr>
-            </a:lvl9pPr>
-          </a:lstStyle>
-          <a:p>
-            <a:pPr>
-              <a:lnSpc>
-                <a:spcPct val="100000"/>
-              </a:lnSpc>
-            </a:pPr>
-            <a:r>
-              <a:rPr lang="en-US" dirty="0" smtClean="0"/>
-              <a:t>This will print the queries executed to select the </a:t>
-            </a:r>
-            <a:r>
-              <a:rPr lang="en-US" dirty="0" smtClean="0">
-                <a:solidFill>
-                  <a:schemeClr val="accent5">
-                    <a:lumMod val="20000"/>
-                    <a:lumOff val="80000"/>
-                  </a:schemeClr>
-                </a:solidFill>
-              </a:rPr>
-              <a:t>Countries</a:t>
-            </a:r>
-          </a:p>
-          <a:p>
-            <a:pPr lvl="1">
-              <a:lnSpc>
-                <a:spcPct val="100000"/>
-              </a:lnSpc>
-            </a:pPr>
-            <a:r>
-              <a:rPr lang="en-US" dirty="0" smtClean="0"/>
-              <a:t>Can be printed to file using </a:t>
-            </a:r>
-            <a:r>
-              <a:rPr lang="en-US" dirty="0" smtClean="0">
-                <a:solidFill>
-                  <a:schemeClr val="accent5">
-                    <a:lumMod val="20000"/>
-                    <a:lumOff val="80000"/>
-                  </a:schemeClr>
-                </a:solidFill>
-                <a:latin typeface="Consolas" pitchFamily="49" charset="0"/>
-                <a:cs typeface="Consolas" pitchFamily="49" charset="0"/>
-              </a:rPr>
-              <a:t>StreamWriter</a:t>
-            </a:r>
-            <a:r>
-              <a:rPr lang="en-US" dirty="0" smtClean="0">
-                <a:solidFill>
-                  <a:schemeClr val="accent5">
-                    <a:lumMod val="20000"/>
-                    <a:lumOff val="80000"/>
-                  </a:schemeClr>
-                </a:solidFill>
-              </a:rPr>
-              <a:t> </a:t>
-            </a:r>
-            <a:r>
-              <a:rPr lang="en-US" dirty="0" smtClean="0"/>
-              <a:t>class instead of </a:t>
-            </a:r>
-            <a:r>
-              <a:rPr lang="en-US" dirty="0" smtClean="0">
-                <a:solidFill>
-                  <a:schemeClr val="accent5">
-                    <a:lumMod val="20000"/>
-                    <a:lumOff val="80000"/>
-                  </a:schemeClr>
-                </a:solidFill>
-                <a:latin typeface="Consolas" pitchFamily="49" charset="0"/>
-                <a:cs typeface="Consolas" pitchFamily="49" charset="0"/>
-              </a:rPr>
-              <a:t>Console</a:t>
-            </a:r>
-            <a:r>
-              <a:rPr lang="en-US" dirty="0" smtClean="0">
-                <a:solidFill>
-                  <a:schemeClr val="accent5">
-                    <a:lumMod val="20000"/>
-                    <a:lumOff val="80000"/>
-                  </a:schemeClr>
-                </a:solidFill>
-              </a:rPr>
-              <a:t> </a:t>
-            </a:r>
-            <a:r>
-              <a:rPr lang="en-US" dirty="0" smtClean="0"/>
-              <a:t>class</a:t>
-            </a:r>
           </a:p>
         </p:txBody>
       </p:sp>
     </p:spTree>
     <p:extLst>
       <p:ext uri="{BB962C8B-B14F-4D97-AF65-F5344CB8AC3E}">
-        <p14:creationId xmlns:p14="http://schemas.microsoft.com/office/powerpoint/2010/main" val="132590300"/>
+        <p14:creationId xmlns:p14="http://schemas.microsoft.com/office/powerpoint/2010/main" val="2146432948"/>
       </p:ext>
     </p:extLst>
   </p:cSld>
@@ -25950,2776 +26213,6 @@
         <p:cTn id="1" dur="indefinite" restart="never" nodeType="tmRoot"/>
       </p:par>
     </p:tnLst>
-  </p:timing>
-</p:sld>
-</file>
-
-<file path=ppt/slides/slide26.xml><?xml version="1.0" encoding="utf-8"?>
-<p:sld xmlns:a="http://schemas.openxmlformats.org/drawingml/2006/main" xmlns:r="http://schemas.openxmlformats.org/officeDocument/2006/relationships" xmlns:p="http://schemas.openxmlformats.org/presentationml/2006/main">
-  <p:cSld>
-    <p:spTree>
-      <p:nvGrpSpPr>
-        <p:cNvPr id="1" name=""/>
-        <p:cNvGrpSpPr/>
-        <p:nvPr/>
-      </p:nvGrpSpPr>
-      <p:grpSpPr>
-        <a:xfrm>
-          <a:off x="0" y="0"/>
-          <a:ext cx="0" cy="0"/>
-          <a:chOff x="0" y="0"/>
-          <a:chExt cx="0" cy="0"/>
-        </a:xfrm>
-      </p:grpSpPr>
-      <p:sp>
-        <p:nvSpPr>
-          <p:cNvPr id="2" name="Title 1"/>
-          <p:cNvSpPr>
-            <a:spLocks noGrp="1"/>
-          </p:cNvSpPr>
-          <p:nvPr>
-            <p:ph type="title"/>
-          </p:nvPr>
-        </p:nvSpPr>
-        <p:spPr/>
-        <p:txBody>
-          <a:bodyPr/>
-          <a:lstStyle/>
-          <a:p>
-            <a:r>
-              <a:rPr lang="en-US" dirty="0" smtClean="0"/>
-              <a:t>Creating New Data</a:t>
-            </a:r>
-            <a:endParaRPr lang="bg-BG" dirty="0"/>
-          </a:p>
-        </p:txBody>
-      </p:sp>
-      <p:sp>
-        <p:nvSpPr>
-          <p:cNvPr id="6" name="Content Placeholder 5"/>
-          <p:cNvSpPr>
-            <a:spLocks noGrp="1"/>
-          </p:cNvSpPr>
-          <p:nvPr>
-            <p:ph idx="1"/>
-          </p:nvPr>
-        </p:nvSpPr>
-        <p:spPr>
-          <a:xfrm>
-            <a:off x="228600" y="990600"/>
-            <a:ext cx="8686800" cy="1066800"/>
-          </a:xfrm>
-        </p:spPr>
-        <p:txBody>
-          <a:bodyPr/>
-          <a:lstStyle/>
-          <a:p>
-            <a:pPr>
-              <a:lnSpc>
-                <a:spcPct val="100000"/>
-              </a:lnSpc>
-            </a:pPr>
-            <a:r>
-              <a:rPr lang="en-US" noProof="1" smtClean="0"/>
-              <a:t>To </a:t>
-            </a:r>
-            <a:r>
-              <a:rPr lang="en-US" noProof="1"/>
-              <a:t>create a new row use the method </a:t>
-            </a:r>
-            <a:r>
-              <a:rPr lang="en-US" noProof="1" smtClean="0">
-                <a:solidFill>
-                  <a:schemeClr val="accent5">
-                    <a:lumMod val="20000"/>
-                    <a:lumOff val="80000"/>
-                  </a:schemeClr>
-                </a:solidFill>
-              </a:rPr>
-              <a:t>AddObject(…)</a:t>
-            </a:r>
-            <a:r>
-              <a:rPr lang="en-US" noProof="1" smtClean="0"/>
-              <a:t> </a:t>
-            </a:r>
-            <a:r>
-              <a:rPr lang="en-US" noProof="1"/>
-              <a:t>of the </a:t>
-            </a:r>
-            <a:r>
-              <a:rPr lang="en-US" dirty="0"/>
-              <a:t>corresponding </a:t>
-            </a:r>
-            <a:r>
-              <a:rPr lang="en-US" noProof="1" smtClean="0"/>
-              <a:t>collection</a:t>
-            </a:r>
-            <a:endParaRPr lang="en-US" noProof="1"/>
-          </a:p>
-        </p:txBody>
-      </p:sp>
-      <p:sp>
-        <p:nvSpPr>
-          <p:cNvPr id="5" name="Slide Number Placeholder 4"/>
-          <p:cNvSpPr>
-            <a:spLocks noGrp="1"/>
-          </p:cNvSpPr>
-          <p:nvPr>
-            <p:ph type="sldNum" sz="quarter" idx="10"/>
-          </p:nvPr>
-        </p:nvSpPr>
-        <p:spPr/>
-        <p:txBody>
-          <a:bodyPr/>
-          <a:lstStyle/>
-          <a:p>
-            <a:pPr>
-              <a:defRPr/>
-            </a:pPr>
-            <a:fld id="{58452FF4-89E3-4D1B-9927-2DBDC00E58D7}" type="slidenum">
-              <a:rPr lang="en-US" smtClean="0"/>
-              <a:pPr>
-                <a:defRPr/>
-              </a:pPr>
-              <a:t>26</a:t>
-            </a:fld>
-            <a:endParaRPr lang="en-US" dirty="0"/>
-          </a:p>
-        </p:txBody>
-      </p:sp>
-      <p:sp>
-        <p:nvSpPr>
-          <p:cNvPr id="7" name="Text Placeholder 5"/>
-          <p:cNvSpPr txBox="1">
-            <a:spLocks/>
-          </p:cNvSpPr>
-          <p:nvPr/>
-        </p:nvSpPr>
-        <p:spPr>
-          <a:xfrm>
-            <a:off x="685800" y="2087701"/>
-            <a:ext cx="7772400" cy="3170099"/>
-          </a:xfrm>
-          <a:prstGeom prst="rect">
-            <a:avLst/>
-          </a:prstGeom>
-          <a:solidFill>
-            <a:schemeClr val="accent5">
-              <a:lumMod val="40000"/>
-              <a:lumOff val="60000"/>
-              <a:alpha val="15000"/>
-            </a:schemeClr>
-          </a:solidFill>
-          <a:ln w="12700">
-            <a:solidFill>
-              <a:schemeClr val="accent5">
-                <a:lumMod val="60000"/>
-                <a:lumOff val="40000"/>
-              </a:schemeClr>
-            </a:solidFill>
-          </a:ln>
-        </p:spPr>
-        <p:txBody>
-          <a:bodyPr wrap="square">
-            <a:spAutoFit/>
-          </a:bodyPr>
-          <a:lstStyle/>
-          <a:p>
-            <a:pPr lvl="0" eaLnBrk="0" hangingPunct="0">
-              <a:spcBef>
-                <a:spcPts val="0"/>
-              </a:spcBef>
-              <a:buClr>
-                <a:schemeClr val="accent5">
-                  <a:lumMod val="40000"/>
-                  <a:lumOff val="60000"/>
-                </a:schemeClr>
-              </a:buClr>
-              <a:buSzPct val="70000"/>
-            </a:pPr>
-            <a:r>
-              <a:rPr lang="en-US" sz="2000" b="1" noProof="1" smtClean="0">
-                <a:solidFill>
-                  <a:srgbClr val="8CF4F2"/>
-                </a:solidFill>
-                <a:effectLst>
-                  <a:outerShdw blurRad="38100" dist="38100" dir="2700000" algn="tl">
-                    <a:srgbClr val="000000">
-                      <a:alpha val="43137"/>
-                    </a:srgbClr>
-                  </a:outerShdw>
-                </a:effectLst>
-                <a:latin typeface="Consolas" pitchFamily="49" charset="0"/>
-                <a:cs typeface="Consolas" pitchFamily="49" charset="0"/>
-              </a:rPr>
-              <a:t>// Create new order object</a:t>
-            </a:r>
-          </a:p>
-          <a:p>
-            <a:pPr lvl="0" eaLnBrk="0" hangingPunct="0">
-              <a:spcBef>
-                <a:spcPts val="0"/>
-              </a:spcBef>
-              <a:buClr>
-                <a:schemeClr val="accent5">
-                  <a:lumMod val="40000"/>
-                  <a:lumOff val="60000"/>
-                </a:schemeClr>
-              </a:buClr>
-              <a:buSzPct val="70000"/>
-            </a:pPr>
-            <a:r>
-              <a:rPr lang="en-US" sz="2000" b="1" noProof="1" smtClean="0">
-                <a:solidFill>
-                  <a:srgbClr val="8CF4F2"/>
-                </a:solidFill>
-                <a:effectLst>
-                  <a:outerShdw blurRad="38100" dist="38100" dir="2700000" algn="tl">
-                    <a:srgbClr val="000000">
-                      <a:alpha val="43137"/>
-                    </a:srgbClr>
-                  </a:outerShdw>
-                </a:effectLst>
-                <a:latin typeface="Consolas" pitchFamily="49" charset="0"/>
-                <a:cs typeface="Consolas" pitchFamily="49" charset="0"/>
-              </a:rPr>
-              <a:t>Order order = new Order()</a:t>
-            </a:r>
-          </a:p>
-          <a:p>
-            <a:pPr lvl="0" eaLnBrk="0" hangingPunct="0">
-              <a:spcBef>
-                <a:spcPts val="0"/>
-              </a:spcBef>
-              <a:buClr>
-                <a:schemeClr val="accent5">
-                  <a:lumMod val="40000"/>
-                  <a:lumOff val="60000"/>
-                </a:schemeClr>
-              </a:buClr>
-              <a:buSzPct val="70000"/>
-            </a:pPr>
-            <a:r>
-              <a:rPr lang="en-US" sz="2000" b="1" noProof="1">
-                <a:solidFill>
-                  <a:srgbClr val="8CF4F2"/>
-                </a:solidFill>
-                <a:effectLst>
-                  <a:outerShdw blurRad="38100" dist="38100" dir="2700000" algn="tl">
-                    <a:srgbClr val="000000">
-                      <a:alpha val="43137"/>
-                    </a:srgbClr>
-                  </a:outerShdw>
-                </a:effectLst>
-                <a:latin typeface="Consolas" pitchFamily="49" charset="0"/>
-                <a:cs typeface="Consolas" pitchFamily="49" charset="0"/>
-              </a:rPr>
-              <a:t>{</a:t>
-            </a:r>
-            <a:endParaRPr lang="en-US" sz="2000" b="1" noProof="1" smtClean="0">
-              <a:solidFill>
-                <a:srgbClr val="8CF4F2"/>
-              </a:solidFill>
-              <a:effectLst>
-                <a:outerShdw blurRad="38100" dist="38100" dir="2700000" algn="tl">
-                  <a:srgbClr val="000000">
-                    <a:alpha val="43137"/>
-                  </a:srgbClr>
-                </a:outerShdw>
-              </a:effectLst>
-              <a:latin typeface="Consolas" pitchFamily="49" charset="0"/>
-              <a:cs typeface="Consolas" pitchFamily="49" charset="0"/>
-            </a:endParaRPr>
-          </a:p>
-          <a:p>
-            <a:pPr lvl="0" eaLnBrk="0" hangingPunct="0">
-              <a:spcBef>
-                <a:spcPts val="0"/>
-              </a:spcBef>
-              <a:buClr>
-                <a:schemeClr val="accent5">
-                  <a:lumMod val="40000"/>
-                  <a:lumOff val="60000"/>
-                </a:schemeClr>
-              </a:buClr>
-              <a:buSzPct val="70000"/>
-            </a:pPr>
-            <a:r>
-              <a:rPr lang="en-US" sz="2000" b="1" noProof="1" smtClean="0">
-                <a:solidFill>
-                  <a:srgbClr val="8CF4F2"/>
-                </a:solidFill>
-                <a:effectLst>
-                  <a:outerShdw blurRad="38100" dist="38100" dir="2700000" algn="tl">
-                    <a:srgbClr val="000000">
-                      <a:alpha val="43137"/>
-                    </a:srgbClr>
-                  </a:outerShdw>
-                </a:effectLst>
-                <a:latin typeface="Consolas" pitchFamily="49" charset="0"/>
-                <a:cs typeface="Consolas" pitchFamily="49" charset="0"/>
-              </a:rPr>
-              <a:t>  OrderDate = DateTime.Now, ShipName = "Titanic",</a:t>
-            </a:r>
-          </a:p>
-          <a:p>
-            <a:pPr lvl="0" eaLnBrk="0" hangingPunct="0">
-              <a:spcBef>
-                <a:spcPts val="0"/>
-              </a:spcBef>
-              <a:buClr>
-                <a:schemeClr val="accent5">
-                  <a:lumMod val="40000"/>
-                  <a:lumOff val="60000"/>
-                </a:schemeClr>
-              </a:buClr>
-              <a:buSzPct val="70000"/>
-            </a:pPr>
-            <a:r>
-              <a:rPr lang="en-US" sz="2000" b="1" noProof="1" smtClean="0">
-                <a:solidFill>
-                  <a:srgbClr val="8CF4F2"/>
-                </a:solidFill>
-                <a:effectLst>
-                  <a:outerShdw blurRad="38100" dist="38100" dir="2700000" algn="tl">
-                    <a:srgbClr val="000000">
-                      <a:alpha val="43137"/>
-                    </a:srgbClr>
-                  </a:outerShdw>
-                </a:effectLst>
-                <a:latin typeface="Consolas" pitchFamily="49" charset="0"/>
-                <a:cs typeface="Consolas" pitchFamily="49" charset="0"/>
-              </a:rPr>
-              <a:t>  ShippedDate = new DateTime(1912, 4, 15),</a:t>
-            </a:r>
-          </a:p>
-          <a:p>
-            <a:pPr lvl="0" eaLnBrk="0" hangingPunct="0">
-              <a:spcBef>
-                <a:spcPts val="0"/>
-              </a:spcBef>
-              <a:buClr>
-                <a:schemeClr val="accent5">
-                  <a:lumMod val="40000"/>
-                  <a:lumOff val="60000"/>
-                </a:schemeClr>
-              </a:buClr>
-              <a:buSzPct val="70000"/>
-            </a:pPr>
-            <a:r>
-              <a:rPr lang="en-US" sz="2000" b="1" noProof="1" smtClean="0">
-                <a:solidFill>
-                  <a:srgbClr val="8CF4F2"/>
-                </a:solidFill>
-                <a:effectLst>
-                  <a:outerShdw blurRad="38100" dist="38100" dir="2700000" algn="tl">
-                    <a:srgbClr val="000000">
-                      <a:alpha val="43137"/>
-                    </a:srgbClr>
-                  </a:outerShdw>
-                </a:effectLst>
-                <a:latin typeface="Consolas" pitchFamily="49" charset="0"/>
-                <a:cs typeface="Consolas" pitchFamily="49" charset="0"/>
-              </a:rPr>
-              <a:t>  ShipCity = "Bottom Of The Ocean"</a:t>
-            </a:r>
-          </a:p>
-          <a:p>
-            <a:pPr lvl="0" eaLnBrk="0" hangingPunct="0">
-              <a:spcBef>
-                <a:spcPts val="0"/>
-              </a:spcBef>
-              <a:buClr>
-                <a:schemeClr val="accent5">
-                  <a:lumMod val="40000"/>
-                  <a:lumOff val="60000"/>
-                </a:schemeClr>
-              </a:buClr>
-              <a:buSzPct val="70000"/>
-            </a:pPr>
-            <a:r>
-              <a:rPr lang="en-US" sz="2000" b="1" noProof="1" smtClean="0">
-                <a:solidFill>
-                  <a:srgbClr val="8CF4F2"/>
-                </a:solidFill>
-                <a:effectLst>
-                  <a:outerShdw blurRad="38100" dist="38100" dir="2700000" algn="tl">
-                    <a:srgbClr val="000000">
-                      <a:alpha val="43137"/>
-                    </a:srgbClr>
-                  </a:outerShdw>
-                </a:effectLst>
-                <a:latin typeface="Consolas" pitchFamily="49" charset="0"/>
-                <a:cs typeface="Consolas" pitchFamily="49" charset="0"/>
-              </a:rPr>
-              <a:t>};</a:t>
-            </a:r>
-          </a:p>
-          <a:p>
-            <a:pPr lvl="0" eaLnBrk="0" hangingPunct="0">
-              <a:spcBef>
-                <a:spcPts val="0"/>
-              </a:spcBef>
-              <a:buClr>
-                <a:schemeClr val="accent5">
-                  <a:lumMod val="40000"/>
-                  <a:lumOff val="60000"/>
-                </a:schemeClr>
-              </a:buClr>
-              <a:buSzPct val="70000"/>
-            </a:pPr>
-            <a:r>
-              <a:rPr lang="en-US" sz="2000" b="1" noProof="1" smtClean="0">
-                <a:solidFill>
-                  <a:srgbClr val="8CF4F2"/>
-                </a:solidFill>
-                <a:effectLst>
-                  <a:outerShdw blurRad="38100" dist="38100" dir="2700000" algn="tl">
-                    <a:srgbClr val="000000">
-                      <a:alpha val="43137"/>
-                    </a:srgbClr>
-                  </a:outerShdw>
-                </a:effectLst>
-                <a:latin typeface="Consolas" pitchFamily="49" charset="0"/>
-                <a:cs typeface="Consolas" pitchFamily="49" charset="0"/>
-              </a:rPr>
-              <a:t>// Mark the object for inserting</a:t>
-            </a:r>
-          </a:p>
-          <a:p>
-            <a:pPr lvl="0" eaLnBrk="0" hangingPunct="0">
-              <a:spcBef>
-                <a:spcPts val="0"/>
-              </a:spcBef>
-              <a:buClr>
-                <a:schemeClr val="accent5">
-                  <a:lumMod val="40000"/>
-                  <a:lumOff val="60000"/>
-                </a:schemeClr>
-              </a:buClr>
-              <a:buSzPct val="70000"/>
-            </a:pPr>
-            <a:r>
-              <a:rPr lang="en-US" sz="2000" b="1" noProof="1" smtClean="0">
-                <a:solidFill>
-                  <a:srgbClr val="8CF4F2"/>
-                </a:solidFill>
-                <a:effectLst>
-                  <a:outerShdw blurRad="38100" dist="38100" dir="2700000" algn="tl">
-                    <a:srgbClr val="000000">
-                      <a:alpha val="43137"/>
-                    </a:srgbClr>
-                  </a:outerShdw>
-                </a:effectLst>
-                <a:latin typeface="Consolas" pitchFamily="49" charset="0"/>
-                <a:cs typeface="Consolas" pitchFamily="49" charset="0"/>
-              </a:rPr>
-              <a:t>context.Orders.AddObject(order);</a:t>
-            </a:r>
-          </a:p>
-          <a:p>
-            <a:pPr lvl="0" eaLnBrk="0" hangingPunct="0">
-              <a:spcBef>
-                <a:spcPts val="0"/>
-              </a:spcBef>
-              <a:buClr>
-                <a:schemeClr val="accent5">
-                  <a:lumMod val="40000"/>
-                  <a:lumOff val="60000"/>
-                </a:schemeClr>
-              </a:buClr>
-              <a:buSzPct val="70000"/>
-            </a:pPr>
-            <a:r>
-              <a:rPr lang="en-US" sz="2000" b="1" noProof="1" smtClean="0">
-                <a:solidFill>
-                  <a:srgbClr val="8CF4F2"/>
-                </a:solidFill>
-                <a:effectLst>
-                  <a:outerShdw blurRad="38100" dist="38100" dir="2700000" algn="tl">
-                    <a:srgbClr val="000000">
-                      <a:alpha val="43137"/>
-                    </a:srgbClr>
-                  </a:outerShdw>
-                </a:effectLst>
-                <a:latin typeface="Consolas" pitchFamily="49" charset="0"/>
-                <a:cs typeface="Consolas" pitchFamily="49" charset="0"/>
-              </a:rPr>
-              <a:t>context.SaveChanges();</a:t>
-            </a:r>
-            <a:endParaRPr kumimoji="0" lang="en-US" sz="2000" b="1" i="0" u="none" strike="noStrike" kern="1200" cap="none" spc="0" normalizeH="0" baseline="0" noProof="1" smtClean="0">
-              <a:ln>
-                <a:noFill/>
-              </a:ln>
-              <a:solidFill>
-                <a:srgbClr val="8CF4F2"/>
-              </a:solidFill>
-              <a:effectLst>
-                <a:outerShdw blurRad="38100" dist="38100" dir="2700000" algn="tl">
-                  <a:srgbClr val="000000">
-                    <a:alpha val="43137"/>
-                  </a:srgbClr>
-                </a:outerShdw>
-              </a:effectLst>
-              <a:uLnTx/>
-              <a:uFillTx/>
-              <a:latin typeface="Consolas" pitchFamily="49" charset="0"/>
-              <a:cs typeface="Consolas" pitchFamily="49" charset="0"/>
-            </a:endParaRPr>
-          </a:p>
-        </p:txBody>
-      </p:sp>
-      <p:sp>
-        <p:nvSpPr>
-          <p:cNvPr id="8" name="AutoShape 7"/>
-          <p:cNvSpPr>
-            <a:spLocks noChangeArrowheads="1"/>
-          </p:cNvSpPr>
-          <p:nvPr/>
-        </p:nvSpPr>
-        <p:spPr bwMode="auto">
-          <a:xfrm>
-            <a:off x="5867400" y="4265711"/>
-            <a:ext cx="2667000" cy="891516"/>
-          </a:xfrm>
-          <a:prstGeom prst="wedgeRoundRectCallout">
-            <a:avLst>
-              <a:gd name="adj1" fmla="val -118811"/>
-              <a:gd name="adj2" fmla="val 20209"/>
-              <a:gd name="adj3" fmla="val 16667"/>
-            </a:avLst>
-          </a:prstGeom>
-          <a:solidFill>
-            <a:srgbClr val="9F8471"/>
-          </a:solidFill>
-          <a:ln w="6350">
-            <a:solidFill>
-              <a:schemeClr val="tx1">
-                <a:lumMod val="20000"/>
-                <a:lumOff val="80000"/>
-              </a:schemeClr>
-            </a:solidFill>
-          </a:ln>
-        </p:spPr>
-        <p:txBody>
-          <a:bodyPr wrap="square" tIns="18000" bIns="18000">
-            <a:spAutoFit/>
-          </a:bodyPr>
-          <a:lstStyle/>
-          <a:p>
-            <a:pPr algn="ctr" eaLnBrk="0" hangingPunct="0">
-              <a:lnSpc>
-                <a:spcPts val="3000"/>
-              </a:lnSpc>
-              <a:spcBef>
-                <a:spcPts val="0"/>
-              </a:spcBef>
-              <a:buClr>
-                <a:schemeClr val="accent5">
-                  <a:lumMod val="40000"/>
-                  <a:lumOff val="60000"/>
-                </a:schemeClr>
-              </a:buClr>
-              <a:buSzPct val="70000"/>
-            </a:pPr>
-            <a:r>
-              <a:rPr lang="en-US" sz="2600" b="1" noProof="1" smtClean="0">
-                <a:solidFill>
-                  <a:srgbClr val="F7FFE7"/>
-                </a:solidFill>
-                <a:effectLst>
-                  <a:outerShdw blurRad="38100" dist="38100" dir="2700000" algn="tl">
-                    <a:srgbClr val="000000">
-                      <a:alpha val="43137"/>
-                    </a:srgbClr>
-                  </a:outerShdw>
-                </a:effectLst>
-                <a:latin typeface="+mn-lt"/>
-                <a:cs typeface="Consolas" pitchFamily="49" charset="0"/>
-              </a:rPr>
-              <a:t>This will execute an SQL INSERT</a:t>
-            </a:r>
-          </a:p>
-        </p:txBody>
-      </p:sp>
-      <p:sp>
-        <p:nvSpPr>
-          <p:cNvPr id="9" name="Content Placeholder 5"/>
-          <p:cNvSpPr txBox="1">
-            <a:spLocks/>
-          </p:cNvSpPr>
-          <p:nvPr/>
-        </p:nvSpPr>
-        <p:spPr>
-          <a:xfrm>
-            <a:off x="228600" y="5334000"/>
-            <a:ext cx="8686800" cy="1104900"/>
-          </a:xfrm>
-          <a:prstGeom prst="rect">
-            <a:avLst/>
-          </a:prstGeom>
-        </p:spPr>
-        <p:txBody>
-          <a:bodyPr/>
-          <a:lstStyle>
-            <a:lvl1pPr marL="282575" indent="-282575" algn="l" rtl="0" eaLnBrk="1" fontAlgn="base" hangingPunct="1">
-              <a:lnSpc>
-                <a:spcPts val="3800"/>
-              </a:lnSpc>
-              <a:spcBef>
-                <a:spcPts val="600"/>
-              </a:spcBef>
-              <a:spcAft>
-                <a:spcPts val="600"/>
-              </a:spcAft>
-              <a:buClr>
-                <a:schemeClr val="accent5">
-                  <a:lumMod val="40000"/>
-                  <a:lumOff val="60000"/>
-                </a:schemeClr>
-              </a:buClr>
-              <a:buSzPct val="70000"/>
-              <a:buFont typeface="Wingdings 2" pitchFamily="18" charset="2"/>
-              <a:buChar char=""/>
-              <a:tabLst>
-                <a:tab pos="282575" algn="l"/>
-              </a:tabLst>
-              <a:defRPr sz="3200" b="1" kern="1200">
-                <a:solidFill>
-                  <a:srgbClr val="EBFFD2"/>
-                </a:solidFill>
-                <a:effectLst>
-                  <a:outerShdw blurRad="38100" dist="38100" dir="2700000" algn="tl">
-                    <a:srgbClr val="000000">
-                      <a:alpha val="43137"/>
-                    </a:srgbClr>
-                  </a:outerShdw>
-                </a:effectLst>
-                <a:latin typeface="+mn-lt"/>
-                <a:ea typeface="+mn-ea"/>
-                <a:cs typeface="+mn-cs"/>
-              </a:defRPr>
-            </a:lvl1pPr>
-            <a:lvl2pPr marL="630238" indent="-273050" algn="l" rtl="0" eaLnBrk="1" fontAlgn="base" hangingPunct="1">
-              <a:lnSpc>
-                <a:spcPts val="3800"/>
-              </a:lnSpc>
-              <a:spcBef>
-                <a:spcPts val="600"/>
-              </a:spcBef>
-              <a:spcAft>
-                <a:spcPts val="600"/>
-              </a:spcAft>
-              <a:buClr>
-                <a:srgbClr val="8FD600"/>
-              </a:buClr>
-              <a:buFont typeface="Wingdings 2" pitchFamily="18" charset="2"/>
-              <a:buChar char=""/>
-              <a:defRPr sz="3000" b="1" kern="1200">
-                <a:solidFill>
-                  <a:schemeClr val="tx1">
-                    <a:lumMod val="40000"/>
-                    <a:lumOff val="60000"/>
-                  </a:schemeClr>
-                </a:solidFill>
-                <a:effectLst>
-                  <a:outerShdw blurRad="38100" dist="38100" dir="2700000" algn="tl">
-                    <a:srgbClr val="000000">
-                      <a:alpha val="43137"/>
-                    </a:srgbClr>
-                  </a:outerShdw>
-                </a:effectLst>
-                <a:latin typeface="+mn-lt"/>
-                <a:ea typeface="+mn-ea"/>
-                <a:cs typeface="+mn-cs"/>
-              </a:defRPr>
-            </a:lvl2pPr>
-            <a:lvl3pPr marL="922338" indent="-273050" algn="l" rtl="0" eaLnBrk="1" fontAlgn="base" hangingPunct="1">
-              <a:lnSpc>
-                <a:spcPts val="3800"/>
-              </a:lnSpc>
-              <a:spcBef>
-                <a:spcPts val="600"/>
-              </a:spcBef>
-              <a:spcAft>
-                <a:spcPts val="600"/>
-              </a:spcAft>
-              <a:buClr>
-                <a:srgbClr val="FFAD9F"/>
-              </a:buClr>
-              <a:buFont typeface="Wingdings 2" pitchFamily="18" charset="2"/>
-              <a:buChar char=""/>
-              <a:defRPr sz="2800" b="1" kern="1200">
-                <a:solidFill>
-                  <a:srgbClr val="F5FFC2"/>
-                </a:solidFill>
-                <a:effectLst>
-                  <a:outerShdw blurRad="38100" dist="38100" dir="2700000" algn="tl">
-                    <a:srgbClr val="000000">
-                      <a:alpha val="43137"/>
-                    </a:srgbClr>
-                  </a:outerShdw>
-                </a:effectLst>
-                <a:latin typeface="+mn-lt"/>
-                <a:ea typeface="+mn-ea"/>
-                <a:cs typeface="+mn-cs"/>
-              </a:defRPr>
-            </a:lvl3pPr>
-            <a:lvl4pPr marL="1187450" indent="-228600" algn="l" rtl="0" eaLnBrk="1" fontAlgn="base" hangingPunct="1">
-              <a:lnSpc>
-                <a:spcPts val="3800"/>
-              </a:lnSpc>
-              <a:spcBef>
-                <a:spcPts val="600"/>
-              </a:spcBef>
-              <a:spcAft>
-                <a:spcPts val="600"/>
-              </a:spcAft>
-              <a:buClr>
-                <a:srgbClr val="FACF82"/>
-              </a:buClr>
-              <a:buFont typeface="Wingdings 2" pitchFamily="18" charset="2"/>
-              <a:buChar char=""/>
-              <a:defRPr sz="2600" b="1" kern="1200">
-                <a:solidFill>
-                  <a:schemeClr val="tx1">
-                    <a:lumMod val="40000"/>
-                    <a:lumOff val="60000"/>
-                  </a:schemeClr>
-                </a:solidFill>
-                <a:effectLst>
-                  <a:outerShdw blurRad="38100" dist="38100" dir="2700000" algn="tl">
-                    <a:srgbClr val="000000">
-                      <a:alpha val="43137"/>
-                    </a:srgbClr>
-                  </a:outerShdw>
-                </a:effectLst>
-                <a:latin typeface="+mn-lt"/>
-                <a:ea typeface="+mn-ea"/>
-                <a:cs typeface="+mn-cs"/>
-              </a:defRPr>
-            </a:lvl4pPr>
-            <a:lvl5pPr marL="1425575" indent="-228600" algn="l" rtl="0" eaLnBrk="1" fontAlgn="base" hangingPunct="1">
-              <a:lnSpc>
-                <a:spcPts val="3800"/>
-              </a:lnSpc>
-              <a:spcBef>
-                <a:spcPts val="600"/>
-              </a:spcBef>
-              <a:spcAft>
-                <a:spcPts val="600"/>
-              </a:spcAft>
-              <a:buClr>
-                <a:srgbClr val="46A6BD"/>
-              </a:buClr>
-              <a:buFont typeface="Wingdings 2" pitchFamily="18" charset="2"/>
-              <a:buChar char=""/>
-              <a:defRPr sz="2400" b="1" kern="1200">
-                <a:solidFill>
-                  <a:schemeClr val="tx1">
-                    <a:lumMod val="40000"/>
-                    <a:lumOff val="60000"/>
-                  </a:schemeClr>
-                </a:solidFill>
-                <a:effectLst>
-                  <a:outerShdw blurRad="38100" dist="38100" dir="2700000" algn="tl">
-                    <a:srgbClr val="000000">
-                      <a:alpha val="43137"/>
-                    </a:srgbClr>
-                  </a:outerShdw>
-                </a:effectLst>
-                <a:latin typeface="+mn-lt"/>
-                <a:ea typeface="+mn-ea"/>
-                <a:cs typeface="+mn-cs"/>
-              </a:defRPr>
-            </a:lvl5pPr>
-            <a:lvl6pPr marL="1673352" indent="-228600" algn="l" rtl="0" eaLnBrk="1" latinLnBrk="0" hangingPunct="1">
-              <a:spcBef>
-                <a:spcPct val="20000"/>
-              </a:spcBef>
-              <a:buClr>
-                <a:schemeClr val="accent6"/>
-              </a:buClr>
-              <a:buFont typeface="Wingdings 2"/>
-              <a:buChar char=""/>
-              <a:defRPr sz="1800" kern="1200">
-                <a:solidFill>
-                  <a:schemeClr val="tx1"/>
-                </a:solidFill>
-                <a:latin typeface="+mn-lt"/>
-                <a:ea typeface="+mn-ea"/>
-                <a:cs typeface="+mn-cs"/>
-              </a:defRPr>
-            </a:lvl6pPr>
-            <a:lvl7pPr marL="1911096" indent="-228600" algn="l" rtl="0" eaLnBrk="1" latinLnBrk="0" hangingPunct="1">
-              <a:spcBef>
-                <a:spcPct val="20000"/>
-              </a:spcBef>
-              <a:buClr>
-                <a:schemeClr val="tx2"/>
-              </a:buClr>
-              <a:buFont typeface="Wingdings 2"/>
-              <a:buChar char=""/>
-              <a:defRPr sz="1600" kern="1200">
-                <a:solidFill>
-                  <a:schemeClr val="tx1"/>
-                </a:solidFill>
-                <a:latin typeface="+mn-lt"/>
-                <a:ea typeface="+mn-ea"/>
-                <a:cs typeface="+mn-cs"/>
-              </a:defRPr>
-            </a:lvl7pPr>
-            <a:lvl8pPr marL="2121408" indent="-182880" algn="l" rtl="0" eaLnBrk="1" latinLnBrk="0" hangingPunct="1">
-              <a:spcBef>
-                <a:spcPct val="20000"/>
-              </a:spcBef>
-              <a:buClr>
-                <a:schemeClr val="tx2"/>
-              </a:buClr>
-              <a:buFont typeface="Wingdings 2"/>
-              <a:buChar char=""/>
-              <a:defRPr sz="1400" kern="1200">
-                <a:solidFill>
-                  <a:schemeClr val="tx1"/>
-                </a:solidFill>
-                <a:latin typeface="+mn-lt"/>
-                <a:ea typeface="+mn-ea"/>
-                <a:cs typeface="+mn-cs"/>
-              </a:defRPr>
-            </a:lvl8pPr>
-            <a:lvl9pPr marL="2322576" indent="-182880" algn="l" rtl="0" eaLnBrk="1" latinLnBrk="0" hangingPunct="1">
-              <a:spcBef>
-                <a:spcPct val="20000"/>
-              </a:spcBef>
-              <a:buClr>
-                <a:schemeClr val="tx2"/>
-              </a:buClr>
-              <a:buFont typeface="Wingdings 2"/>
-              <a:buChar char=""/>
-              <a:defRPr sz="1400" kern="1200">
-                <a:solidFill>
-                  <a:schemeClr val="tx1"/>
-                </a:solidFill>
-                <a:latin typeface="+mn-lt"/>
-                <a:ea typeface="+mn-ea"/>
-                <a:cs typeface="+mn-cs"/>
-              </a:defRPr>
-            </a:lvl9pPr>
-          </a:lstStyle>
-          <a:p>
-            <a:pPr>
-              <a:lnSpc>
-                <a:spcPct val="100000"/>
-              </a:lnSpc>
-            </a:pPr>
-            <a:r>
-              <a:rPr lang="en-US" noProof="1" smtClean="0">
-                <a:solidFill>
-                  <a:schemeClr val="accent5">
-                    <a:lumMod val="20000"/>
-                    <a:lumOff val="80000"/>
-                  </a:schemeClr>
-                </a:solidFill>
-                <a:latin typeface="Consolas" pitchFamily="49" charset="0"/>
-              </a:rPr>
-              <a:t>SaveChanges()</a:t>
-            </a:r>
-            <a:r>
-              <a:rPr lang="en-US" dirty="0" smtClean="0"/>
-              <a:t> method call is required to perform the insert actions</a:t>
-            </a:r>
-            <a:endParaRPr lang="bg-BG" dirty="0"/>
-          </a:p>
-        </p:txBody>
-      </p:sp>
-    </p:spTree>
-    <p:extLst>
-      <p:ext uri="{BB962C8B-B14F-4D97-AF65-F5344CB8AC3E}">
-        <p14:creationId xmlns:p14="http://schemas.microsoft.com/office/powerpoint/2010/main" val="1382212508"/>
-      </p:ext>
-    </p:extLst>
-  </p:cSld>
-  <p:clrMapOvr>
-    <a:masterClrMapping/>
-  </p:clrMapOvr>
-  <p:timing>
-    <p:tnLst>
-      <p:par>
-        <p:cTn id="1" dur="indefinite" restart="never" nodeType="tmRoot">
-          <p:childTnLst>
-            <p:seq concurrent="1" nextAc="seek">
-              <p:cTn id="2" dur="indefinite" nodeType="mainSeq">
-                <p:childTnLst>
-                  <p:par>
-                    <p:cTn id="3" fill="hold">
-                      <p:stCondLst>
-                        <p:cond delay="indefinite"/>
-                      </p:stCondLst>
-                      <p:childTnLst>
-                        <p:par>
-                          <p:cTn id="4" fill="hold">
-                            <p:stCondLst>
-                              <p:cond delay="0"/>
-                            </p:stCondLst>
-                            <p:childTnLst>
-                              <p:par>
-                                <p:cTn id="5" presetID="1" presetClass="entr" presetSubtype="0" fill="hold" grpId="0" nodeType="clickEffect">
-                                  <p:stCondLst>
-                                    <p:cond delay="0"/>
-                                  </p:stCondLst>
-                                  <p:childTnLst>
-                                    <p:set>
-                                      <p:cBhvr>
-                                        <p:cTn id="6" dur="1" fill="hold">
-                                          <p:stCondLst>
-                                            <p:cond delay="0"/>
-                                          </p:stCondLst>
-                                        </p:cTn>
-                                        <p:tgtEl>
-                                          <p:spTgt spid="8"/>
-                                        </p:tgtEl>
-                                        <p:attrNameLst>
-                                          <p:attrName>style.visibility</p:attrName>
-                                        </p:attrNameLst>
-                                      </p:cBhvr>
-                                      <p:to>
-                                        <p:strVal val="visible"/>
-                                      </p:to>
-                                    </p:set>
-                                  </p:childTnLst>
-                                </p:cTn>
-                              </p:par>
-                            </p:childTnLst>
-                          </p:cTn>
-                        </p:par>
-                      </p:childTnLst>
-                    </p:cTn>
-                  </p:par>
-                </p:childTnLst>
-              </p:cTn>
-              <p:prevCondLst>
-                <p:cond evt="onPrev" delay="0">
-                  <p:tgtEl>
-                    <p:sldTgt/>
-                  </p:tgtEl>
-                </p:cond>
-              </p:prevCondLst>
-              <p:nextCondLst>
-                <p:cond evt="onNext" delay="0">
-                  <p:tgtEl>
-                    <p:sldTgt/>
-                  </p:tgtEl>
-                </p:cond>
-              </p:nextCondLst>
-            </p:seq>
-          </p:childTnLst>
-        </p:cTn>
-      </p:par>
-    </p:tnLst>
-    <p:bldLst>
-      <p:bldP spid="8" grpId="0" animBg="1"/>
-    </p:bldLst>
-  </p:timing>
-</p:sld>
-</file>
-
-<file path=ppt/slides/slide27.xml><?xml version="1.0" encoding="utf-8"?>
-<p:sld xmlns:a="http://schemas.openxmlformats.org/drawingml/2006/main" xmlns:r="http://schemas.openxmlformats.org/officeDocument/2006/relationships" xmlns:p="http://schemas.openxmlformats.org/presentationml/2006/main">
-  <p:cSld>
-    <p:spTree>
-      <p:nvGrpSpPr>
-        <p:cNvPr id="1" name=""/>
-        <p:cNvGrpSpPr/>
-        <p:nvPr/>
-      </p:nvGrpSpPr>
-      <p:grpSpPr>
-        <a:xfrm>
-          <a:off x="0" y="0"/>
-          <a:ext cx="0" cy="0"/>
-          <a:chOff x="0" y="0"/>
-          <a:chExt cx="0" cy="0"/>
-        </a:xfrm>
-      </p:grpSpPr>
-      <p:sp>
-        <p:nvSpPr>
-          <p:cNvPr id="2" name="Title 1"/>
-          <p:cNvSpPr>
-            <a:spLocks noGrp="1"/>
-          </p:cNvSpPr>
-          <p:nvPr>
-            <p:ph type="title"/>
-          </p:nvPr>
-        </p:nvSpPr>
-        <p:spPr/>
-        <p:txBody>
-          <a:bodyPr/>
-          <a:lstStyle/>
-          <a:p>
-            <a:r>
-              <a:rPr lang="en-US" dirty="0" smtClean="0"/>
-              <a:t>Creating New Data (2)</a:t>
-            </a:r>
-            <a:endParaRPr lang="bg-BG" dirty="0"/>
-          </a:p>
-        </p:txBody>
-      </p:sp>
-      <p:sp>
-        <p:nvSpPr>
-          <p:cNvPr id="6" name="Content Placeholder 5"/>
-          <p:cNvSpPr>
-            <a:spLocks noGrp="1"/>
-          </p:cNvSpPr>
-          <p:nvPr>
-            <p:ph idx="1"/>
-          </p:nvPr>
-        </p:nvSpPr>
-        <p:spPr>
-          <a:xfrm>
-            <a:off x="228600" y="762000"/>
-            <a:ext cx="8686800" cy="2819400"/>
-          </a:xfrm>
-        </p:spPr>
-        <p:txBody>
-          <a:bodyPr/>
-          <a:lstStyle/>
-          <a:p>
-            <a:pPr>
-              <a:lnSpc>
-                <a:spcPct val="100000"/>
-              </a:lnSpc>
-            </a:pPr>
-            <a:r>
-              <a:rPr lang="en-US" noProof="1" smtClean="0"/>
-              <a:t>Creating new row can also be done by using the </a:t>
-            </a:r>
-            <a:r>
-              <a:rPr lang="en-US" noProof="1" smtClean="0">
-                <a:solidFill>
-                  <a:schemeClr val="accent5">
-                    <a:lumMod val="20000"/>
-                    <a:lumOff val="80000"/>
-                  </a:schemeClr>
-                </a:solidFill>
-              </a:rPr>
-              <a:t>AddTo</a:t>
-            </a:r>
-            <a:r>
-              <a:rPr lang="en-US" noProof="1" smtClean="0"/>
-              <a:t>+</a:t>
-            </a:r>
-            <a:r>
-              <a:rPr lang="en-US" noProof="1" smtClean="0">
-                <a:solidFill>
-                  <a:schemeClr val="accent5">
-                    <a:lumMod val="20000"/>
-                    <a:lumOff val="80000"/>
-                  </a:schemeClr>
-                </a:solidFill>
-              </a:rPr>
-              <a:t>The_Entity_Name </a:t>
-            </a:r>
-            <a:r>
-              <a:rPr lang="en-US" noProof="1"/>
-              <a:t>method </a:t>
-            </a:r>
-            <a:r>
-              <a:rPr lang="en-US" noProof="1" smtClean="0"/>
-              <a:t>directly on the </a:t>
-            </a:r>
-            <a:r>
-              <a:rPr lang="en-US" noProof="1" smtClean="0">
-                <a:solidFill>
-                  <a:schemeClr val="accent5">
-                    <a:lumMod val="20000"/>
-                    <a:lumOff val="80000"/>
-                  </a:schemeClr>
-                </a:solidFill>
-              </a:rPr>
-              <a:t>ObjectContext</a:t>
-            </a:r>
-          </a:p>
-          <a:p>
-            <a:pPr lvl="1">
-              <a:lnSpc>
-                <a:spcPct val="100000"/>
-              </a:lnSpc>
-            </a:pPr>
-            <a:r>
-              <a:rPr lang="en-US" noProof="1" smtClean="0"/>
-              <a:t>This method is depricated</a:t>
-            </a:r>
-          </a:p>
-          <a:p>
-            <a:pPr lvl="1">
-              <a:lnSpc>
-                <a:spcPct val="100000"/>
-              </a:lnSpc>
-            </a:pPr>
-            <a:r>
-              <a:rPr lang="en-US" noProof="1" smtClean="0"/>
-              <a:t>Better use the other one</a:t>
-            </a:r>
-            <a:endParaRPr lang="en-US" noProof="1"/>
-          </a:p>
-        </p:txBody>
-      </p:sp>
-      <p:sp>
-        <p:nvSpPr>
-          <p:cNvPr id="5" name="Slide Number Placeholder 4"/>
-          <p:cNvSpPr>
-            <a:spLocks noGrp="1"/>
-          </p:cNvSpPr>
-          <p:nvPr>
-            <p:ph type="sldNum" sz="quarter" idx="10"/>
-          </p:nvPr>
-        </p:nvSpPr>
-        <p:spPr/>
-        <p:txBody>
-          <a:bodyPr/>
-          <a:lstStyle/>
-          <a:p>
-            <a:pPr>
-              <a:defRPr/>
-            </a:pPr>
-            <a:fld id="{58452FF4-89E3-4D1B-9927-2DBDC00E58D7}" type="slidenum">
-              <a:rPr lang="en-US" smtClean="0"/>
-              <a:pPr>
-                <a:defRPr/>
-              </a:pPr>
-              <a:t>27</a:t>
-            </a:fld>
-            <a:endParaRPr lang="en-US" dirty="0"/>
-          </a:p>
-        </p:txBody>
-      </p:sp>
-      <p:sp>
-        <p:nvSpPr>
-          <p:cNvPr id="7" name="Text Placeholder 5"/>
-          <p:cNvSpPr txBox="1">
-            <a:spLocks/>
-          </p:cNvSpPr>
-          <p:nvPr/>
-        </p:nvSpPr>
-        <p:spPr>
-          <a:xfrm>
-            <a:off x="685800" y="3708737"/>
-            <a:ext cx="7772400" cy="1015663"/>
-          </a:xfrm>
-          <a:prstGeom prst="rect">
-            <a:avLst/>
-          </a:prstGeom>
-          <a:solidFill>
-            <a:schemeClr val="accent5">
-              <a:lumMod val="40000"/>
-              <a:lumOff val="60000"/>
-              <a:alpha val="15000"/>
-            </a:schemeClr>
-          </a:solidFill>
-          <a:ln w="12700">
-            <a:solidFill>
-              <a:schemeClr val="accent5">
-                <a:lumMod val="60000"/>
-                <a:lumOff val="40000"/>
-              </a:schemeClr>
-            </a:solidFill>
-          </a:ln>
-        </p:spPr>
-        <p:txBody>
-          <a:bodyPr wrap="square">
-            <a:spAutoFit/>
-          </a:bodyPr>
-          <a:lstStyle/>
-          <a:p>
-            <a:pPr lvl="0" eaLnBrk="0" hangingPunct="0">
-              <a:spcBef>
-                <a:spcPts val="0"/>
-              </a:spcBef>
-              <a:buClr>
-                <a:schemeClr val="accent5">
-                  <a:lumMod val="40000"/>
-                  <a:lumOff val="60000"/>
-                </a:schemeClr>
-              </a:buClr>
-              <a:buSzPct val="70000"/>
-            </a:pPr>
-            <a:r>
-              <a:rPr lang="en-US" sz="2000" b="1" noProof="1" smtClean="0">
-                <a:solidFill>
-                  <a:srgbClr val="8CF4F2"/>
-                </a:solidFill>
-                <a:effectLst>
-                  <a:outerShdw blurRad="38100" dist="38100" dir="2700000" algn="tl">
-                    <a:srgbClr val="000000">
-                      <a:alpha val="43137"/>
-                    </a:srgbClr>
-                  </a:outerShdw>
-                </a:effectLst>
-                <a:latin typeface="Consolas" pitchFamily="49" charset="0"/>
-                <a:cs typeface="Consolas" pitchFamily="49" charset="0"/>
-              </a:rPr>
-              <a:t>// Mark the object for inserting</a:t>
-            </a:r>
-          </a:p>
-          <a:p>
-            <a:pPr lvl="0" eaLnBrk="0" hangingPunct="0">
-              <a:spcBef>
-                <a:spcPts val="0"/>
-              </a:spcBef>
-              <a:buClr>
-                <a:schemeClr val="accent5">
-                  <a:lumMod val="40000"/>
-                  <a:lumOff val="60000"/>
-                </a:schemeClr>
-              </a:buClr>
-              <a:buSzPct val="70000"/>
-            </a:pPr>
-            <a:r>
-              <a:rPr lang="en-US" sz="2000" b="1" noProof="1" smtClean="0">
-                <a:solidFill>
-                  <a:srgbClr val="8CF4F2"/>
-                </a:solidFill>
-                <a:effectLst>
-                  <a:outerShdw blurRad="38100" dist="38100" dir="2700000" algn="tl">
-                    <a:srgbClr val="000000">
-                      <a:alpha val="43137"/>
-                    </a:srgbClr>
-                  </a:outerShdw>
-                </a:effectLst>
-                <a:latin typeface="Consolas" pitchFamily="49" charset="0"/>
-                <a:cs typeface="Consolas" pitchFamily="49" charset="0"/>
-              </a:rPr>
-              <a:t>context.AddToOrders(order);</a:t>
-            </a:r>
-          </a:p>
-          <a:p>
-            <a:pPr lvl="0" eaLnBrk="0" hangingPunct="0">
-              <a:spcBef>
-                <a:spcPts val="0"/>
-              </a:spcBef>
-              <a:buClr>
-                <a:schemeClr val="accent5">
-                  <a:lumMod val="40000"/>
-                  <a:lumOff val="60000"/>
-                </a:schemeClr>
-              </a:buClr>
-              <a:buSzPct val="70000"/>
-            </a:pPr>
-            <a:r>
-              <a:rPr lang="en-US" sz="2000" b="1" noProof="1" smtClean="0">
-                <a:solidFill>
-                  <a:srgbClr val="8CF4F2"/>
-                </a:solidFill>
-                <a:effectLst>
-                  <a:outerShdw blurRad="38100" dist="38100" dir="2700000" algn="tl">
-                    <a:srgbClr val="000000">
-                      <a:alpha val="43137"/>
-                    </a:srgbClr>
-                  </a:outerShdw>
-                </a:effectLst>
-                <a:latin typeface="Consolas" pitchFamily="49" charset="0"/>
-                <a:cs typeface="Consolas" pitchFamily="49" charset="0"/>
-              </a:rPr>
-              <a:t>context.SaveChanges();</a:t>
-            </a:r>
-            <a:endParaRPr kumimoji="0" lang="en-US" sz="2000" b="1" i="0" u="none" strike="noStrike" kern="1200" cap="none" spc="0" normalizeH="0" baseline="0" noProof="1" smtClean="0">
-              <a:ln>
-                <a:noFill/>
-              </a:ln>
-              <a:solidFill>
-                <a:srgbClr val="8CF4F2"/>
-              </a:solidFill>
-              <a:effectLst>
-                <a:outerShdw blurRad="38100" dist="38100" dir="2700000" algn="tl">
-                  <a:srgbClr val="000000">
-                    <a:alpha val="43137"/>
-                  </a:srgbClr>
-                </a:outerShdw>
-              </a:effectLst>
-              <a:uLnTx/>
-              <a:uFillTx/>
-              <a:latin typeface="Consolas" pitchFamily="49" charset="0"/>
-              <a:cs typeface="Consolas" pitchFamily="49" charset="0"/>
-            </a:endParaRPr>
-          </a:p>
-        </p:txBody>
-      </p:sp>
-    </p:spTree>
-    <p:extLst>
-      <p:ext uri="{BB962C8B-B14F-4D97-AF65-F5344CB8AC3E}">
-        <p14:creationId xmlns:p14="http://schemas.microsoft.com/office/powerpoint/2010/main" val="1112265255"/>
-      </p:ext>
-    </p:extLst>
-  </p:cSld>
-  <p:clrMapOvr>
-    <a:masterClrMapping/>
-  </p:clrMapOvr>
-  <p:timing>
-    <p:tnLst>
-      <p:par>
-        <p:cTn id="1" dur="indefinite" restart="never" nodeType="tmRoot"/>
-      </p:par>
-    </p:tnLst>
-  </p:timing>
-</p:sld>
-</file>
-
-<file path=ppt/slides/slide28.xml><?xml version="1.0" encoding="utf-8"?>
-<p:sld xmlns:a="http://schemas.openxmlformats.org/drawingml/2006/main" xmlns:r="http://schemas.openxmlformats.org/officeDocument/2006/relationships" xmlns:p="http://schemas.openxmlformats.org/presentationml/2006/main">
-  <p:cSld>
-    <p:spTree>
-      <p:nvGrpSpPr>
-        <p:cNvPr id="1" name=""/>
-        <p:cNvGrpSpPr/>
-        <p:nvPr/>
-      </p:nvGrpSpPr>
-      <p:grpSpPr>
-        <a:xfrm>
-          <a:off x="0" y="0"/>
-          <a:ext cx="0" cy="0"/>
-          <a:chOff x="0" y="0"/>
-          <a:chExt cx="0" cy="0"/>
-        </a:xfrm>
-      </p:grpSpPr>
-      <p:sp>
-        <p:nvSpPr>
-          <p:cNvPr id="2" name="Title 1"/>
-          <p:cNvSpPr>
-            <a:spLocks noGrp="1"/>
-          </p:cNvSpPr>
-          <p:nvPr>
-            <p:ph type="title"/>
-          </p:nvPr>
-        </p:nvSpPr>
-        <p:spPr/>
-        <p:txBody>
-          <a:bodyPr/>
-          <a:lstStyle/>
-          <a:p>
-            <a:r>
-              <a:rPr lang="en-US" dirty="0" smtClean="0"/>
-              <a:t>Creating New Data with Cascading</a:t>
-            </a:r>
-            <a:endParaRPr lang="en-US" dirty="0"/>
-          </a:p>
-        </p:txBody>
-      </p:sp>
-      <p:sp>
-        <p:nvSpPr>
-          <p:cNvPr id="3" name="Content Placeholder 2"/>
-          <p:cNvSpPr>
-            <a:spLocks noGrp="1"/>
-          </p:cNvSpPr>
-          <p:nvPr>
-            <p:ph idx="1"/>
-          </p:nvPr>
-        </p:nvSpPr>
-        <p:spPr>
-          <a:xfrm>
-            <a:off x="381000" y="1066800"/>
-            <a:ext cx="8382000" cy="1143000"/>
-          </a:xfrm>
-        </p:spPr>
-        <p:txBody>
-          <a:bodyPr/>
-          <a:lstStyle/>
-          <a:p>
-            <a:pPr>
-              <a:lnSpc>
-                <a:spcPct val="100000"/>
-              </a:lnSpc>
-            </a:pPr>
-            <a:r>
-              <a:rPr lang="en-US" dirty="0" smtClean="0"/>
-              <a:t>We can also add data cascading in the database:</a:t>
-            </a:r>
-            <a:endParaRPr lang="en-US" dirty="0"/>
-          </a:p>
-        </p:txBody>
-      </p:sp>
-      <p:sp>
-        <p:nvSpPr>
-          <p:cNvPr id="4" name="Slide Number Placeholder 3"/>
-          <p:cNvSpPr>
-            <a:spLocks noGrp="1"/>
-          </p:cNvSpPr>
-          <p:nvPr>
-            <p:ph type="sldNum" sz="quarter" idx="10"/>
-          </p:nvPr>
-        </p:nvSpPr>
-        <p:spPr/>
-        <p:txBody>
-          <a:bodyPr/>
-          <a:lstStyle/>
-          <a:p>
-            <a:pPr>
-              <a:defRPr/>
-            </a:pPr>
-            <a:fld id="{58452FF4-89E3-4D1B-9927-2DBDC00E58D7}" type="slidenum">
-              <a:rPr lang="en-US" smtClean="0"/>
-              <a:pPr>
-                <a:defRPr/>
-              </a:pPr>
-              <a:t>28</a:t>
-            </a:fld>
-            <a:endParaRPr lang="en-US" dirty="0"/>
-          </a:p>
-        </p:txBody>
-      </p:sp>
-      <p:sp>
-        <p:nvSpPr>
-          <p:cNvPr id="5" name="Text Placeholder 5"/>
-          <p:cNvSpPr txBox="1">
-            <a:spLocks/>
-          </p:cNvSpPr>
-          <p:nvPr/>
-        </p:nvSpPr>
-        <p:spPr>
-          <a:xfrm>
-            <a:off x="685800" y="2204353"/>
-            <a:ext cx="7772400" cy="2139047"/>
-          </a:xfrm>
-          <a:prstGeom prst="rect">
-            <a:avLst/>
-          </a:prstGeom>
-          <a:solidFill>
-            <a:schemeClr val="accent5">
-              <a:lumMod val="40000"/>
-              <a:lumOff val="60000"/>
-              <a:alpha val="15000"/>
-            </a:schemeClr>
-          </a:solidFill>
-          <a:ln w="12700">
-            <a:solidFill>
-              <a:schemeClr val="accent5">
-                <a:lumMod val="60000"/>
-                <a:lumOff val="40000"/>
-              </a:schemeClr>
-            </a:solidFill>
-          </a:ln>
-        </p:spPr>
-        <p:txBody>
-          <a:bodyPr wrap="square">
-            <a:spAutoFit/>
-          </a:bodyPr>
-          <a:lstStyle>
-            <a:defPPr>
-              <a:defRPr lang="en-US"/>
-            </a:defPPr>
-            <a:lvl1pPr lvl="0" eaLnBrk="0" hangingPunct="0">
-              <a:spcBef>
-                <a:spcPts val="0"/>
-              </a:spcBef>
-              <a:buClr>
-                <a:schemeClr val="accent5">
-                  <a:lumMod val="40000"/>
-                  <a:lumOff val="60000"/>
-                </a:schemeClr>
-              </a:buClr>
-              <a:buSzPct val="70000"/>
-              <a:defRPr sz="1900" b="1">
-                <a:solidFill>
-                  <a:srgbClr val="8CF4F2"/>
-                </a:solidFill>
-                <a:effectLst>
-                  <a:outerShdw blurRad="38100" dist="38100" dir="2700000" algn="tl">
-                    <a:srgbClr val="000000">
-                      <a:alpha val="43137"/>
-                    </a:srgbClr>
-                  </a:outerShdw>
-                </a:effectLst>
-                <a:latin typeface="Consolas" pitchFamily="49" charset="0"/>
-                <a:cs typeface="Consolas" pitchFamily="49" charset="0"/>
-              </a:defRPr>
-            </a:lvl1pPr>
-          </a:lstStyle>
-          <a:p>
-            <a:pPr>
-              <a:lnSpc>
-                <a:spcPct val="95000"/>
-              </a:lnSpc>
-            </a:pPr>
-            <a:r>
-              <a:rPr lang="en-US" sz="2000" dirty="0"/>
-              <a:t>Country </a:t>
-            </a:r>
-            <a:r>
-              <a:rPr lang="en-US" sz="2000" dirty="0" smtClean="0"/>
-              <a:t>spain </a:t>
-            </a:r>
-            <a:r>
-              <a:rPr lang="en-US" sz="2000" dirty="0"/>
-              <a:t>= new Country();</a:t>
-            </a:r>
-          </a:p>
-          <a:p>
-            <a:pPr>
-              <a:lnSpc>
-                <a:spcPct val="95000"/>
-              </a:lnSpc>
-            </a:pPr>
-            <a:r>
-              <a:rPr lang="en-US" sz="2000" dirty="0"/>
-              <a:t>spain.Name </a:t>
-            </a:r>
-            <a:r>
-              <a:rPr lang="en-US" sz="2000" dirty="0" smtClean="0"/>
-              <a:t>= </a:t>
-            </a:r>
-            <a:r>
-              <a:rPr lang="en-US" sz="2000" dirty="0"/>
-              <a:t>"Spain";</a:t>
-            </a:r>
-          </a:p>
-          <a:p>
-            <a:pPr>
-              <a:lnSpc>
-                <a:spcPct val="95000"/>
-              </a:lnSpc>
-            </a:pPr>
-            <a:r>
-              <a:rPr lang="en-US" sz="2000" dirty="0" smtClean="0"/>
-              <a:t>spain.Population </a:t>
-            </a:r>
-            <a:r>
-              <a:rPr lang="en-US" sz="2000" dirty="0"/>
-              <a:t>= "46 030 10";</a:t>
-            </a:r>
-          </a:p>
-          <a:p>
-            <a:pPr>
-              <a:lnSpc>
-                <a:spcPct val="95000"/>
-              </a:lnSpc>
-            </a:pPr>
-            <a:r>
-              <a:rPr lang="en-US" sz="2000" dirty="0" smtClean="0"/>
-              <a:t>spain.Cities.Add( new </a:t>
-            </a:r>
-            <a:r>
-              <a:rPr lang="en-US" sz="2000" dirty="0"/>
-              <a:t>City { Name = "Barcelona</a:t>
-            </a:r>
-            <a:r>
-              <a:rPr lang="en-US" sz="2000" dirty="0" smtClean="0"/>
-              <a:t>"} );</a:t>
-            </a:r>
-            <a:endParaRPr lang="en-US" sz="2000" dirty="0"/>
-          </a:p>
-          <a:p>
-            <a:pPr>
-              <a:lnSpc>
-                <a:spcPct val="95000"/>
-              </a:lnSpc>
-            </a:pPr>
-            <a:r>
-              <a:rPr lang="en-US" sz="2000" dirty="0"/>
-              <a:t>spain.Cities.Add</a:t>
-            </a:r>
-            <a:r>
-              <a:rPr lang="en-US" sz="2000" dirty="0" smtClean="0"/>
-              <a:t>( new </a:t>
-            </a:r>
-            <a:r>
-              <a:rPr lang="en-US" sz="2000" dirty="0"/>
-              <a:t>City { Name = "Madrid</a:t>
-            </a:r>
-            <a:r>
-              <a:rPr lang="en-US" sz="2000" dirty="0" smtClean="0"/>
-              <a:t>"} );</a:t>
-            </a:r>
-            <a:endParaRPr lang="en-US" sz="2000" dirty="0"/>
-          </a:p>
-          <a:p>
-            <a:pPr>
-              <a:lnSpc>
-                <a:spcPct val="95000"/>
-              </a:lnSpc>
-            </a:pPr>
-            <a:r>
-              <a:rPr lang="en-US" sz="2000" noProof="1" smtClean="0"/>
-              <a:t>countryEntities.Countries.AddObject(</a:t>
-            </a:r>
-            <a:r>
-              <a:rPr lang="en-US" sz="2000" dirty="0" smtClean="0"/>
-              <a:t>spain</a:t>
-            </a:r>
-            <a:r>
-              <a:rPr lang="en-US" sz="2000" noProof="1" smtClean="0"/>
-              <a:t>);</a:t>
-            </a:r>
-          </a:p>
-          <a:p>
-            <a:pPr>
-              <a:lnSpc>
-                <a:spcPct val="95000"/>
-              </a:lnSpc>
-            </a:pPr>
-            <a:r>
-              <a:rPr lang="en-US" sz="2000" noProof="1" smtClean="0"/>
-              <a:t>countryEntities.SaveChanges();</a:t>
-            </a:r>
-            <a:endParaRPr lang="en-US" sz="2000" noProof="1"/>
-          </a:p>
-        </p:txBody>
-      </p:sp>
-      <p:sp>
-        <p:nvSpPr>
-          <p:cNvPr id="6" name="Content Placeholder 2"/>
-          <p:cNvSpPr txBox="1">
-            <a:spLocks/>
-          </p:cNvSpPr>
-          <p:nvPr/>
-        </p:nvSpPr>
-        <p:spPr>
-          <a:xfrm>
-            <a:off x="381000" y="4495800"/>
-            <a:ext cx="8382000" cy="2057400"/>
-          </a:xfrm>
-          <a:prstGeom prst="rect">
-            <a:avLst/>
-          </a:prstGeom>
-        </p:spPr>
-        <p:txBody>
-          <a:bodyPr/>
-          <a:lstStyle>
-            <a:lvl1pPr marL="282575" indent="-282575" algn="l" rtl="0" eaLnBrk="1" fontAlgn="base" hangingPunct="1">
-              <a:lnSpc>
-                <a:spcPts val="3800"/>
-              </a:lnSpc>
-              <a:spcBef>
-                <a:spcPts val="600"/>
-              </a:spcBef>
-              <a:spcAft>
-                <a:spcPts val="600"/>
-              </a:spcAft>
-              <a:buClr>
-                <a:schemeClr val="accent5">
-                  <a:lumMod val="40000"/>
-                  <a:lumOff val="60000"/>
-                </a:schemeClr>
-              </a:buClr>
-              <a:buSzPct val="70000"/>
-              <a:buFont typeface="Wingdings 2" pitchFamily="18" charset="2"/>
-              <a:buChar char=""/>
-              <a:tabLst>
-                <a:tab pos="282575" algn="l"/>
-              </a:tabLst>
-              <a:defRPr sz="3200" b="1" kern="1200">
-                <a:solidFill>
-                  <a:srgbClr val="EBFFD2"/>
-                </a:solidFill>
-                <a:effectLst>
-                  <a:outerShdw blurRad="38100" dist="38100" dir="2700000" algn="tl">
-                    <a:srgbClr val="000000">
-                      <a:alpha val="43137"/>
-                    </a:srgbClr>
-                  </a:outerShdw>
-                </a:effectLst>
-                <a:latin typeface="+mn-lt"/>
-                <a:ea typeface="+mn-ea"/>
-                <a:cs typeface="+mn-cs"/>
-              </a:defRPr>
-            </a:lvl1pPr>
-            <a:lvl2pPr marL="630238" indent="-273050" algn="l" rtl="0" eaLnBrk="1" fontAlgn="base" hangingPunct="1">
-              <a:lnSpc>
-                <a:spcPts val="3800"/>
-              </a:lnSpc>
-              <a:spcBef>
-                <a:spcPts val="600"/>
-              </a:spcBef>
-              <a:spcAft>
-                <a:spcPts val="600"/>
-              </a:spcAft>
-              <a:buClr>
-                <a:srgbClr val="8FD600"/>
-              </a:buClr>
-              <a:buFont typeface="Wingdings 2" pitchFamily="18" charset="2"/>
-              <a:buChar char=""/>
-              <a:defRPr sz="3000" b="1" kern="1200">
-                <a:solidFill>
-                  <a:schemeClr val="tx1">
-                    <a:lumMod val="40000"/>
-                    <a:lumOff val="60000"/>
-                  </a:schemeClr>
-                </a:solidFill>
-                <a:effectLst>
-                  <a:outerShdw blurRad="38100" dist="38100" dir="2700000" algn="tl">
-                    <a:srgbClr val="000000">
-                      <a:alpha val="43137"/>
-                    </a:srgbClr>
-                  </a:outerShdw>
-                </a:effectLst>
-                <a:latin typeface="+mn-lt"/>
-                <a:ea typeface="+mn-ea"/>
-                <a:cs typeface="+mn-cs"/>
-              </a:defRPr>
-            </a:lvl2pPr>
-            <a:lvl3pPr marL="922338" indent="-273050" algn="l" rtl="0" eaLnBrk="1" fontAlgn="base" hangingPunct="1">
-              <a:lnSpc>
-                <a:spcPts val="3800"/>
-              </a:lnSpc>
-              <a:spcBef>
-                <a:spcPts val="600"/>
-              </a:spcBef>
-              <a:spcAft>
-                <a:spcPts val="600"/>
-              </a:spcAft>
-              <a:buClr>
-                <a:srgbClr val="FFAD9F"/>
-              </a:buClr>
-              <a:buFont typeface="Wingdings 2" pitchFamily="18" charset="2"/>
-              <a:buChar char=""/>
-              <a:defRPr sz="2800" b="1" kern="1200">
-                <a:solidFill>
-                  <a:srgbClr val="F5FFC2"/>
-                </a:solidFill>
-                <a:effectLst>
-                  <a:outerShdw blurRad="38100" dist="38100" dir="2700000" algn="tl">
-                    <a:srgbClr val="000000">
-                      <a:alpha val="43137"/>
-                    </a:srgbClr>
-                  </a:outerShdw>
-                </a:effectLst>
-                <a:latin typeface="+mn-lt"/>
-                <a:ea typeface="+mn-ea"/>
-                <a:cs typeface="+mn-cs"/>
-              </a:defRPr>
-            </a:lvl3pPr>
-            <a:lvl4pPr marL="1187450" indent="-228600" algn="l" rtl="0" eaLnBrk="1" fontAlgn="base" hangingPunct="1">
-              <a:lnSpc>
-                <a:spcPts val="3800"/>
-              </a:lnSpc>
-              <a:spcBef>
-                <a:spcPts val="600"/>
-              </a:spcBef>
-              <a:spcAft>
-                <a:spcPts val="600"/>
-              </a:spcAft>
-              <a:buClr>
-                <a:srgbClr val="FACF82"/>
-              </a:buClr>
-              <a:buFont typeface="Wingdings 2" pitchFamily="18" charset="2"/>
-              <a:buChar char=""/>
-              <a:defRPr sz="2600" b="1" kern="1200">
-                <a:solidFill>
-                  <a:schemeClr val="tx1">
-                    <a:lumMod val="40000"/>
-                    <a:lumOff val="60000"/>
-                  </a:schemeClr>
-                </a:solidFill>
-                <a:effectLst>
-                  <a:outerShdw blurRad="38100" dist="38100" dir="2700000" algn="tl">
-                    <a:srgbClr val="000000">
-                      <a:alpha val="43137"/>
-                    </a:srgbClr>
-                  </a:outerShdw>
-                </a:effectLst>
-                <a:latin typeface="+mn-lt"/>
-                <a:ea typeface="+mn-ea"/>
-                <a:cs typeface="+mn-cs"/>
-              </a:defRPr>
-            </a:lvl4pPr>
-            <a:lvl5pPr marL="1425575" indent="-228600" algn="l" rtl="0" eaLnBrk="1" fontAlgn="base" hangingPunct="1">
-              <a:lnSpc>
-                <a:spcPts val="3800"/>
-              </a:lnSpc>
-              <a:spcBef>
-                <a:spcPts val="600"/>
-              </a:spcBef>
-              <a:spcAft>
-                <a:spcPts val="600"/>
-              </a:spcAft>
-              <a:buClr>
-                <a:srgbClr val="46A6BD"/>
-              </a:buClr>
-              <a:buFont typeface="Wingdings 2" pitchFamily="18" charset="2"/>
-              <a:buChar char=""/>
-              <a:defRPr sz="2400" b="1" kern="1200">
-                <a:solidFill>
-                  <a:schemeClr val="tx1">
-                    <a:lumMod val="40000"/>
-                    <a:lumOff val="60000"/>
-                  </a:schemeClr>
-                </a:solidFill>
-                <a:effectLst>
-                  <a:outerShdw blurRad="38100" dist="38100" dir="2700000" algn="tl">
-                    <a:srgbClr val="000000">
-                      <a:alpha val="43137"/>
-                    </a:srgbClr>
-                  </a:outerShdw>
-                </a:effectLst>
-                <a:latin typeface="+mn-lt"/>
-                <a:ea typeface="+mn-ea"/>
-                <a:cs typeface="+mn-cs"/>
-              </a:defRPr>
-            </a:lvl5pPr>
-            <a:lvl6pPr marL="1673352" indent="-228600" algn="l" rtl="0" eaLnBrk="1" latinLnBrk="0" hangingPunct="1">
-              <a:spcBef>
-                <a:spcPct val="20000"/>
-              </a:spcBef>
-              <a:buClr>
-                <a:schemeClr val="accent6"/>
-              </a:buClr>
-              <a:buFont typeface="Wingdings 2"/>
-              <a:buChar char=""/>
-              <a:defRPr sz="1800" kern="1200">
-                <a:solidFill>
-                  <a:schemeClr val="tx1"/>
-                </a:solidFill>
-                <a:latin typeface="+mn-lt"/>
-                <a:ea typeface="+mn-ea"/>
-                <a:cs typeface="+mn-cs"/>
-              </a:defRPr>
-            </a:lvl6pPr>
-            <a:lvl7pPr marL="1911096" indent="-228600" algn="l" rtl="0" eaLnBrk="1" latinLnBrk="0" hangingPunct="1">
-              <a:spcBef>
-                <a:spcPct val="20000"/>
-              </a:spcBef>
-              <a:buClr>
-                <a:schemeClr val="tx2"/>
-              </a:buClr>
-              <a:buFont typeface="Wingdings 2"/>
-              <a:buChar char=""/>
-              <a:defRPr sz="1600" kern="1200">
-                <a:solidFill>
-                  <a:schemeClr val="tx1"/>
-                </a:solidFill>
-                <a:latin typeface="+mn-lt"/>
-                <a:ea typeface="+mn-ea"/>
-                <a:cs typeface="+mn-cs"/>
-              </a:defRPr>
-            </a:lvl7pPr>
-            <a:lvl8pPr marL="2121408" indent="-182880" algn="l" rtl="0" eaLnBrk="1" latinLnBrk="0" hangingPunct="1">
-              <a:spcBef>
-                <a:spcPct val="20000"/>
-              </a:spcBef>
-              <a:buClr>
-                <a:schemeClr val="tx2"/>
-              </a:buClr>
-              <a:buFont typeface="Wingdings 2"/>
-              <a:buChar char=""/>
-              <a:defRPr sz="1400" kern="1200">
-                <a:solidFill>
-                  <a:schemeClr val="tx1"/>
-                </a:solidFill>
-                <a:latin typeface="+mn-lt"/>
-                <a:ea typeface="+mn-ea"/>
-                <a:cs typeface="+mn-cs"/>
-              </a:defRPr>
-            </a:lvl8pPr>
-            <a:lvl9pPr marL="2322576" indent="-182880" algn="l" rtl="0" eaLnBrk="1" latinLnBrk="0" hangingPunct="1">
-              <a:spcBef>
-                <a:spcPct val="20000"/>
-              </a:spcBef>
-              <a:buClr>
-                <a:schemeClr val="tx2"/>
-              </a:buClr>
-              <a:buFont typeface="Wingdings 2"/>
-              <a:buChar char=""/>
-              <a:defRPr sz="1400" kern="1200">
-                <a:solidFill>
-                  <a:schemeClr val="tx1"/>
-                </a:solidFill>
-                <a:latin typeface="+mn-lt"/>
-                <a:ea typeface="+mn-ea"/>
-                <a:cs typeface="+mn-cs"/>
-              </a:defRPr>
-            </a:lvl9pPr>
-          </a:lstStyle>
-          <a:p>
-            <a:pPr>
-              <a:lnSpc>
-                <a:spcPct val="100000"/>
-              </a:lnSpc>
-            </a:pPr>
-            <a:r>
-              <a:rPr lang="en-US" dirty="0" smtClean="0"/>
-              <a:t>This way we don't have to add each </a:t>
-            </a:r>
-            <a:r>
-              <a:rPr lang="en-US" dirty="0" smtClean="0">
-                <a:solidFill>
-                  <a:schemeClr val="accent5">
-                    <a:lumMod val="20000"/>
-                    <a:lumOff val="80000"/>
-                  </a:schemeClr>
-                </a:solidFill>
-              </a:rPr>
-              <a:t>City</a:t>
-            </a:r>
-            <a:r>
-              <a:rPr lang="en-US" dirty="0" smtClean="0"/>
-              <a:t> individually</a:t>
-            </a:r>
-          </a:p>
-          <a:p>
-            <a:pPr lvl="1">
-              <a:lnSpc>
-                <a:spcPct val="100000"/>
-              </a:lnSpc>
-            </a:pPr>
-            <a:r>
-              <a:rPr lang="en-US" dirty="0" smtClean="0"/>
-              <a:t>They will be added when the </a:t>
-            </a:r>
-            <a:r>
-              <a:rPr lang="en-US" dirty="0" smtClean="0">
-                <a:solidFill>
-                  <a:schemeClr val="accent5">
-                    <a:lumMod val="20000"/>
-                    <a:lumOff val="80000"/>
-                  </a:schemeClr>
-                </a:solidFill>
-                <a:latin typeface="Consolas" pitchFamily="49" charset="0"/>
-                <a:cs typeface="Consolas" pitchFamily="49" charset="0"/>
-              </a:rPr>
-              <a:t>Country</a:t>
-            </a:r>
-            <a:r>
-              <a:rPr lang="en-US" dirty="0" smtClean="0"/>
-              <a:t> </a:t>
-            </a:r>
-            <a:r>
-              <a:rPr lang="en-US" dirty="0" smtClean="0">
-                <a:solidFill>
-                  <a:schemeClr val="accent5">
-                    <a:lumMod val="20000"/>
-                    <a:lumOff val="80000"/>
-                  </a:schemeClr>
-                </a:solidFill>
-                <a:latin typeface="Consolas" pitchFamily="49" charset="0"/>
-                <a:cs typeface="Consolas" pitchFamily="49" charset="0"/>
-              </a:rPr>
-              <a:t>Entity</a:t>
-            </a:r>
-            <a:r>
-              <a:rPr lang="en-US" dirty="0" smtClean="0"/>
-              <a:t> (</a:t>
-            </a:r>
-            <a:r>
-              <a:rPr lang="en-US" sz="3200" dirty="0" smtClean="0">
-                <a:solidFill>
-                  <a:schemeClr val="accent5">
-                    <a:lumMod val="20000"/>
-                    <a:lumOff val="80000"/>
-                  </a:schemeClr>
-                </a:solidFill>
-              </a:rPr>
-              <a:t>spain</a:t>
-            </a:r>
-            <a:r>
-              <a:rPr lang="en-US" dirty="0"/>
-              <a:t>)</a:t>
-            </a:r>
-            <a:r>
-              <a:rPr lang="en-US" sz="3200" dirty="0" smtClean="0"/>
-              <a:t> </a:t>
-            </a:r>
-            <a:r>
-              <a:rPr lang="en-US" dirty="0" smtClean="0"/>
-              <a:t>is inserted in the database</a:t>
-            </a:r>
-            <a:endParaRPr lang="en-US" dirty="0"/>
-          </a:p>
-        </p:txBody>
-      </p:sp>
-    </p:spTree>
-    <p:extLst>
-      <p:ext uri="{BB962C8B-B14F-4D97-AF65-F5344CB8AC3E}">
-        <p14:creationId xmlns:p14="http://schemas.microsoft.com/office/powerpoint/2010/main" val="2272643303"/>
-      </p:ext>
-    </p:extLst>
-  </p:cSld>
-  <p:clrMapOvr>
-    <a:masterClrMapping/>
-  </p:clrMapOvr>
-  <p:timing>
-    <p:tnLst>
-      <p:par>
-        <p:cTn id="1" dur="indefinite" restart="never" nodeType="tmRoot"/>
-      </p:par>
-    </p:tnLst>
-  </p:timing>
-</p:sld>
-</file>
-
-<file path=ppt/slides/slide29.xml><?xml version="1.0" encoding="utf-8"?>
-<p:sld xmlns:a="http://schemas.openxmlformats.org/drawingml/2006/main" xmlns:r="http://schemas.openxmlformats.org/officeDocument/2006/relationships" xmlns:p="http://schemas.openxmlformats.org/presentationml/2006/main">
-  <p:cSld>
-    <p:spTree>
-      <p:nvGrpSpPr>
-        <p:cNvPr id="1" name=""/>
-        <p:cNvGrpSpPr/>
-        <p:nvPr/>
-      </p:nvGrpSpPr>
-      <p:grpSpPr>
-        <a:xfrm>
-          <a:off x="0" y="0"/>
-          <a:ext cx="0" cy="0"/>
-          <a:chOff x="0" y="0"/>
-          <a:chExt cx="0" cy="0"/>
-        </a:xfrm>
-      </p:grpSpPr>
-      <p:sp>
-        <p:nvSpPr>
-          <p:cNvPr id="2" name="Title 1"/>
-          <p:cNvSpPr>
-            <a:spLocks noGrp="1"/>
-          </p:cNvSpPr>
-          <p:nvPr>
-            <p:ph type="title"/>
-          </p:nvPr>
-        </p:nvSpPr>
-        <p:spPr/>
-        <p:txBody>
-          <a:bodyPr/>
-          <a:lstStyle/>
-          <a:p>
-            <a:r>
-              <a:rPr lang="en-US" dirty="0" smtClean="0"/>
-              <a:t>Reading Data with LINQ</a:t>
-            </a:r>
-            <a:endParaRPr lang="bg-BG" dirty="0"/>
-          </a:p>
-        </p:txBody>
-      </p:sp>
-      <p:sp>
-        <p:nvSpPr>
-          <p:cNvPr id="5" name="Content Placeholder 4"/>
-          <p:cNvSpPr>
-            <a:spLocks noGrp="1"/>
-          </p:cNvSpPr>
-          <p:nvPr>
-            <p:ph idx="1"/>
-          </p:nvPr>
-        </p:nvSpPr>
-        <p:spPr>
-          <a:xfrm>
-            <a:off x="228600" y="685800"/>
-            <a:ext cx="8686800" cy="3200400"/>
-          </a:xfrm>
-        </p:spPr>
-        <p:txBody>
-          <a:bodyPr>
-            <a:normAutofit/>
-          </a:bodyPr>
-          <a:lstStyle/>
-          <a:p>
-            <a:pPr>
-              <a:lnSpc>
-                <a:spcPct val="100000"/>
-              </a:lnSpc>
-            </a:pPr>
-            <a:r>
-              <a:rPr lang="en-US" dirty="0" smtClean="0"/>
-              <a:t>Reading data from </a:t>
-            </a:r>
-            <a:r>
-              <a:rPr lang="en-US" dirty="0" smtClean="0">
-                <a:solidFill>
-                  <a:schemeClr val="accent5">
-                    <a:lumMod val="20000"/>
-                    <a:lumOff val="80000"/>
-                  </a:schemeClr>
-                </a:solidFill>
-              </a:rPr>
-              <a:t>EF</a:t>
-            </a:r>
-            <a:r>
-              <a:rPr lang="en-US" dirty="0" smtClean="0"/>
-              <a:t> entity:</a:t>
-            </a:r>
-          </a:p>
-          <a:p>
-            <a:pPr>
-              <a:lnSpc>
-                <a:spcPct val="100000"/>
-              </a:lnSpc>
-            </a:pPr>
-            <a:endParaRPr lang="en-US" dirty="0" smtClean="0"/>
-          </a:p>
-          <a:p>
-            <a:pPr marL="0" indent="0">
-              <a:lnSpc>
-                <a:spcPct val="100000"/>
-              </a:lnSpc>
-              <a:spcBef>
-                <a:spcPts val="3600"/>
-              </a:spcBef>
-              <a:buNone/>
-            </a:pPr>
-            <a:endParaRPr lang="en-US" dirty="0" smtClean="0"/>
-          </a:p>
-          <a:p>
-            <a:pPr>
-              <a:lnSpc>
-                <a:spcPct val="100000"/>
-              </a:lnSpc>
-              <a:spcBef>
-                <a:spcPts val="2400"/>
-              </a:spcBef>
-            </a:pPr>
-            <a:r>
-              <a:rPr lang="en-US" dirty="0" smtClean="0">
-                <a:solidFill>
-                  <a:schemeClr val="accent5">
-                    <a:lumMod val="20000"/>
-                    <a:lumOff val="80000"/>
-                  </a:schemeClr>
-                </a:solidFill>
-              </a:rPr>
-              <a:t>Customers</a:t>
-            </a:r>
-            <a:r>
-              <a:rPr lang="en-US" dirty="0" smtClean="0"/>
-              <a:t> property in the </a:t>
-            </a:r>
-            <a:r>
-              <a:rPr lang="en-US" noProof="1" smtClean="0">
-                <a:solidFill>
-                  <a:schemeClr val="accent5">
-                    <a:lumMod val="20000"/>
-                    <a:lumOff val="80000"/>
-                  </a:schemeClr>
-                </a:solidFill>
-                <a:latin typeface="Consolas" pitchFamily="49" charset="0"/>
-                <a:cs typeface="Consolas" pitchFamily="49" charset="0"/>
-              </a:rPr>
-              <a:t>ObjectContext</a:t>
-            </a:r>
-            <a:r>
-              <a:rPr lang="en-US" dirty="0" smtClean="0"/>
-              <a:t>:</a:t>
-            </a:r>
-          </a:p>
-        </p:txBody>
-      </p:sp>
-      <p:sp>
-        <p:nvSpPr>
-          <p:cNvPr id="4" name="Slide Number Placeholder 3"/>
-          <p:cNvSpPr>
-            <a:spLocks noGrp="1"/>
-          </p:cNvSpPr>
-          <p:nvPr>
-            <p:ph type="sldNum" sz="quarter" idx="10"/>
-          </p:nvPr>
-        </p:nvSpPr>
-        <p:spPr/>
-        <p:txBody>
-          <a:bodyPr/>
-          <a:lstStyle/>
-          <a:p>
-            <a:pPr>
-              <a:defRPr/>
-            </a:pPr>
-            <a:fld id="{58452FF4-89E3-4D1B-9927-2DBDC00E58D7}" type="slidenum">
-              <a:rPr lang="en-US" smtClean="0"/>
-              <a:pPr>
-                <a:defRPr/>
-              </a:pPr>
-              <a:t>29</a:t>
-            </a:fld>
-            <a:endParaRPr lang="en-US" dirty="0"/>
-          </a:p>
-        </p:txBody>
-      </p:sp>
-      <p:sp>
-        <p:nvSpPr>
-          <p:cNvPr id="7" name="Text Placeholder 5"/>
-          <p:cNvSpPr txBox="1">
-            <a:spLocks/>
-          </p:cNvSpPr>
-          <p:nvPr/>
-        </p:nvSpPr>
-        <p:spPr>
-          <a:xfrm>
-            <a:off x="533400" y="3767078"/>
-            <a:ext cx="8077200" cy="2862322"/>
-          </a:xfrm>
-          <a:prstGeom prst="rect">
-            <a:avLst/>
-          </a:prstGeom>
-          <a:solidFill>
-            <a:schemeClr val="accent5">
-              <a:lumMod val="40000"/>
-              <a:lumOff val="60000"/>
-              <a:alpha val="15000"/>
-            </a:schemeClr>
-          </a:solidFill>
-          <a:ln w="12700">
-            <a:solidFill>
-              <a:schemeClr val="accent5">
-                <a:lumMod val="60000"/>
-                <a:lumOff val="40000"/>
-              </a:schemeClr>
-            </a:solidFill>
-          </a:ln>
-        </p:spPr>
-        <p:txBody>
-          <a:bodyPr wrap="square">
-            <a:spAutoFit/>
-          </a:bodyPr>
-          <a:lstStyle>
-            <a:defPPr>
-              <a:defRPr lang="en-US"/>
-            </a:defPPr>
-            <a:lvl1pPr lvl="0" eaLnBrk="0" hangingPunct="0">
-              <a:spcBef>
-                <a:spcPts val="0"/>
-              </a:spcBef>
-              <a:buClr>
-                <a:schemeClr val="accent5">
-                  <a:lumMod val="40000"/>
-                  <a:lumOff val="60000"/>
-                </a:schemeClr>
-              </a:buClr>
-              <a:buSzPct val="70000"/>
-              <a:defRPr sz="2000" b="1">
-                <a:solidFill>
-                  <a:srgbClr val="8CF4F2"/>
-                </a:solidFill>
-                <a:effectLst>
-                  <a:outerShdw blurRad="38100" dist="38100" dir="2700000" algn="tl">
-                    <a:srgbClr val="000000">
-                      <a:alpha val="43137"/>
-                    </a:srgbClr>
-                  </a:outerShdw>
-                </a:effectLst>
-                <a:latin typeface="Consolas" pitchFamily="49" charset="0"/>
-                <a:cs typeface="Consolas" pitchFamily="49" charset="0"/>
-              </a:defRPr>
-            </a:lvl1pPr>
-          </a:lstStyle>
-          <a:p>
-            <a:r>
-              <a:rPr lang="en-US" dirty="0"/>
-              <a:t>public ObjectSet&lt;Customer&gt; Customers</a:t>
-            </a:r>
-          </a:p>
-          <a:p>
-            <a:r>
-              <a:rPr lang="en-US" dirty="0" smtClean="0"/>
-              <a:t>{   get{</a:t>
-            </a:r>
-            <a:endParaRPr lang="en-US" dirty="0"/>
-          </a:p>
-          <a:p>
-            <a:r>
-              <a:rPr lang="en-US" dirty="0"/>
-              <a:t>      </a:t>
-            </a:r>
-            <a:r>
-              <a:rPr lang="en-US" dirty="0" smtClean="0"/>
-              <a:t> if </a:t>
-            </a:r>
-            <a:r>
-              <a:rPr lang="en-US" dirty="0"/>
-              <a:t>((_Customers == null))</a:t>
-            </a:r>
-          </a:p>
-          <a:p>
-            <a:r>
-              <a:rPr lang="en-US" dirty="0"/>
-              <a:t>       </a:t>
-            </a:r>
-            <a:r>
-              <a:rPr lang="en-US" dirty="0" smtClean="0"/>
-              <a:t>{ </a:t>
-            </a:r>
-            <a:r>
-              <a:rPr lang="en-US" dirty="0"/>
-              <a:t>_</a:t>
-            </a:r>
-            <a:r>
-              <a:rPr lang="en-US" dirty="0" smtClean="0"/>
-              <a:t>Customers</a:t>
-            </a:r>
-          </a:p>
-          <a:p>
-            <a:r>
-              <a:rPr lang="en-US" dirty="0"/>
-              <a:t> </a:t>
-            </a:r>
-            <a:r>
-              <a:rPr lang="en-US" dirty="0" smtClean="0"/>
-              <a:t>         =base.CreateObjectSet&lt;Customer</a:t>
-            </a:r>
-            <a:r>
-              <a:rPr lang="en-US" dirty="0"/>
-              <a:t>&gt;("Customers");</a:t>
-            </a:r>
-          </a:p>
-          <a:p>
-            <a:r>
-              <a:rPr lang="en-US" dirty="0"/>
-              <a:t>      </a:t>
-            </a:r>
-            <a:r>
-              <a:rPr lang="en-US" dirty="0" smtClean="0"/>
-              <a:t> }</a:t>
-            </a:r>
-          </a:p>
-          <a:p>
-            <a:r>
-              <a:rPr lang="en-US" dirty="0" smtClean="0"/>
-              <a:t>    return </a:t>
-            </a:r>
-            <a:r>
-              <a:rPr lang="en-US" dirty="0"/>
-              <a:t>_Customers;</a:t>
-            </a:r>
-          </a:p>
-          <a:p>
-            <a:r>
-              <a:rPr lang="en-US" dirty="0" smtClean="0"/>
-              <a:t>    }</a:t>
-            </a:r>
-          </a:p>
-          <a:p>
-            <a:r>
-              <a:rPr lang="en-US" noProof="1" smtClean="0"/>
-              <a:t>}</a:t>
-            </a:r>
-            <a:endParaRPr lang="en-US" noProof="1"/>
-          </a:p>
-        </p:txBody>
-      </p:sp>
-      <p:sp>
-        <p:nvSpPr>
-          <p:cNvPr id="11" name="Text Placeholder 5"/>
-          <p:cNvSpPr txBox="1">
-            <a:spLocks/>
-          </p:cNvSpPr>
-          <p:nvPr/>
-        </p:nvSpPr>
-        <p:spPr>
-          <a:xfrm>
-            <a:off x="533400" y="1295400"/>
-            <a:ext cx="8077200" cy="1938992"/>
-          </a:xfrm>
-          <a:prstGeom prst="rect">
-            <a:avLst/>
-          </a:prstGeom>
-          <a:solidFill>
-            <a:schemeClr val="accent5">
-              <a:lumMod val="40000"/>
-              <a:lumOff val="60000"/>
-              <a:alpha val="15000"/>
-            </a:schemeClr>
-          </a:solidFill>
-          <a:ln w="12700">
-            <a:solidFill>
-              <a:schemeClr val="accent5">
-                <a:lumMod val="60000"/>
-                <a:lumOff val="40000"/>
-              </a:schemeClr>
-            </a:solidFill>
-          </a:ln>
-        </p:spPr>
-        <p:txBody>
-          <a:bodyPr wrap="square">
-            <a:spAutoFit/>
-          </a:bodyPr>
-          <a:lstStyle/>
-          <a:p>
-            <a:pPr lvl="0" eaLnBrk="0" hangingPunct="0">
-              <a:spcBef>
-                <a:spcPts val="0"/>
-              </a:spcBef>
-              <a:buClr>
-                <a:schemeClr val="accent5">
-                  <a:lumMod val="40000"/>
-                  <a:lumOff val="60000"/>
-                </a:schemeClr>
-              </a:buClr>
-              <a:buSzPct val="70000"/>
-            </a:pPr>
-            <a:r>
-              <a:rPr lang="en-US" sz="2000" b="1" noProof="1" smtClean="0">
-                <a:solidFill>
-                  <a:srgbClr val="8CF4F2"/>
-                </a:solidFill>
-                <a:effectLst>
-                  <a:outerShdw blurRad="38100" dist="38100" dir="2700000" algn="tl">
-                    <a:srgbClr val="000000">
-                      <a:alpha val="43137"/>
-                    </a:srgbClr>
-                  </a:outerShdw>
-                </a:effectLst>
-                <a:latin typeface="Consolas" pitchFamily="49" charset="0"/>
-                <a:cs typeface="Consolas" pitchFamily="49" charset="0"/>
-              </a:rPr>
-              <a:t>NorthwindEntities </a:t>
-            </a:r>
-            <a:r>
-              <a:rPr lang="en-US" sz="2000" b="1" noProof="1">
-                <a:solidFill>
-                  <a:srgbClr val="8CF4F2"/>
-                </a:solidFill>
-                <a:effectLst>
-                  <a:outerShdw blurRad="38100" dist="38100" dir="2700000" algn="tl">
-                    <a:srgbClr val="000000">
-                      <a:alpha val="43137"/>
-                    </a:srgbClr>
-                  </a:outerShdw>
-                </a:effectLst>
-                <a:latin typeface="Consolas" pitchFamily="49" charset="0"/>
-                <a:cs typeface="Consolas" pitchFamily="49" charset="0"/>
-              </a:rPr>
-              <a:t>northwindEntities= </a:t>
-            </a:r>
-          </a:p>
-          <a:p>
-            <a:pPr lvl="0" eaLnBrk="0" hangingPunct="0">
-              <a:spcBef>
-                <a:spcPts val="0"/>
-              </a:spcBef>
-              <a:buClr>
-                <a:schemeClr val="accent5">
-                  <a:lumMod val="40000"/>
-                  <a:lumOff val="60000"/>
-                </a:schemeClr>
-              </a:buClr>
-              <a:buSzPct val="70000"/>
-            </a:pPr>
-            <a:r>
-              <a:rPr lang="en-US" sz="2000" b="1" noProof="1">
-                <a:solidFill>
-                  <a:srgbClr val="8CF4F2"/>
-                </a:solidFill>
-                <a:effectLst>
-                  <a:outerShdw blurRad="38100" dist="38100" dir="2700000" algn="tl">
-                    <a:srgbClr val="000000">
-                      <a:alpha val="43137"/>
-                    </a:srgbClr>
-                  </a:outerShdw>
-                </a:effectLst>
-                <a:latin typeface="Consolas" pitchFamily="49" charset="0"/>
-                <a:cs typeface="Consolas" pitchFamily="49" charset="0"/>
-              </a:rPr>
-              <a:t> new </a:t>
-            </a:r>
-            <a:r>
-              <a:rPr lang="en-US" sz="2000" b="1" noProof="1" smtClean="0">
-                <a:solidFill>
-                  <a:srgbClr val="8CF4F2"/>
-                </a:solidFill>
-                <a:effectLst>
-                  <a:outerShdw blurRad="38100" dist="38100" dir="2700000" algn="tl">
-                    <a:srgbClr val="000000">
-                      <a:alpha val="43137"/>
-                    </a:srgbClr>
-                  </a:outerShdw>
-                </a:effectLst>
-                <a:latin typeface="Consolas" pitchFamily="49" charset="0"/>
-                <a:cs typeface="Consolas" pitchFamily="49" charset="0"/>
-              </a:rPr>
-              <a:t>NorthwindEntities();</a:t>
-            </a:r>
-          </a:p>
-          <a:p>
-            <a:pPr lvl="0" eaLnBrk="0" hangingPunct="0">
-              <a:spcBef>
-                <a:spcPts val="0"/>
-              </a:spcBef>
-              <a:buClr>
-                <a:schemeClr val="accent5">
-                  <a:lumMod val="40000"/>
-                  <a:lumOff val="60000"/>
-                </a:schemeClr>
-              </a:buClr>
-              <a:buSzPct val="70000"/>
-            </a:pPr>
-            <a:r>
-              <a:rPr lang="en-US" sz="2000" b="1" noProof="1" smtClean="0">
-                <a:solidFill>
-                  <a:srgbClr val="8CF4F2"/>
-                </a:solidFill>
-                <a:effectLst>
-                  <a:outerShdw blurRad="38100" dist="38100" dir="2700000" algn="tl">
-                    <a:srgbClr val="000000">
-                      <a:alpha val="43137"/>
-                    </a:srgbClr>
-                  </a:outerShdw>
-                </a:effectLst>
-                <a:latin typeface="Consolas" pitchFamily="49" charset="0"/>
-                <a:cs typeface="Consolas" pitchFamily="49" charset="0"/>
-              </a:rPr>
-              <a:t>var customers = </a:t>
-            </a:r>
-          </a:p>
-          <a:p>
-            <a:pPr lvl="0" eaLnBrk="0" hangingPunct="0">
-              <a:spcBef>
-                <a:spcPts val="0"/>
-              </a:spcBef>
-              <a:buClr>
-                <a:schemeClr val="accent5">
-                  <a:lumMod val="40000"/>
-                  <a:lumOff val="60000"/>
-                </a:schemeClr>
-              </a:buClr>
-              <a:buSzPct val="70000"/>
-            </a:pPr>
-            <a:r>
-              <a:rPr lang="en-US" sz="2000" b="1" noProof="1">
-                <a:solidFill>
-                  <a:srgbClr val="8CF4F2"/>
-                </a:solidFill>
-                <a:effectLst>
-                  <a:outerShdw blurRad="38100" dist="38100" dir="2700000" algn="tl">
-                    <a:srgbClr val="000000">
-                      <a:alpha val="43137"/>
-                    </a:srgbClr>
-                  </a:outerShdw>
-                </a:effectLst>
-                <a:latin typeface="Consolas" pitchFamily="49" charset="0"/>
-                <a:cs typeface="Consolas" pitchFamily="49" charset="0"/>
-              </a:rPr>
-              <a:t> </a:t>
-            </a:r>
-            <a:r>
-              <a:rPr lang="en-US" sz="2000" b="1" noProof="1" smtClean="0">
-                <a:solidFill>
-                  <a:srgbClr val="8CF4F2"/>
-                </a:solidFill>
-                <a:effectLst>
-                  <a:outerShdw blurRad="38100" dist="38100" dir="2700000" algn="tl">
-                    <a:srgbClr val="000000">
-                      <a:alpha val="43137"/>
-                    </a:srgbClr>
-                  </a:outerShdw>
-                </a:effectLst>
-                <a:latin typeface="Consolas" pitchFamily="49" charset="0"/>
-                <a:cs typeface="Consolas" pitchFamily="49" charset="0"/>
-              </a:rPr>
-              <a:t> from c in context.Customers</a:t>
-            </a:r>
-          </a:p>
-          <a:p>
-            <a:pPr lvl="0" eaLnBrk="0" hangingPunct="0">
-              <a:spcBef>
-                <a:spcPts val="0"/>
-              </a:spcBef>
-              <a:buClr>
-                <a:schemeClr val="accent5">
-                  <a:lumMod val="40000"/>
-                  <a:lumOff val="60000"/>
-                </a:schemeClr>
-              </a:buClr>
-              <a:buSzPct val="70000"/>
-            </a:pPr>
-            <a:r>
-              <a:rPr lang="en-US" sz="2000" b="1" noProof="1" smtClean="0">
-                <a:solidFill>
-                  <a:srgbClr val="8CF4F2"/>
-                </a:solidFill>
-                <a:effectLst>
-                  <a:outerShdw blurRad="38100" dist="38100" dir="2700000" algn="tl">
-                    <a:srgbClr val="000000">
-                      <a:alpha val="43137"/>
-                    </a:srgbClr>
-                  </a:outerShdw>
-                </a:effectLst>
-                <a:latin typeface="Consolas" pitchFamily="49" charset="0"/>
-                <a:cs typeface="Consolas" pitchFamily="49" charset="0"/>
-              </a:rPr>
-              <a:t>  where c.City == "London"</a:t>
-            </a:r>
-          </a:p>
-          <a:p>
-            <a:pPr lvl="0" eaLnBrk="0" hangingPunct="0">
-              <a:spcBef>
-                <a:spcPts val="0"/>
-              </a:spcBef>
-              <a:buClr>
-                <a:schemeClr val="accent5">
-                  <a:lumMod val="40000"/>
-                  <a:lumOff val="60000"/>
-                </a:schemeClr>
-              </a:buClr>
-              <a:buSzPct val="70000"/>
-            </a:pPr>
-            <a:r>
-              <a:rPr lang="en-US" sz="2000" b="1" noProof="1" smtClean="0">
-                <a:solidFill>
-                  <a:srgbClr val="8CF4F2"/>
-                </a:solidFill>
-                <a:effectLst>
-                  <a:outerShdw blurRad="38100" dist="38100" dir="2700000" algn="tl">
-                    <a:srgbClr val="000000">
-                      <a:alpha val="43137"/>
-                    </a:srgbClr>
-                  </a:outerShdw>
-                </a:effectLst>
-                <a:latin typeface="Consolas" pitchFamily="49" charset="0"/>
-                <a:cs typeface="Consolas" pitchFamily="49" charset="0"/>
-              </a:rPr>
-              <a:t>  select c;</a:t>
-            </a:r>
-          </a:p>
-        </p:txBody>
-      </p:sp>
-      <p:sp>
-        <p:nvSpPr>
-          <p:cNvPr id="10" name="AutoShape 7"/>
-          <p:cNvSpPr>
-            <a:spLocks noChangeArrowheads="1"/>
-          </p:cNvSpPr>
-          <p:nvPr/>
-        </p:nvSpPr>
-        <p:spPr bwMode="auto">
-          <a:xfrm>
-            <a:off x="5410200" y="1469689"/>
-            <a:ext cx="3200400" cy="1317164"/>
-          </a:xfrm>
-          <a:prstGeom prst="wedgeRoundRectCallout">
-            <a:avLst>
-              <a:gd name="adj1" fmla="val -130703"/>
-              <a:gd name="adj2" fmla="val -205"/>
-              <a:gd name="adj3" fmla="val 16667"/>
-            </a:avLst>
-          </a:prstGeom>
-          <a:solidFill>
-            <a:srgbClr val="9F8471"/>
-          </a:solidFill>
-          <a:ln w="6350">
-            <a:solidFill>
-              <a:schemeClr val="tx1">
-                <a:lumMod val="20000"/>
-                <a:lumOff val="80000"/>
-              </a:schemeClr>
-            </a:solidFill>
-          </a:ln>
-        </p:spPr>
-        <p:txBody>
-          <a:bodyPr wrap="square" tIns="18000" bIns="18000">
-            <a:spAutoFit/>
-          </a:bodyPr>
-          <a:lstStyle/>
-          <a:p>
-            <a:pPr algn="ctr" eaLnBrk="0" hangingPunct="0">
-              <a:lnSpc>
-                <a:spcPts val="3000"/>
-              </a:lnSpc>
-              <a:spcBef>
-                <a:spcPts val="0"/>
-              </a:spcBef>
-              <a:buClr>
-                <a:schemeClr val="accent5">
-                  <a:lumMod val="40000"/>
-                  <a:lumOff val="60000"/>
-                </a:schemeClr>
-              </a:buClr>
-              <a:buSzPct val="70000"/>
-            </a:pPr>
-            <a:r>
-              <a:rPr lang="en-US" sz="2200" b="1" noProof="1" smtClean="0">
-                <a:solidFill>
-                  <a:srgbClr val="F7FFE7"/>
-                </a:solidFill>
-                <a:effectLst>
-                  <a:outerShdw blurRad="38100" dist="38100" dir="2700000" algn="tl">
-                    <a:srgbClr val="000000">
-                      <a:alpha val="43137"/>
-                    </a:srgbClr>
-                  </a:outerShdw>
-                </a:effectLst>
-                <a:latin typeface="+mn-lt"/>
-                <a:cs typeface="Consolas" pitchFamily="49" charset="0"/>
-              </a:rPr>
-              <a:t>Transformed to SQL and is executed at the sever</a:t>
-            </a:r>
-          </a:p>
-        </p:txBody>
-      </p:sp>
-    </p:spTree>
-    <p:extLst>
-      <p:ext uri="{BB962C8B-B14F-4D97-AF65-F5344CB8AC3E}">
-        <p14:creationId xmlns:p14="http://schemas.microsoft.com/office/powerpoint/2010/main" val="2317242253"/>
-      </p:ext>
-    </p:extLst>
-  </p:cSld>
-  <p:clrMapOvr>
-    <a:masterClrMapping/>
-  </p:clrMapOvr>
-  <p:timing>
-    <p:tnLst>
-      <p:par>
-        <p:cTn id="1" dur="indefinite" restart="never" nodeType="tmRoot">
-          <p:childTnLst>
-            <p:seq concurrent="1" nextAc="seek">
-              <p:cTn id="2" dur="indefinite" nodeType="mainSeq">
-                <p:childTnLst>
-                  <p:par>
-                    <p:cTn id="3" fill="hold">
-                      <p:stCondLst>
-                        <p:cond delay="indefinite"/>
-                      </p:stCondLst>
-                      <p:childTnLst>
-                        <p:par>
-                          <p:cTn id="4" fill="hold">
-                            <p:stCondLst>
-                              <p:cond delay="0"/>
-                            </p:stCondLst>
-                            <p:childTnLst>
-                              <p:par>
-                                <p:cTn id="5" presetID="1" presetClass="entr" presetSubtype="0" fill="hold" grpId="0" nodeType="clickEffect">
-                                  <p:stCondLst>
-                                    <p:cond delay="0"/>
-                                  </p:stCondLst>
-                                  <p:childTnLst>
-                                    <p:set>
-                                      <p:cBhvr>
-                                        <p:cTn id="6" dur="1" fill="hold">
-                                          <p:stCondLst>
-                                            <p:cond delay="0"/>
-                                          </p:stCondLst>
-                                        </p:cTn>
-                                        <p:tgtEl>
-                                          <p:spTgt spid="10"/>
-                                        </p:tgtEl>
-                                        <p:attrNameLst>
-                                          <p:attrName>style.visibility</p:attrName>
-                                        </p:attrNameLst>
-                                      </p:cBhvr>
-                                      <p:to>
-                                        <p:strVal val="visible"/>
-                                      </p:to>
-                                    </p:set>
-                                  </p:childTnLst>
-                                </p:cTn>
-                              </p:par>
-                            </p:childTnLst>
-                          </p:cTn>
-                        </p:par>
-                      </p:childTnLst>
-                    </p:cTn>
-                  </p:par>
-                </p:childTnLst>
-              </p:cTn>
-              <p:prevCondLst>
-                <p:cond evt="onPrev" delay="0">
-                  <p:tgtEl>
-                    <p:sldTgt/>
-                  </p:tgtEl>
-                </p:cond>
-              </p:prevCondLst>
-              <p:nextCondLst>
-                <p:cond evt="onNext" delay="0">
-                  <p:tgtEl>
-                    <p:sldTgt/>
-                  </p:tgtEl>
-                </p:cond>
-              </p:nextCondLst>
-            </p:seq>
-          </p:childTnLst>
-        </p:cTn>
-      </p:par>
-    </p:tnLst>
-    <p:bldLst>
-      <p:bldP spid="10" grpId="0" animBg="1"/>
-    </p:bldLst>
   </p:timing>
 </p:sld>
 </file>
@@ -29209,2302 +26702,6 @@
 </p:sld>
 </file>
 
-<file path=ppt/slides/slide30.xml><?xml version="1.0" encoding="utf-8"?>
-<p:sld xmlns:a="http://schemas.openxmlformats.org/drawingml/2006/main" xmlns:r="http://schemas.openxmlformats.org/officeDocument/2006/relationships" xmlns:p="http://schemas.openxmlformats.org/presentationml/2006/main">
-  <p:cSld>
-    <p:spTree>
-      <p:nvGrpSpPr>
-        <p:cNvPr id="1" name=""/>
-        <p:cNvGrpSpPr/>
-        <p:nvPr/>
-      </p:nvGrpSpPr>
-      <p:grpSpPr>
-        <a:xfrm>
-          <a:off x="0" y="0"/>
-          <a:ext cx="0" cy="0"/>
-          <a:chOff x="0" y="0"/>
-          <a:chExt cx="0" cy="0"/>
-        </a:xfrm>
-      </p:grpSpPr>
-      <p:sp>
-        <p:nvSpPr>
-          <p:cNvPr id="6" name="Title 5"/>
-          <p:cNvSpPr>
-            <a:spLocks noGrp="1"/>
-          </p:cNvSpPr>
-          <p:nvPr>
-            <p:ph type="title"/>
-          </p:nvPr>
-        </p:nvSpPr>
-        <p:spPr/>
-        <p:txBody>
-          <a:bodyPr/>
-          <a:lstStyle/>
-          <a:p>
-            <a:r>
-              <a:rPr lang="en-US" dirty="0" smtClean="0"/>
-              <a:t>Updating Data</a:t>
-            </a:r>
-            <a:endParaRPr lang="bg-BG" dirty="0"/>
-          </a:p>
-        </p:txBody>
-      </p:sp>
-      <p:sp>
-        <p:nvSpPr>
-          <p:cNvPr id="7" name="Content Placeholder 6"/>
-          <p:cNvSpPr>
-            <a:spLocks noGrp="1"/>
-          </p:cNvSpPr>
-          <p:nvPr>
-            <p:ph idx="1"/>
-          </p:nvPr>
-        </p:nvSpPr>
-        <p:spPr>
-          <a:xfrm>
-            <a:off x="228600" y="990600"/>
-            <a:ext cx="8686800" cy="5715000"/>
-          </a:xfrm>
-        </p:spPr>
-        <p:txBody>
-          <a:bodyPr/>
-          <a:lstStyle/>
-          <a:p>
-            <a:pPr>
-              <a:lnSpc>
-                <a:spcPct val="100000"/>
-              </a:lnSpc>
-            </a:pPr>
-            <a:r>
-              <a:rPr lang="en-US" noProof="1" smtClean="0">
-                <a:solidFill>
-                  <a:schemeClr val="accent5">
-                    <a:lumMod val="20000"/>
-                    <a:lumOff val="80000"/>
-                  </a:schemeClr>
-                </a:solidFill>
-                <a:latin typeface="Consolas" pitchFamily="49" charset="0"/>
-              </a:rPr>
-              <a:t>ObjectContext</a:t>
-            </a:r>
-            <a:r>
-              <a:rPr lang="en-US" dirty="0" smtClean="0"/>
-              <a:t> allows modifying object properties and persisting them in the Database</a:t>
-            </a:r>
-          </a:p>
-          <a:p>
-            <a:pPr lvl="1">
-              <a:lnSpc>
-                <a:spcPct val="100000"/>
-              </a:lnSpc>
-            </a:pPr>
-            <a:r>
-              <a:rPr lang="en-US" dirty="0" smtClean="0"/>
-              <a:t>Just load an entity, modify it and call </a:t>
-            </a:r>
-            <a:r>
-              <a:rPr lang="en-US" noProof="1" smtClean="0">
-                <a:solidFill>
-                  <a:schemeClr val="accent5">
-                    <a:lumMod val="20000"/>
-                    <a:lumOff val="80000"/>
-                  </a:schemeClr>
-                </a:solidFill>
-                <a:latin typeface="Consolas" pitchFamily="49" charset="0"/>
-              </a:rPr>
-              <a:t>SaveChanges</a:t>
-            </a:r>
-            <a:r>
-              <a:rPr lang="en-US" dirty="0" smtClean="0">
-                <a:solidFill>
-                  <a:schemeClr val="accent5">
-                    <a:lumMod val="20000"/>
-                    <a:lumOff val="80000"/>
-                  </a:schemeClr>
-                </a:solidFill>
-                <a:latin typeface="Consolas" pitchFamily="49" charset="0"/>
-              </a:rPr>
-              <a:t>()</a:t>
-            </a:r>
-            <a:endParaRPr lang="en-US" dirty="0" smtClean="0"/>
-          </a:p>
-          <a:p>
-            <a:pPr>
-              <a:lnSpc>
-                <a:spcPct val="100000"/>
-              </a:lnSpc>
-            </a:pPr>
-            <a:r>
-              <a:rPr lang="en-US" dirty="0" smtClean="0"/>
-              <a:t>The </a:t>
-            </a:r>
-            <a:r>
-              <a:rPr lang="en-US" dirty="0" smtClean="0">
-                <a:solidFill>
-                  <a:schemeClr val="accent5">
-                    <a:lumMod val="20000"/>
-                    <a:lumOff val="80000"/>
-                  </a:schemeClr>
-                </a:solidFill>
-                <a:latin typeface="Consolas" pitchFamily="49" charset="0"/>
-                <a:cs typeface="Consolas" pitchFamily="49" charset="0"/>
-              </a:rPr>
-              <a:t>ObjectContext</a:t>
-            </a:r>
-            <a:r>
-              <a:rPr lang="en-US" dirty="0" smtClean="0">
-                <a:solidFill>
-                  <a:schemeClr val="accent5">
-                    <a:lumMod val="20000"/>
-                    <a:lumOff val="80000"/>
-                  </a:schemeClr>
-                </a:solidFill>
-              </a:rPr>
-              <a:t> </a:t>
-            </a:r>
-            <a:r>
-              <a:rPr lang="en-US" dirty="0" smtClean="0"/>
-              <a:t>automatically tracks all changes made on its entity objects</a:t>
-            </a:r>
-          </a:p>
-        </p:txBody>
-      </p:sp>
-      <p:sp>
-        <p:nvSpPr>
-          <p:cNvPr id="5" name="Slide Number Placeholder 4"/>
-          <p:cNvSpPr>
-            <a:spLocks noGrp="1"/>
-          </p:cNvSpPr>
-          <p:nvPr>
-            <p:ph type="sldNum" sz="quarter" idx="10"/>
-          </p:nvPr>
-        </p:nvSpPr>
-        <p:spPr/>
-        <p:txBody>
-          <a:bodyPr/>
-          <a:lstStyle/>
-          <a:p>
-            <a:pPr>
-              <a:defRPr/>
-            </a:pPr>
-            <a:fld id="{58452FF4-89E3-4D1B-9927-2DBDC00E58D7}" type="slidenum">
-              <a:rPr lang="en-US" smtClean="0"/>
-              <a:pPr>
-                <a:defRPr/>
-              </a:pPr>
-              <a:t>30</a:t>
-            </a:fld>
-            <a:endParaRPr lang="en-US" dirty="0"/>
-          </a:p>
-        </p:txBody>
-      </p:sp>
-      <p:sp>
-        <p:nvSpPr>
-          <p:cNvPr id="8" name="Text Placeholder 4"/>
-          <p:cNvSpPr txBox="1">
-            <a:spLocks/>
-          </p:cNvSpPr>
-          <p:nvPr/>
-        </p:nvSpPr>
-        <p:spPr>
-          <a:xfrm>
-            <a:off x="609600" y="4343400"/>
-            <a:ext cx="7924800" cy="1015663"/>
-          </a:xfrm>
-          <a:prstGeom prst="rect">
-            <a:avLst/>
-          </a:prstGeom>
-          <a:solidFill>
-            <a:schemeClr val="accent5">
-              <a:lumMod val="40000"/>
-              <a:lumOff val="60000"/>
-              <a:alpha val="15000"/>
-            </a:schemeClr>
-          </a:solidFill>
-          <a:ln w="12700">
-            <a:solidFill>
-              <a:schemeClr val="accent5">
-                <a:lumMod val="60000"/>
-                <a:lumOff val="40000"/>
-              </a:schemeClr>
-            </a:solidFill>
-          </a:ln>
-        </p:spPr>
-        <p:txBody>
-          <a:bodyPr wrap="square">
-            <a:spAutoFit/>
-          </a:bodyPr>
-          <a:lstStyle/>
-          <a:p>
-            <a:pPr lvl="0" eaLnBrk="0" hangingPunct="0">
-              <a:spcBef>
-                <a:spcPts val="0"/>
-              </a:spcBef>
-              <a:buClr>
-                <a:schemeClr val="accent5">
-                  <a:lumMod val="40000"/>
-                  <a:lumOff val="60000"/>
-                </a:schemeClr>
-              </a:buClr>
-              <a:buSzPct val="70000"/>
-            </a:pPr>
-            <a:r>
-              <a:rPr lang="en-US" sz="2000" b="1" noProof="1" smtClean="0">
-                <a:solidFill>
-                  <a:srgbClr val="8CF4F2"/>
-                </a:solidFill>
-                <a:effectLst>
-                  <a:outerShdw blurRad="38100" dist="38100" dir="2700000" algn="tl">
-                    <a:srgbClr val="000000">
-                      <a:alpha val="43137"/>
-                    </a:srgbClr>
-                  </a:outerShdw>
-                </a:effectLst>
-                <a:latin typeface="Consolas" pitchFamily="49" charset="0"/>
-                <a:cs typeface="Consolas" pitchFamily="49" charset="0"/>
-              </a:rPr>
-              <a:t>Order order = northwindEntities.Orders.First();</a:t>
-            </a:r>
-          </a:p>
-          <a:p>
-            <a:pPr lvl="0" eaLnBrk="0" hangingPunct="0">
-              <a:spcBef>
-                <a:spcPts val="0"/>
-              </a:spcBef>
-              <a:buClr>
-                <a:schemeClr val="accent5">
-                  <a:lumMod val="40000"/>
-                  <a:lumOff val="60000"/>
-                </a:schemeClr>
-              </a:buClr>
-              <a:buSzPct val="70000"/>
-            </a:pPr>
-            <a:r>
-              <a:rPr lang="en-US" sz="2000" b="1" noProof="1" smtClean="0">
-                <a:solidFill>
-                  <a:srgbClr val="8CF4F2"/>
-                </a:solidFill>
-                <a:effectLst>
-                  <a:outerShdw blurRad="38100" dist="38100" dir="2700000" algn="tl">
-                    <a:srgbClr val="000000">
-                      <a:alpha val="43137"/>
-                    </a:srgbClr>
-                  </a:outerShdw>
-                </a:effectLst>
-                <a:latin typeface="Consolas" pitchFamily="49" charset="0"/>
-                <a:cs typeface="Consolas" pitchFamily="49" charset="0"/>
-              </a:rPr>
-              <a:t>order.OrderDate = DateTime.Now;</a:t>
-            </a:r>
-          </a:p>
-          <a:p>
-            <a:pPr lvl="0" eaLnBrk="0" hangingPunct="0">
-              <a:spcBef>
-                <a:spcPts val="0"/>
-              </a:spcBef>
-              <a:buClr>
-                <a:schemeClr val="accent5">
-                  <a:lumMod val="40000"/>
-                  <a:lumOff val="60000"/>
-                </a:schemeClr>
-              </a:buClr>
-              <a:buSzPct val="70000"/>
-            </a:pPr>
-            <a:r>
-              <a:rPr lang="en-US" sz="2000" b="1" noProof="1" smtClean="0">
-                <a:solidFill>
-                  <a:srgbClr val="8CF4F2"/>
-                </a:solidFill>
-                <a:effectLst>
-                  <a:outerShdw blurRad="38100" dist="38100" dir="2700000" algn="tl">
-                    <a:srgbClr val="000000">
-                      <a:alpha val="43137"/>
-                    </a:srgbClr>
-                  </a:outerShdw>
-                </a:effectLst>
-                <a:latin typeface="Consolas" pitchFamily="49" charset="0"/>
-                <a:cs typeface="Consolas" pitchFamily="49" charset="0"/>
-              </a:rPr>
-              <a:t>context.SaveChanges();</a:t>
-            </a:r>
-          </a:p>
-        </p:txBody>
-      </p:sp>
-      <p:sp>
-        <p:nvSpPr>
-          <p:cNvPr id="9" name="AutoShape 7"/>
-          <p:cNvSpPr>
-            <a:spLocks noChangeArrowheads="1"/>
-          </p:cNvSpPr>
-          <p:nvPr/>
-        </p:nvSpPr>
-        <p:spPr bwMode="auto">
-          <a:xfrm>
-            <a:off x="4114800" y="5585484"/>
-            <a:ext cx="4495800" cy="891516"/>
-          </a:xfrm>
-          <a:prstGeom prst="wedgeRoundRectCallout">
-            <a:avLst>
-              <a:gd name="adj1" fmla="val -27259"/>
-              <a:gd name="adj2" fmla="val -148858"/>
-              <a:gd name="adj3" fmla="val 16667"/>
-            </a:avLst>
-          </a:prstGeom>
-          <a:solidFill>
-            <a:srgbClr val="9F8471"/>
-          </a:solidFill>
-          <a:ln w="6350">
-            <a:solidFill>
-              <a:schemeClr val="tx1">
-                <a:lumMod val="20000"/>
-                <a:lumOff val="80000"/>
-              </a:schemeClr>
-            </a:solidFill>
-          </a:ln>
-        </p:spPr>
-        <p:txBody>
-          <a:bodyPr wrap="square" tIns="18000" bIns="18000">
-            <a:spAutoFit/>
-          </a:bodyPr>
-          <a:lstStyle/>
-          <a:p>
-            <a:pPr algn="ctr" eaLnBrk="0" hangingPunct="0">
-              <a:lnSpc>
-                <a:spcPts val="3000"/>
-              </a:lnSpc>
-              <a:spcBef>
-                <a:spcPts val="0"/>
-              </a:spcBef>
-              <a:buClr>
-                <a:schemeClr val="accent5">
-                  <a:lumMod val="40000"/>
-                  <a:lumOff val="60000"/>
-                </a:schemeClr>
-              </a:buClr>
-              <a:buSzPct val="70000"/>
-            </a:pPr>
-            <a:r>
-              <a:rPr lang="en-US" sz="2600" b="1" noProof="1" smtClean="0">
-                <a:solidFill>
-                  <a:srgbClr val="F7FFE7"/>
-                </a:solidFill>
-                <a:effectLst>
-                  <a:outerShdw blurRad="38100" dist="38100" dir="2700000" algn="tl">
-                    <a:srgbClr val="000000">
-                      <a:alpha val="43137"/>
-                    </a:srgbClr>
-                  </a:outerShdw>
-                </a:effectLst>
-                <a:latin typeface="+mn-lt"/>
-                <a:cs typeface="Consolas" pitchFamily="49" charset="0"/>
-              </a:rPr>
-              <a:t>This will execute an SQL  SELECT to load the first order</a:t>
-            </a:r>
-          </a:p>
-        </p:txBody>
-      </p:sp>
-      <p:sp>
-        <p:nvSpPr>
-          <p:cNvPr id="10" name="AutoShape 7"/>
-          <p:cNvSpPr>
-            <a:spLocks noChangeArrowheads="1"/>
-          </p:cNvSpPr>
-          <p:nvPr/>
-        </p:nvSpPr>
-        <p:spPr bwMode="auto">
-          <a:xfrm>
-            <a:off x="533400" y="5585484"/>
-            <a:ext cx="2667000" cy="891516"/>
-          </a:xfrm>
-          <a:prstGeom prst="wedgeRoundRectCallout">
-            <a:avLst>
-              <a:gd name="adj1" fmla="val 38678"/>
-              <a:gd name="adj2" fmla="val -82359"/>
-              <a:gd name="adj3" fmla="val 16667"/>
-            </a:avLst>
-          </a:prstGeom>
-          <a:solidFill>
-            <a:srgbClr val="9F8471"/>
-          </a:solidFill>
-          <a:ln w="6350">
-            <a:solidFill>
-              <a:schemeClr val="tx1">
-                <a:lumMod val="20000"/>
-                <a:lumOff val="80000"/>
-              </a:schemeClr>
-            </a:solidFill>
-          </a:ln>
-        </p:spPr>
-        <p:txBody>
-          <a:bodyPr wrap="square" tIns="18000" bIns="18000">
-            <a:spAutoFit/>
-          </a:bodyPr>
-          <a:lstStyle/>
-          <a:p>
-            <a:pPr algn="ctr" eaLnBrk="0" hangingPunct="0">
-              <a:lnSpc>
-                <a:spcPts val="3000"/>
-              </a:lnSpc>
-              <a:spcBef>
-                <a:spcPts val="0"/>
-              </a:spcBef>
-              <a:buClr>
-                <a:schemeClr val="accent5">
-                  <a:lumMod val="40000"/>
-                  <a:lumOff val="60000"/>
-                </a:schemeClr>
-              </a:buClr>
-              <a:buSzPct val="70000"/>
-            </a:pPr>
-            <a:r>
-              <a:rPr lang="en-US" sz="2600" b="1" noProof="1" smtClean="0">
-                <a:solidFill>
-                  <a:srgbClr val="F7FFE7"/>
-                </a:solidFill>
-                <a:effectLst>
-                  <a:outerShdw blurRad="38100" dist="38100" dir="2700000" algn="tl">
-                    <a:srgbClr val="000000">
-                      <a:alpha val="43137"/>
-                    </a:srgbClr>
-                  </a:outerShdw>
-                </a:effectLst>
-                <a:latin typeface="+mn-lt"/>
-                <a:cs typeface="Consolas" pitchFamily="49" charset="0"/>
-              </a:rPr>
-              <a:t>This will execute an SQL UPDATE</a:t>
-            </a:r>
-          </a:p>
-        </p:txBody>
-      </p:sp>
-    </p:spTree>
-    <p:extLst>
-      <p:ext uri="{BB962C8B-B14F-4D97-AF65-F5344CB8AC3E}">
-        <p14:creationId xmlns:p14="http://schemas.microsoft.com/office/powerpoint/2010/main" val="2525075835"/>
-      </p:ext>
-    </p:extLst>
-  </p:cSld>
-  <p:clrMapOvr>
-    <a:masterClrMapping/>
-  </p:clrMapOvr>
-  <p:timing>
-    <p:tnLst>
-      <p:par>
-        <p:cTn id="1" dur="indefinite" restart="never" nodeType="tmRoot">
-          <p:childTnLst>
-            <p:seq concurrent="1" nextAc="seek">
-              <p:cTn id="2" dur="indefinite" nodeType="mainSeq">
-                <p:childTnLst>
-                  <p:par>
-                    <p:cTn id="3" fill="hold">
-                      <p:stCondLst>
-                        <p:cond delay="indefinite"/>
-                      </p:stCondLst>
-                      <p:childTnLst>
-                        <p:par>
-                          <p:cTn id="4" fill="hold">
-                            <p:stCondLst>
-                              <p:cond delay="0"/>
-                            </p:stCondLst>
-                            <p:childTnLst>
-                              <p:par>
-                                <p:cTn id="5" presetID="1" presetClass="entr" presetSubtype="0" fill="hold" grpId="0" nodeType="clickEffect">
-                                  <p:stCondLst>
-                                    <p:cond delay="0"/>
-                                  </p:stCondLst>
-                                  <p:childTnLst>
-                                    <p:set>
-                                      <p:cBhvr>
-                                        <p:cTn id="6" dur="1" fill="hold">
-                                          <p:stCondLst>
-                                            <p:cond delay="0"/>
-                                          </p:stCondLst>
-                                        </p:cTn>
-                                        <p:tgtEl>
-                                          <p:spTgt spid="9"/>
-                                        </p:tgtEl>
-                                        <p:attrNameLst>
-                                          <p:attrName>style.visibility</p:attrName>
-                                        </p:attrNameLst>
-                                      </p:cBhvr>
-                                      <p:to>
-                                        <p:strVal val="visible"/>
-                                      </p:to>
-                                    </p:set>
-                                  </p:childTnLst>
-                                </p:cTn>
-                              </p:par>
-                            </p:childTnLst>
-                          </p:cTn>
-                        </p:par>
-                      </p:childTnLst>
-                    </p:cTn>
-                  </p:par>
-                  <p:par>
-                    <p:cTn id="7" fill="hold">
-                      <p:stCondLst>
-                        <p:cond delay="indefinite"/>
-                      </p:stCondLst>
-                      <p:childTnLst>
-                        <p:par>
-                          <p:cTn id="8" fill="hold">
-                            <p:stCondLst>
-                              <p:cond delay="0"/>
-                            </p:stCondLst>
-                            <p:childTnLst>
-                              <p:par>
-                                <p:cTn id="9" presetID="1" presetClass="entr" presetSubtype="0" fill="hold" grpId="0" nodeType="clickEffect">
-                                  <p:stCondLst>
-                                    <p:cond delay="0"/>
-                                  </p:stCondLst>
-                                  <p:childTnLst>
-                                    <p:set>
-                                      <p:cBhvr>
-                                        <p:cTn id="10" dur="1" fill="hold">
-                                          <p:stCondLst>
-                                            <p:cond delay="0"/>
-                                          </p:stCondLst>
-                                        </p:cTn>
-                                        <p:tgtEl>
-                                          <p:spTgt spid="10"/>
-                                        </p:tgtEl>
-                                        <p:attrNameLst>
-                                          <p:attrName>style.visibility</p:attrName>
-                                        </p:attrNameLst>
-                                      </p:cBhvr>
-                                      <p:to>
-                                        <p:strVal val="visible"/>
-                                      </p:to>
-                                    </p:set>
-                                  </p:childTnLst>
-                                </p:cTn>
-                              </p:par>
-                            </p:childTnLst>
-                          </p:cTn>
-                        </p:par>
-                      </p:childTnLst>
-                    </p:cTn>
-                  </p:par>
-                </p:childTnLst>
-              </p:cTn>
-              <p:prevCondLst>
-                <p:cond evt="onPrev" delay="0">
-                  <p:tgtEl>
-                    <p:sldTgt/>
-                  </p:tgtEl>
-                </p:cond>
-              </p:prevCondLst>
-              <p:nextCondLst>
-                <p:cond evt="onNext" delay="0">
-                  <p:tgtEl>
-                    <p:sldTgt/>
-                  </p:tgtEl>
-                </p:cond>
-              </p:nextCondLst>
-            </p:seq>
-          </p:childTnLst>
-        </p:cTn>
-      </p:par>
-    </p:tnLst>
-    <p:bldLst>
-      <p:bldP spid="9" grpId="0" animBg="1"/>
-      <p:bldP spid="10" grpId="0" animBg="1"/>
-    </p:bldLst>
-  </p:timing>
-</p:sld>
-</file>
-
-<file path=ppt/slides/slide31.xml><?xml version="1.0" encoding="utf-8"?>
-<p:sld xmlns:a="http://schemas.openxmlformats.org/drawingml/2006/main" xmlns:r="http://schemas.openxmlformats.org/officeDocument/2006/relationships" xmlns:p="http://schemas.openxmlformats.org/presentationml/2006/main">
-  <p:cSld>
-    <p:spTree>
-      <p:nvGrpSpPr>
-        <p:cNvPr id="1" name=""/>
-        <p:cNvGrpSpPr/>
-        <p:nvPr/>
-      </p:nvGrpSpPr>
-      <p:grpSpPr>
-        <a:xfrm>
-          <a:off x="0" y="0"/>
-          <a:ext cx="0" cy="0"/>
-          <a:chOff x="0" y="0"/>
-          <a:chExt cx="0" cy="0"/>
-        </a:xfrm>
-      </p:grpSpPr>
-      <p:sp>
-        <p:nvSpPr>
-          <p:cNvPr id="2" name="Title 1"/>
-          <p:cNvSpPr>
-            <a:spLocks noGrp="1"/>
-          </p:cNvSpPr>
-          <p:nvPr>
-            <p:ph type="title"/>
-          </p:nvPr>
-        </p:nvSpPr>
-        <p:spPr/>
-        <p:txBody>
-          <a:bodyPr/>
-          <a:lstStyle/>
-          <a:p>
-            <a:r>
-              <a:rPr lang="en-US" dirty="0" smtClean="0"/>
-              <a:t>Deleting Data</a:t>
-            </a:r>
-            <a:endParaRPr lang="bg-BG" dirty="0"/>
-          </a:p>
-        </p:txBody>
-      </p:sp>
-      <p:sp>
-        <p:nvSpPr>
-          <p:cNvPr id="3" name="Content Placeholder 2"/>
-          <p:cNvSpPr>
-            <a:spLocks noGrp="1"/>
-          </p:cNvSpPr>
-          <p:nvPr>
-            <p:ph idx="1"/>
-          </p:nvPr>
-        </p:nvSpPr>
-        <p:spPr>
-          <a:xfrm>
-            <a:off x="228600" y="1066800"/>
-            <a:ext cx="8686800" cy="2286000"/>
-          </a:xfrm>
-        </p:spPr>
-        <p:txBody>
-          <a:bodyPr/>
-          <a:lstStyle/>
-          <a:p>
-            <a:pPr>
-              <a:lnSpc>
-                <a:spcPct val="100000"/>
-              </a:lnSpc>
-            </a:pPr>
-            <a:r>
-              <a:rPr lang="en-US" dirty="0" smtClean="0"/>
-              <a:t>Delete is done by </a:t>
-            </a:r>
-            <a:r>
-              <a:rPr lang="en-US" noProof="1" smtClean="0">
-                <a:solidFill>
-                  <a:schemeClr val="accent5">
-                    <a:lumMod val="20000"/>
-                    <a:lumOff val="80000"/>
-                  </a:schemeClr>
-                </a:solidFill>
-                <a:latin typeface="Consolas" pitchFamily="49" charset="0"/>
-              </a:rPr>
-              <a:t>DeleteObject</a:t>
-            </a:r>
-            <a:r>
-              <a:rPr lang="en-US" dirty="0" smtClean="0">
-                <a:solidFill>
-                  <a:schemeClr val="accent5">
-                    <a:lumMod val="20000"/>
-                    <a:lumOff val="80000"/>
-                  </a:schemeClr>
-                </a:solidFill>
-                <a:latin typeface="Consolas" pitchFamily="49" charset="0"/>
-              </a:rPr>
-              <a:t>()</a:t>
-            </a:r>
-            <a:r>
-              <a:rPr lang="en-US" dirty="0" smtClean="0"/>
-              <a:t> on the current entity collection</a:t>
-            </a:r>
-          </a:p>
-          <a:p>
-            <a:pPr>
-              <a:lnSpc>
-                <a:spcPct val="100000"/>
-              </a:lnSpc>
-            </a:pPr>
-            <a:r>
-              <a:rPr lang="en-US" noProof="1" smtClean="0">
-                <a:solidFill>
-                  <a:schemeClr val="accent5">
-                    <a:lumMod val="20000"/>
-                    <a:lumOff val="80000"/>
-                  </a:schemeClr>
-                </a:solidFill>
-                <a:latin typeface="Consolas" pitchFamily="49" charset="0"/>
-              </a:rPr>
-              <a:t>SaveChanges</a:t>
-            </a:r>
-            <a:r>
-              <a:rPr lang="en-US" dirty="0" smtClean="0">
-                <a:solidFill>
-                  <a:schemeClr val="accent5">
-                    <a:lumMod val="20000"/>
-                    <a:lumOff val="80000"/>
-                  </a:schemeClr>
-                </a:solidFill>
-                <a:latin typeface="Consolas" pitchFamily="49" charset="0"/>
-              </a:rPr>
-              <a:t>()</a:t>
-            </a:r>
-            <a:r>
-              <a:rPr lang="en-US" dirty="0" smtClean="0"/>
-              <a:t> method performs the delete action</a:t>
-            </a:r>
-          </a:p>
-        </p:txBody>
-      </p:sp>
-      <p:sp>
-        <p:nvSpPr>
-          <p:cNvPr id="4" name="Slide Number Placeholder 3"/>
-          <p:cNvSpPr>
-            <a:spLocks noGrp="1"/>
-          </p:cNvSpPr>
-          <p:nvPr>
-            <p:ph type="sldNum" sz="quarter" idx="10"/>
-          </p:nvPr>
-        </p:nvSpPr>
-        <p:spPr/>
-        <p:txBody>
-          <a:bodyPr/>
-          <a:lstStyle/>
-          <a:p>
-            <a:pPr>
-              <a:defRPr/>
-            </a:pPr>
-            <a:fld id="{58452FF4-89E3-4D1B-9927-2DBDC00E58D7}" type="slidenum">
-              <a:rPr lang="en-US" smtClean="0"/>
-              <a:pPr>
-                <a:defRPr/>
-              </a:pPr>
-              <a:t>31</a:t>
-            </a:fld>
-            <a:endParaRPr lang="en-US" dirty="0"/>
-          </a:p>
-        </p:txBody>
-      </p:sp>
-      <p:sp>
-        <p:nvSpPr>
-          <p:cNvPr id="5" name="Text Placeholder 4"/>
-          <p:cNvSpPr txBox="1">
-            <a:spLocks/>
-          </p:cNvSpPr>
-          <p:nvPr/>
-        </p:nvSpPr>
-        <p:spPr>
-          <a:xfrm>
-            <a:off x="609600" y="3474184"/>
-            <a:ext cx="7772400" cy="1477328"/>
-          </a:xfrm>
-          <a:prstGeom prst="rect">
-            <a:avLst/>
-          </a:prstGeom>
-          <a:solidFill>
-            <a:schemeClr val="accent5">
-              <a:lumMod val="40000"/>
-              <a:lumOff val="60000"/>
-              <a:alpha val="15000"/>
-            </a:schemeClr>
-          </a:solidFill>
-          <a:ln w="12700">
-            <a:solidFill>
-              <a:schemeClr val="accent5">
-                <a:lumMod val="60000"/>
-                <a:lumOff val="40000"/>
-              </a:schemeClr>
-            </a:solidFill>
-          </a:ln>
-        </p:spPr>
-        <p:txBody>
-          <a:bodyPr wrap="square">
-            <a:spAutoFit/>
-          </a:bodyPr>
-          <a:lstStyle/>
-          <a:p>
-            <a:pPr lvl="0" eaLnBrk="0" hangingPunct="0">
-              <a:spcBef>
-                <a:spcPts val="0"/>
-              </a:spcBef>
-              <a:buClr>
-                <a:schemeClr val="accent5">
-                  <a:lumMod val="40000"/>
-                  <a:lumOff val="60000"/>
-                </a:schemeClr>
-              </a:buClr>
-              <a:buSzPct val="70000"/>
-            </a:pPr>
-            <a:r>
-              <a:rPr lang="en-US" sz="2000" b="1" noProof="1" smtClean="0">
-                <a:solidFill>
-                  <a:srgbClr val="8CF4F2"/>
-                </a:solidFill>
-                <a:effectLst>
-                  <a:outerShdw blurRad="38100" dist="38100" dir="2700000" algn="tl">
-                    <a:srgbClr val="000000">
-                      <a:alpha val="43137"/>
-                    </a:srgbClr>
-                  </a:outerShdw>
-                </a:effectLst>
-                <a:latin typeface="Consolas" pitchFamily="49" charset="0"/>
-                <a:cs typeface="Consolas" pitchFamily="49" charset="0"/>
-              </a:rPr>
-              <a:t>Order order = northwindEntities.Orders.First();</a:t>
-            </a:r>
-          </a:p>
-          <a:p>
-            <a:pPr lvl="0" eaLnBrk="0" hangingPunct="0">
-              <a:spcBef>
-                <a:spcPts val="1200"/>
-              </a:spcBef>
-              <a:buClr>
-                <a:schemeClr val="accent5">
-                  <a:lumMod val="40000"/>
-                  <a:lumOff val="60000"/>
-                </a:schemeClr>
-              </a:buClr>
-              <a:buSzPct val="70000"/>
-            </a:pPr>
-            <a:r>
-              <a:rPr lang="en-US" sz="2000" b="1" noProof="1" smtClean="0">
-                <a:solidFill>
-                  <a:srgbClr val="8CF4F2"/>
-                </a:solidFill>
-                <a:effectLst>
-                  <a:outerShdw blurRad="38100" dist="38100" dir="2700000" algn="tl">
-                    <a:srgbClr val="000000">
-                      <a:alpha val="43137"/>
-                    </a:srgbClr>
-                  </a:outerShdw>
-                </a:effectLst>
-                <a:latin typeface="Consolas" pitchFamily="49" charset="0"/>
-                <a:cs typeface="Consolas" pitchFamily="49" charset="0"/>
-              </a:rPr>
-              <a:t>// Mark the entity for deleting on the next save</a:t>
-            </a:r>
-          </a:p>
-          <a:p>
-            <a:pPr lvl="0" eaLnBrk="0" hangingPunct="0">
-              <a:spcBef>
-                <a:spcPts val="0"/>
-              </a:spcBef>
-              <a:buClr>
-                <a:schemeClr val="accent5">
-                  <a:lumMod val="40000"/>
-                  <a:lumOff val="60000"/>
-                </a:schemeClr>
-              </a:buClr>
-              <a:buSzPct val="70000"/>
-            </a:pPr>
-            <a:r>
-              <a:rPr lang="en-US" sz="2000" b="1" noProof="1">
-                <a:solidFill>
-                  <a:srgbClr val="8CF4F2"/>
-                </a:solidFill>
-                <a:effectLst>
-                  <a:outerShdw blurRad="38100" dist="38100" dir="2700000" algn="tl">
-                    <a:srgbClr val="000000">
-                      <a:alpha val="43137"/>
-                    </a:srgbClr>
-                  </a:outerShdw>
-                </a:effectLst>
-                <a:latin typeface="Consolas" pitchFamily="49" charset="0"/>
-                <a:cs typeface="Consolas" pitchFamily="49" charset="0"/>
-              </a:rPr>
-              <a:t>northwindEntities.Orders.DeleteObject(order</a:t>
-            </a:r>
-            <a:r>
-              <a:rPr lang="en-US" sz="2000" b="1" noProof="1" smtClean="0">
-                <a:solidFill>
-                  <a:srgbClr val="8CF4F2"/>
-                </a:solidFill>
-                <a:effectLst>
-                  <a:outerShdw blurRad="38100" dist="38100" dir="2700000" algn="tl">
-                    <a:srgbClr val="000000">
-                      <a:alpha val="43137"/>
-                    </a:srgbClr>
-                  </a:outerShdw>
-                </a:effectLst>
-                <a:latin typeface="Consolas" pitchFamily="49" charset="0"/>
-                <a:cs typeface="Consolas" pitchFamily="49" charset="0"/>
-              </a:rPr>
-              <a:t>);</a:t>
-            </a:r>
-          </a:p>
-          <a:p>
-            <a:pPr lvl="0" eaLnBrk="0" hangingPunct="0">
-              <a:spcBef>
-                <a:spcPts val="0"/>
-              </a:spcBef>
-              <a:buClr>
-                <a:schemeClr val="accent5">
-                  <a:lumMod val="40000"/>
-                  <a:lumOff val="60000"/>
-                </a:schemeClr>
-              </a:buClr>
-              <a:buSzPct val="70000"/>
-            </a:pPr>
-            <a:r>
-              <a:rPr lang="en-US" sz="2000" b="1" noProof="1" smtClean="0">
-                <a:solidFill>
-                  <a:srgbClr val="8CF4F2"/>
-                </a:solidFill>
-                <a:effectLst>
-                  <a:outerShdw blurRad="38100" dist="38100" dir="2700000" algn="tl">
-                    <a:srgbClr val="000000">
-                      <a:alpha val="43137"/>
-                    </a:srgbClr>
-                  </a:outerShdw>
-                </a:effectLst>
-                <a:latin typeface="Consolas" pitchFamily="49" charset="0"/>
-                <a:cs typeface="Consolas" pitchFamily="49" charset="0"/>
-              </a:rPr>
-              <a:t>northwindEntities.SaveChanges();</a:t>
-            </a:r>
-          </a:p>
-        </p:txBody>
-      </p:sp>
-      <p:sp>
-        <p:nvSpPr>
-          <p:cNvPr id="6" name="AutoShape 7"/>
-          <p:cNvSpPr>
-            <a:spLocks noChangeArrowheads="1"/>
-          </p:cNvSpPr>
-          <p:nvPr/>
-        </p:nvSpPr>
-        <p:spPr bwMode="auto">
-          <a:xfrm>
-            <a:off x="5638800" y="4823484"/>
-            <a:ext cx="2667000" cy="891516"/>
-          </a:xfrm>
-          <a:prstGeom prst="wedgeRoundRectCallout">
-            <a:avLst>
-              <a:gd name="adj1" fmla="val -64886"/>
-              <a:gd name="adj2" fmla="val -37603"/>
-              <a:gd name="adj3" fmla="val 16667"/>
-            </a:avLst>
-          </a:prstGeom>
-          <a:solidFill>
-            <a:srgbClr val="9F8471"/>
-          </a:solidFill>
-          <a:ln w="6350">
-            <a:solidFill>
-              <a:schemeClr val="tx1">
-                <a:lumMod val="20000"/>
-                <a:lumOff val="80000"/>
-              </a:schemeClr>
-            </a:solidFill>
-          </a:ln>
-        </p:spPr>
-        <p:txBody>
-          <a:bodyPr wrap="square" tIns="18000" bIns="18000">
-            <a:spAutoFit/>
-          </a:bodyPr>
-          <a:lstStyle/>
-          <a:p>
-            <a:pPr algn="ctr" eaLnBrk="0" hangingPunct="0">
-              <a:lnSpc>
-                <a:spcPts val="3000"/>
-              </a:lnSpc>
-              <a:spcBef>
-                <a:spcPts val="0"/>
-              </a:spcBef>
-              <a:buClr>
-                <a:schemeClr val="accent5">
-                  <a:lumMod val="40000"/>
-                  <a:lumOff val="60000"/>
-                </a:schemeClr>
-              </a:buClr>
-              <a:buSzPct val="70000"/>
-            </a:pPr>
-            <a:r>
-              <a:rPr lang="en-US" sz="2600" b="1" noProof="1" smtClean="0">
-                <a:solidFill>
-                  <a:srgbClr val="F7FFE7"/>
-                </a:solidFill>
-                <a:effectLst>
-                  <a:outerShdw blurRad="38100" dist="38100" dir="2700000" algn="tl">
-                    <a:srgbClr val="000000">
-                      <a:alpha val="43137"/>
-                    </a:srgbClr>
-                  </a:outerShdw>
-                </a:effectLst>
-                <a:latin typeface="+mn-lt"/>
-                <a:cs typeface="Consolas" pitchFamily="49" charset="0"/>
-              </a:rPr>
-              <a:t>This will execute an SQL DELETE</a:t>
-            </a:r>
-          </a:p>
-        </p:txBody>
-      </p:sp>
-    </p:spTree>
-    <p:extLst>
-      <p:ext uri="{BB962C8B-B14F-4D97-AF65-F5344CB8AC3E}">
-        <p14:creationId xmlns:p14="http://schemas.microsoft.com/office/powerpoint/2010/main" val="1559343305"/>
-      </p:ext>
-    </p:extLst>
-  </p:cSld>
-  <p:clrMapOvr>
-    <a:masterClrMapping/>
-  </p:clrMapOvr>
-  <p:timing>
-    <p:tnLst>
-      <p:par>
-        <p:cTn id="1" dur="indefinite" restart="never" nodeType="tmRoot">
-          <p:childTnLst>
-            <p:seq concurrent="1" nextAc="seek">
-              <p:cTn id="2" dur="indefinite" nodeType="mainSeq">
-                <p:childTnLst>
-                  <p:par>
-                    <p:cTn id="3" fill="hold">
-                      <p:stCondLst>
-                        <p:cond delay="indefinite"/>
-                      </p:stCondLst>
-                      <p:childTnLst>
-                        <p:par>
-                          <p:cTn id="4" fill="hold">
-                            <p:stCondLst>
-                              <p:cond delay="0"/>
-                            </p:stCondLst>
-                            <p:childTnLst>
-                              <p:par>
-                                <p:cTn id="5" presetID="1" presetClass="entr" presetSubtype="0" fill="hold" grpId="0" nodeType="clickEffect">
-                                  <p:stCondLst>
-                                    <p:cond delay="0"/>
-                                  </p:stCondLst>
-                                  <p:childTnLst>
-                                    <p:set>
-                                      <p:cBhvr>
-                                        <p:cTn id="6" dur="1" fill="hold">
-                                          <p:stCondLst>
-                                            <p:cond delay="0"/>
-                                          </p:stCondLst>
-                                        </p:cTn>
-                                        <p:tgtEl>
-                                          <p:spTgt spid="6"/>
-                                        </p:tgtEl>
-                                        <p:attrNameLst>
-                                          <p:attrName>style.visibility</p:attrName>
-                                        </p:attrNameLst>
-                                      </p:cBhvr>
-                                      <p:to>
-                                        <p:strVal val="visible"/>
-                                      </p:to>
-                                    </p:set>
-                                  </p:childTnLst>
-                                </p:cTn>
-                              </p:par>
-                            </p:childTnLst>
-                          </p:cTn>
-                        </p:par>
-                      </p:childTnLst>
-                    </p:cTn>
-                  </p:par>
-                </p:childTnLst>
-              </p:cTn>
-              <p:prevCondLst>
-                <p:cond evt="onPrev" delay="0">
-                  <p:tgtEl>
-                    <p:sldTgt/>
-                  </p:tgtEl>
-                </p:cond>
-              </p:prevCondLst>
-              <p:nextCondLst>
-                <p:cond evt="onNext" delay="0">
-                  <p:tgtEl>
-                    <p:sldTgt/>
-                  </p:tgtEl>
-                </p:cond>
-              </p:nextCondLst>
-            </p:seq>
-          </p:childTnLst>
-        </p:cTn>
-      </p:par>
-    </p:tnLst>
-    <p:bldLst>
-      <p:bldP spid="6" grpId="0" animBg="1"/>
-    </p:bldLst>
-  </p:timing>
-</p:sld>
-</file>
-
-<file path=ppt/slides/slide32.xml><?xml version="1.0" encoding="utf-8"?>
-<p:sld xmlns:a="http://schemas.openxmlformats.org/drawingml/2006/main" xmlns:r="http://schemas.openxmlformats.org/officeDocument/2006/relationships" xmlns:p="http://schemas.openxmlformats.org/presentationml/2006/main">
-  <p:cSld>
-    <p:spTree>
-      <p:nvGrpSpPr>
-        <p:cNvPr id="1" name=""/>
-        <p:cNvGrpSpPr/>
-        <p:nvPr/>
-      </p:nvGrpSpPr>
-      <p:grpSpPr>
-        <a:xfrm>
-          <a:off x="0" y="0"/>
-          <a:ext cx="0" cy="0"/>
-          <a:chOff x="0" y="0"/>
-          <a:chExt cx="0" cy="0"/>
-        </a:xfrm>
-      </p:grpSpPr>
-      <p:sp>
-        <p:nvSpPr>
-          <p:cNvPr id="2" name="Title 1"/>
-          <p:cNvSpPr>
-            <a:spLocks noGrp="1"/>
-          </p:cNvSpPr>
-          <p:nvPr>
-            <p:ph type="title"/>
-          </p:nvPr>
-        </p:nvSpPr>
-        <p:spPr>
-          <a:xfrm>
-            <a:off x="1905000" y="76200"/>
-            <a:ext cx="7239000" cy="914400"/>
-          </a:xfrm>
-        </p:spPr>
-        <p:txBody>
-          <a:bodyPr>
-            <a:normAutofit fontScale="90000"/>
-          </a:bodyPr>
-          <a:lstStyle/>
-          <a:p>
-            <a:r>
-              <a:rPr lang="en-US" dirty="0" smtClean="0"/>
-              <a:t>ADO.NET Entity Framework Architecture</a:t>
-            </a:r>
-            <a:endParaRPr lang="bg-BG" dirty="0"/>
-          </a:p>
-        </p:txBody>
-      </p:sp>
-      <p:sp>
-        <p:nvSpPr>
-          <p:cNvPr id="4" name="Slide Number Placeholder 3"/>
-          <p:cNvSpPr>
-            <a:spLocks noGrp="1"/>
-          </p:cNvSpPr>
-          <p:nvPr>
-            <p:ph type="sldNum" sz="quarter" idx="10"/>
-          </p:nvPr>
-        </p:nvSpPr>
-        <p:spPr/>
-        <p:txBody>
-          <a:bodyPr/>
-          <a:lstStyle/>
-          <a:p>
-            <a:pPr>
-              <a:defRPr/>
-            </a:pPr>
-            <a:fld id="{58452FF4-89E3-4D1B-9927-2DBDC00E58D7}" type="slidenum">
-              <a:rPr lang="en-US" smtClean="0"/>
-              <a:pPr>
-                <a:defRPr/>
-              </a:pPr>
-              <a:t>32</a:t>
-            </a:fld>
-            <a:endParaRPr lang="en-US" dirty="0"/>
-          </a:p>
-        </p:txBody>
-      </p:sp>
-      <p:pic>
-        <p:nvPicPr>
-          <p:cNvPr id="1030" name="Picture 6"/>
-          <p:cNvPicPr>
-            <a:picLocks noChangeAspect="1" noChangeArrowheads="1"/>
-          </p:cNvPicPr>
-          <p:nvPr/>
-        </p:nvPicPr>
-        <p:blipFill>
-          <a:blip r:embed="rId2">
-            <a:extLst>
-              <a:ext uri="{28A0092B-C50C-407E-A947-70E740481C1C}">
-                <a14:useLocalDpi xmlns:a14="http://schemas.microsoft.com/office/drawing/2010/main" val="0"/>
-              </a:ext>
-            </a:extLst>
-          </a:blip>
-          <a:srcRect/>
-          <a:stretch>
-            <a:fillRect/>
-          </a:stretch>
-        </p:blipFill>
-        <p:spPr bwMode="auto">
-          <a:xfrm>
-            <a:off x="1143000" y="1295400"/>
-            <a:ext cx="6858000" cy="4683248"/>
-          </a:xfrm>
-          <a:prstGeom prst="rect">
-            <a:avLst/>
-          </a:prstGeom>
-          <a:noFill/>
-          <a:ln>
-            <a:noFill/>
-          </a:ln>
-          <a:effectLst>
-            <a:outerShdw dist="35921" dir="2700000" algn="ctr" rotWithShape="0">
-              <a:schemeClr val="bg2"/>
-            </a:outerShdw>
-          </a:effectLst>
-          <a:extLst>
-            <a:ext uri="{909E8E84-426E-40DD-AFC4-6F175D3DCCD1}">
-              <a14:hiddenFill xmlns:a14="http://schemas.microsoft.com/office/drawing/2010/main">
-                <a:solidFill>
-                  <a:schemeClr val="accent1"/>
-                </a:solidFill>
-              </a14:hiddenFill>
-            </a:ext>
-            <a:ext uri="{91240B29-F687-4F45-9708-019B960494DF}">
-              <a14:hiddenLine xmlns:a14="http://schemas.microsoft.com/office/drawing/2010/main" w="9525">
-                <a:solidFill>
-                  <a:schemeClr val="tx1"/>
-                </a:solidFill>
-                <a:miter lim="800000"/>
-                <a:headEnd/>
-                <a:tailEnd/>
-              </a14:hiddenLine>
-            </a:ext>
-          </a:extLst>
-        </p:spPr>
-      </p:pic>
-    </p:spTree>
-    <p:extLst>
-      <p:ext uri="{BB962C8B-B14F-4D97-AF65-F5344CB8AC3E}">
-        <p14:creationId xmlns:p14="http://schemas.microsoft.com/office/powerpoint/2010/main" val="1435035025"/>
-      </p:ext>
-    </p:extLst>
-  </p:cSld>
-  <p:clrMapOvr>
-    <a:masterClrMapping/>
-  </p:clrMapOvr>
-  <p:timing>
-    <p:tnLst>
-      <p:par>
-        <p:cTn id="1" dur="indefinite" restart="never" nodeType="tmRoot"/>
-      </p:par>
-    </p:tnLst>
-  </p:timing>
-</p:sld>
-</file>
-
-<file path=ppt/slides/slide33.xml><?xml version="1.0" encoding="utf-8"?>
-<p:sld xmlns:a="http://schemas.openxmlformats.org/drawingml/2006/main" xmlns:r="http://schemas.openxmlformats.org/officeDocument/2006/relationships" xmlns:p="http://schemas.openxmlformats.org/presentationml/2006/main">
-  <p:cSld>
-    <p:spTree>
-      <p:nvGrpSpPr>
-        <p:cNvPr id="1" name=""/>
-        <p:cNvGrpSpPr/>
-        <p:nvPr/>
-      </p:nvGrpSpPr>
-      <p:grpSpPr>
-        <a:xfrm>
-          <a:off x="0" y="0"/>
-          <a:ext cx="0" cy="0"/>
-          <a:chOff x="0" y="0"/>
-          <a:chExt cx="0" cy="0"/>
-        </a:xfrm>
-      </p:grpSpPr>
-      <p:sp>
-        <p:nvSpPr>
-          <p:cNvPr id="17" name="Title 16"/>
-          <p:cNvSpPr>
-            <a:spLocks noGrp="1"/>
-          </p:cNvSpPr>
-          <p:nvPr>
-            <p:ph type="title"/>
-          </p:nvPr>
-        </p:nvSpPr>
-        <p:spPr/>
-        <p:txBody>
-          <a:bodyPr/>
-          <a:lstStyle/>
-          <a:p>
-            <a:r>
-              <a:rPr lang="en-US" dirty="0" smtClean="0"/>
-              <a:t>Links</a:t>
-            </a:r>
-            <a:endParaRPr lang="en-US" dirty="0"/>
-          </a:p>
-        </p:txBody>
-      </p:sp>
-      <p:sp>
-        <p:nvSpPr>
-          <p:cNvPr id="4" name="Text Placeholder 5"/>
-          <p:cNvSpPr>
-            <a:spLocks noGrp="1"/>
-          </p:cNvSpPr>
-          <p:nvPr>
-            <p:ph type="body" sz="quarter" idx="4294967295"/>
-          </p:nvPr>
-        </p:nvSpPr>
-        <p:spPr>
-          <a:xfrm>
-            <a:off x="201930" y="1749371"/>
-            <a:ext cx="8740142" cy="3783460"/>
-          </a:xfrm>
-          <a:prstGeom prst="rect">
-            <a:avLst/>
-          </a:prstGeom>
-        </p:spPr>
-        <p:txBody>
-          <a:bodyPr>
-            <a:normAutofit fontScale="92500" lnSpcReduction="10000"/>
-          </a:bodyPr>
-          <a:lstStyle/>
-          <a:p>
-            <a:pPr>
-              <a:lnSpc>
-                <a:spcPct val="150000"/>
-              </a:lnSpc>
-            </a:pPr>
-            <a:r>
-              <a:rPr lang="en-US" sz="2059" dirty="0"/>
-              <a:t>These links and more - </a:t>
-            </a:r>
-            <a:r>
-              <a:rPr lang="en-US" sz="2059" u="sng" dirty="0"/>
-              <a:t>bit.ly/</a:t>
-            </a:r>
-            <a:r>
-              <a:rPr lang="en-US" sz="2059" u="sng" dirty="0" err="1"/>
-              <a:t>EFdotnetConf</a:t>
-            </a:r>
-            <a:r>
-              <a:rPr lang="en-US" sz="2059" dirty="0"/>
-              <a:t> (case sensitive)</a:t>
-            </a:r>
-            <a:endParaRPr lang="en-US" sz="2059" u="sng" dirty="0"/>
-          </a:p>
-          <a:p>
-            <a:pPr>
-              <a:lnSpc>
-                <a:spcPct val="150000"/>
-              </a:lnSpc>
-            </a:pPr>
-            <a:r>
-              <a:rPr lang="en-US" sz="2059" dirty="0"/>
-              <a:t>Team blog – </a:t>
-            </a:r>
-            <a:r>
-              <a:rPr lang="en-US" sz="2059" u="sng" dirty="0"/>
-              <a:t>blogs.msdn.com/</a:t>
-            </a:r>
-            <a:r>
-              <a:rPr lang="en-US" sz="2059" u="sng" dirty="0" err="1"/>
-              <a:t>adonet</a:t>
-            </a:r>
-            <a:r>
-              <a:rPr lang="en-US" sz="2059" u="sng" dirty="0"/>
-              <a:t> </a:t>
-            </a:r>
-          </a:p>
-          <a:p>
-            <a:pPr>
-              <a:lnSpc>
-                <a:spcPct val="150000"/>
-              </a:lnSpc>
-            </a:pPr>
-            <a:r>
-              <a:rPr lang="en-US" sz="2059" dirty="0"/>
-              <a:t>Documentation – </a:t>
-            </a:r>
-            <a:r>
-              <a:rPr lang="en-US" sz="2059" u="sng" dirty="0"/>
-              <a:t>msdn.com/data/</a:t>
-            </a:r>
-            <a:r>
-              <a:rPr lang="en-US" sz="2059" u="sng" dirty="0" err="1"/>
-              <a:t>ef</a:t>
-            </a:r>
-            <a:r>
-              <a:rPr lang="en-US" sz="2059" u="sng" dirty="0"/>
-              <a:t> </a:t>
-            </a:r>
-          </a:p>
-          <a:p>
-            <a:pPr>
-              <a:lnSpc>
-                <a:spcPct val="150000"/>
-              </a:lnSpc>
-            </a:pPr>
-            <a:r>
-              <a:rPr lang="en-US" sz="2059" dirty="0"/>
-              <a:t>EF6 Project – </a:t>
-            </a:r>
-            <a:r>
-              <a:rPr lang="en-US" sz="2059" u="sng" dirty="0"/>
-              <a:t>EntityFramework.codeplex.com </a:t>
-            </a:r>
-          </a:p>
-          <a:p>
-            <a:pPr>
-              <a:lnSpc>
-                <a:spcPct val="150000"/>
-              </a:lnSpc>
-            </a:pPr>
-            <a:r>
-              <a:rPr lang="en-US" sz="2059" dirty="0"/>
-              <a:t>EF7 Project – </a:t>
-            </a:r>
-            <a:r>
-              <a:rPr lang="en-US" sz="2059" u="sng" dirty="0"/>
-              <a:t>github.com/</a:t>
-            </a:r>
-            <a:r>
-              <a:rPr lang="en-US" sz="2059" u="sng" dirty="0" err="1"/>
-              <a:t>aspnet</a:t>
-            </a:r>
-            <a:r>
-              <a:rPr lang="en-US" sz="2059" u="sng" dirty="0"/>
-              <a:t>/</a:t>
-            </a:r>
-            <a:r>
-              <a:rPr lang="en-US" sz="2059" u="sng" dirty="0" err="1"/>
-              <a:t>EntityFramework</a:t>
-            </a:r>
-            <a:endParaRPr lang="en-US" sz="2059" u="sng" dirty="0"/>
-          </a:p>
-          <a:p>
-            <a:pPr>
-              <a:lnSpc>
-                <a:spcPct val="150000"/>
-              </a:lnSpc>
-            </a:pPr>
-            <a:r>
-              <a:rPr lang="en-US" sz="2059" dirty="0"/>
-              <a:t>Twitter – @</a:t>
-            </a:r>
-            <a:r>
-              <a:rPr lang="en-US" sz="2059" dirty="0" err="1"/>
-              <a:t>efmagicunicorns</a:t>
-            </a:r>
-            <a:r>
-              <a:rPr lang="en-US" sz="2059" dirty="0"/>
-              <a:t> </a:t>
-            </a:r>
-          </a:p>
-          <a:p>
-            <a:pPr>
-              <a:lnSpc>
-                <a:spcPct val="150000"/>
-              </a:lnSpc>
-            </a:pPr>
-            <a:r>
-              <a:rPr lang="en-US" sz="2059" dirty="0"/>
-              <a:t>Facebook – </a:t>
-            </a:r>
-            <a:r>
-              <a:rPr lang="en-US" sz="2059" u="sng" dirty="0"/>
-              <a:t>facebook.com/</a:t>
-            </a:r>
-            <a:r>
-              <a:rPr lang="en-US" sz="2059" u="sng" dirty="0" err="1"/>
-              <a:t>efmagicunicorns</a:t>
-            </a:r>
-            <a:r>
-              <a:rPr lang="en-US" sz="2059" dirty="0"/>
-              <a:t> </a:t>
-            </a:r>
-          </a:p>
-        </p:txBody>
-      </p:sp>
-    </p:spTree>
-    <p:extLst>
-      <p:ext uri="{BB962C8B-B14F-4D97-AF65-F5344CB8AC3E}">
-        <p14:creationId xmlns:p14="http://schemas.microsoft.com/office/powerpoint/2010/main" val="4194042486"/>
-      </p:ext>
-    </p:extLst>
-  </p:cSld>
-  <p:clrMapOvr>
-    <a:masterClrMapping/>
-  </p:clrMapOvr>
-  <mc:AlternateContent xmlns:mc="http://schemas.openxmlformats.org/markup-compatibility/2006" xmlns:p14="http://schemas.microsoft.com/office/powerpoint/2010/main">
-    <mc:Choice Requires="p14">
-      <p:transition spd="med" p14:dur="700">
-        <p:fade/>
-      </p:transition>
-    </mc:Choice>
-    <mc:Fallback xmlns="">
-      <p:transition spd="med">
-        <p:fade/>
-      </p:transition>
-    </mc:Fallback>
-  </mc:AlternateContent>
-  <p:timing>
-    <p:tnLst>
-      <p:par>
-        <p:cTn id="1" dur="indefinite" restart="never" nodeType="tmRoot"/>
-      </p:par>
-    </p:tnLst>
-  </p:timing>
-</p:sld>
-</file>
-
-<file path=ppt/slides/slide34.xml><?xml version="1.0" encoding="utf-8"?>
-<p:sld xmlns:a="http://schemas.openxmlformats.org/drawingml/2006/main" xmlns:r="http://schemas.openxmlformats.org/officeDocument/2006/relationships" xmlns:p="http://schemas.openxmlformats.org/presentationml/2006/main">
-  <p:cSld>
-    <p:spTree>
-      <p:nvGrpSpPr>
-        <p:cNvPr id="1" name=""/>
-        <p:cNvGrpSpPr/>
-        <p:nvPr/>
-      </p:nvGrpSpPr>
-      <p:grpSpPr>
-        <a:xfrm>
-          <a:off x="0" y="0"/>
-          <a:ext cx="0" cy="0"/>
-          <a:chOff x="0" y="0"/>
-          <a:chExt cx="0" cy="0"/>
-        </a:xfrm>
-      </p:grpSpPr>
-      <p:sp>
-        <p:nvSpPr>
-          <p:cNvPr id="2" name="Title 1"/>
-          <p:cNvSpPr>
-            <a:spLocks noGrp="1"/>
-          </p:cNvSpPr>
-          <p:nvPr>
-            <p:ph type="title"/>
-          </p:nvPr>
-        </p:nvSpPr>
-        <p:spPr/>
-        <p:txBody>
-          <a:bodyPr/>
-          <a:lstStyle/>
-          <a:p>
-            <a:r>
-              <a:rPr lang="en-US" dirty="0" smtClean="0"/>
-              <a:t>Advanced concepts</a:t>
-            </a:r>
-            <a:endParaRPr lang="en-US" dirty="0"/>
-          </a:p>
-        </p:txBody>
-      </p:sp>
-      <p:sp>
-        <p:nvSpPr>
-          <p:cNvPr id="3" name="Content Placeholder 2"/>
-          <p:cNvSpPr>
-            <a:spLocks noGrp="1"/>
-          </p:cNvSpPr>
-          <p:nvPr>
-            <p:ph idx="1"/>
-          </p:nvPr>
-        </p:nvSpPr>
-        <p:spPr/>
-        <p:txBody>
-          <a:bodyPr/>
-          <a:lstStyle/>
-          <a:p>
-            <a:r>
-              <a:rPr lang="en-US" dirty="0" err="1" smtClean="0"/>
-              <a:t>Enums</a:t>
-            </a:r>
-            <a:endParaRPr lang="en-US" dirty="0" smtClean="0"/>
-          </a:p>
-          <a:p>
-            <a:r>
-              <a:rPr lang="en-US" dirty="0" smtClean="0"/>
-              <a:t>Complex Types</a:t>
-            </a:r>
-          </a:p>
-          <a:p>
-            <a:r>
-              <a:rPr lang="en-US" dirty="0" smtClean="0"/>
-              <a:t>M:N relationships</a:t>
-            </a:r>
-          </a:p>
-          <a:p>
-            <a:r>
-              <a:rPr lang="en-US" dirty="0" smtClean="0"/>
-              <a:t>Proxies and Lazy Loading</a:t>
-            </a:r>
-            <a:endParaRPr lang="en-US" dirty="0"/>
-          </a:p>
-        </p:txBody>
-      </p:sp>
-    </p:spTree>
-    <p:extLst>
-      <p:ext uri="{BB962C8B-B14F-4D97-AF65-F5344CB8AC3E}">
-        <p14:creationId xmlns:p14="http://schemas.microsoft.com/office/powerpoint/2010/main" val="148589615"/>
-      </p:ext>
-    </p:extLst>
-  </p:cSld>
-  <p:clrMapOvr>
-    <a:masterClrMapping/>
-  </p:clrMapOvr>
-</p:sld>
-</file>
-
-<file path=ppt/slides/slide35.xml><?xml version="1.0" encoding="utf-8"?>
-<p:sld xmlns:a="http://schemas.openxmlformats.org/drawingml/2006/main" xmlns:r="http://schemas.openxmlformats.org/officeDocument/2006/relationships" xmlns:p="http://schemas.openxmlformats.org/presentationml/2006/main">
-  <p:cSld>
-    <p:spTree>
-      <p:nvGrpSpPr>
-        <p:cNvPr id="1" name=""/>
-        <p:cNvGrpSpPr/>
-        <p:nvPr/>
-      </p:nvGrpSpPr>
-      <p:grpSpPr>
-        <a:xfrm>
-          <a:off x="0" y="0"/>
-          <a:ext cx="0" cy="0"/>
-          <a:chOff x="0" y="0"/>
-          <a:chExt cx="0" cy="0"/>
-        </a:xfrm>
-      </p:grpSpPr>
-      <p:sp>
-        <p:nvSpPr>
-          <p:cNvPr id="2" name="Title 1"/>
-          <p:cNvSpPr>
-            <a:spLocks noGrp="1"/>
-          </p:cNvSpPr>
-          <p:nvPr>
-            <p:ph type="title"/>
-          </p:nvPr>
-        </p:nvSpPr>
-        <p:spPr/>
-        <p:txBody>
-          <a:bodyPr/>
-          <a:lstStyle/>
-          <a:p>
-            <a:r>
-              <a:rPr lang="en-US" dirty="0" smtClean="0"/>
-              <a:t>OTHER CONSIDERATIONS…</a:t>
-            </a:r>
-            <a:endParaRPr lang="en-US" dirty="0"/>
-          </a:p>
-        </p:txBody>
-      </p:sp>
-      <p:sp>
-        <p:nvSpPr>
-          <p:cNvPr id="3" name="Content Placeholder 2"/>
-          <p:cNvSpPr>
-            <a:spLocks noGrp="1"/>
-          </p:cNvSpPr>
-          <p:nvPr>
-            <p:ph idx="1"/>
-          </p:nvPr>
-        </p:nvSpPr>
-        <p:spPr/>
-        <p:txBody>
-          <a:bodyPr>
-            <a:normAutofit/>
-          </a:bodyPr>
-          <a:lstStyle/>
-          <a:p>
-            <a:r>
-              <a:rPr lang="en-US" dirty="0" smtClean="0"/>
-              <a:t>Transactions</a:t>
-            </a:r>
-          </a:p>
-          <a:p>
-            <a:r>
-              <a:rPr lang="en-US" dirty="0" smtClean="0"/>
-              <a:t>Unit </a:t>
-            </a:r>
-            <a:r>
-              <a:rPr lang="en-US" dirty="0"/>
-              <a:t>testing</a:t>
-            </a:r>
-          </a:p>
-          <a:p>
-            <a:r>
-              <a:rPr lang="en-US" dirty="0"/>
-              <a:t>Service boundaries</a:t>
-            </a:r>
-          </a:p>
-          <a:p>
-            <a:r>
-              <a:rPr lang="en-US" dirty="0" smtClean="0"/>
-              <a:t>Concurrency</a:t>
-            </a:r>
-          </a:p>
-          <a:p>
-            <a:r>
-              <a:rPr lang="en-US" dirty="0"/>
-              <a:t>Entity mapping strategies</a:t>
-            </a:r>
-          </a:p>
-          <a:p>
-            <a:endParaRPr lang="en-US" dirty="0"/>
-          </a:p>
-          <a:p>
-            <a:endParaRPr lang="en-US" dirty="0"/>
-          </a:p>
-        </p:txBody>
-      </p:sp>
-    </p:spTree>
-    <p:extLst>
-      <p:ext uri="{BB962C8B-B14F-4D97-AF65-F5344CB8AC3E}">
-        <p14:creationId xmlns:p14="http://schemas.microsoft.com/office/powerpoint/2010/main" val="245067839"/>
-      </p:ext>
-    </p:extLst>
-  </p:cSld>
-  <p:clrMapOvr>
-    <a:masterClrMapping/>
-  </p:clrMapOvr>
-  <p:timing>
-    <p:tnLst>
-      <p:par>
-        <p:cTn id="1" dur="indefinite" restart="never" nodeType="tmRoot"/>
-      </p:par>
-    </p:tnLst>
-  </p:timing>
-</p:sld>
-</file>
-
-<file path=ppt/slides/slide36.xml><?xml version="1.0" encoding="utf-8"?>
-<p:sld xmlns:a="http://schemas.openxmlformats.org/drawingml/2006/main" xmlns:r="http://schemas.openxmlformats.org/officeDocument/2006/relationships" xmlns:p="http://schemas.openxmlformats.org/presentationml/2006/main">
-  <p:cSld>
-    <p:spTree>
-      <p:nvGrpSpPr>
-        <p:cNvPr id="1" name=""/>
-        <p:cNvGrpSpPr/>
-        <p:nvPr/>
-      </p:nvGrpSpPr>
-      <p:grpSpPr>
-        <a:xfrm>
-          <a:off x="0" y="0"/>
-          <a:ext cx="0" cy="0"/>
-          <a:chOff x="0" y="0"/>
-          <a:chExt cx="0" cy="0"/>
-        </a:xfrm>
-      </p:grpSpPr>
-      <p:sp>
-        <p:nvSpPr>
-          <p:cNvPr id="2" name="Title 1"/>
-          <p:cNvSpPr>
-            <a:spLocks noGrp="1"/>
-          </p:cNvSpPr>
-          <p:nvPr>
-            <p:ph type="title"/>
-          </p:nvPr>
-        </p:nvSpPr>
-        <p:spPr/>
-        <p:txBody>
-          <a:bodyPr/>
-          <a:lstStyle/>
-          <a:p>
-            <a:r>
-              <a:rPr lang="en-US" dirty="0" smtClean="0"/>
-              <a:t>OO vs Relational</a:t>
-            </a:r>
-            <a:endParaRPr lang="en-US" dirty="0"/>
-          </a:p>
-        </p:txBody>
-      </p:sp>
-      <p:graphicFrame>
-        <p:nvGraphicFramePr>
-          <p:cNvPr id="4" name="Table 3"/>
-          <p:cNvGraphicFramePr>
-            <a:graphicFrameLocks noGrp="1"/>
-          </p:cNvGraphicFramePr>
-          <p:nvPr>
-            <p:extLst/>
-          </p:nvPr>
-        </p:nvGraphicFramePr>
-        <p:xfrm>
-          <a:off x="1716932" y="1912296"/>
-          <a:ext cx="5612859" cy="1946910"/>
-        </p:xfrm>
-        <a:graphic>
-          <a:graphicData uri="http://schemas.openxmlformats.org/drawingml/2006/table">
-            <a:tbl>
-              <a:tblPr firstRow="1" bandRow="1">
-                <a:tableStyleId>{5C22544A-7EE6-4342-B048-85BDC9FD1C3A}</a:tableStyleId>
-              </a:tblPr>
-              <a:tblGrid>
-                <a:gridCol w="2045240"/>
-                <a:gridCol w="3567619"/>
-              </a:tblGrid>
-              <a:tr h="278130">
-                <a:tc>
-                  <a:txBody>
-                    <a:bodyPr/>
-                    <a:lstStyle/>
-                    <a:p>
-                      <a:r>
-                        <a:rPr lang="en-US" sz="1000" dirty="0" smtClean="0"/>
-                        <a:t>OO</a:t>
-                      </a:r>
-                      <a:endParaRPr lang="en-US" sz="1000" dirty="0"/>
-                    </a:p>
-                  </a:txBody>
-                  <a:tcPr marL="68580" marR="68580" marT="34290" marB="34290"/>
-                </a:tc>
-                <a:tc>
-                  <a:txBody>
-                    <a:bodyPr/>
-                    <a:lstStyle/>
-                    <a:p>
-                      <a:r>
-                        <a:rPr lang="en-US" sz="1000" dirty="0" smtClean="0"/>
-                        <a:t>Relational</a:t>
-                      </a:r>
-                      <a:endParaRPr lang="en-US" sz="1000" dirty="0"/>
-                    </a:p>
-                  </a:txBody>
-                  <a:tcPr marL="68580" marR="68580" marT="34290" marB="34290"/>
-                </a:tc>
-              </a:tr>
-              <a:tr h="278130">
-                <a:tc>
-                  <a:txBody>
-                    <a:bodyPr/>
-                    <a:lstStyle/>
-                    <a:p>
-                      <a:r>
-                        <a:rPr lang="en-US" sz="1000" dirty="0" smtClean="0"/>
-                        <a:t>Objects</a:t>
-                      </a:r>
-                      <a:endParaRPr lang="en-US" sz="1000" dirty="0"/>
-                    </a:p>
-                  </a:txBody>
-                  <a:tcPr marL="68580" marR="68580" marT="34290" marB="34290"/>
-                </a:tc>
-                <a:tc>
-                  <a:txBody>
-                    <a:bodyPr/>
-                    <a:lstStyle/>
-                    <a:p>
-                      <a:r>
-                        <a:rPr lang="en-US" sz="1000" dirty="0" smtClean="0"/>
-                        <a:t>Sets</a:t>
-                      </a:r>
-                      <a:endParaRPr lang="en-US" sz="1000" dirty="0"/>
-                    </a:p>
-                  </a:txBody>
-                  <a:tcPr marL="68580" marR="68580" marT="34290" marB="34290"/>
-                </a:tc>
-              </a:tr>
-              <a:tr h="278130">
-                <a:tc>
-                  <a:txBody>
-                    <a:bodyPr/>
-                    <a:lstStyle/>
-                    <a:p>
-                      <a:r>
-                        <a:rPr lang="en-US" sz="1000" dirty="0" smtClean="0"/>
-                        <a:t>Unidirectional Associations</a:t>
-                      </a:r>
-                      <a:endParaRPr lang="en-US" sz="1000" dirty="0"/>
-                    </a:p>
-                  </a:txBody>
-                  <a:tcPr marL="68580" marR="68580" marT="34290" marB="34290"/>
-                </a:tc>
-                <a:tc>
-                  <a:txBody>
-                    <a:bodyPr/>
-                    <a:lstStyle/>
-                    <a:p>
-                      <a:r>
-                        <a:rPr lang="en-US" sz="1000" dirty="0" smtClean="0"/>
-                        <a:t>Bidirectional Associations</a:t>
-                      </a:r>
-                      <a:endParaRPr lang="en-US" sz="1000" dirty="0"/>
-                    </a:p>
-                  </a:txBody>
-                  <a:tcPr marL="68580" marR="68580" marT="34290" marB="34290"/>
-                </a:tc>
-              </a:tr>
-              <a:tr h="278130">
-                <a:tc>
-                  <a:txBody>
-                    <a:bodyPr/>
-                    <a:lstStyle/>
-                    <a:p>
-                      <a:r>
-                        <a:rPr lang="en-US" sz="1000" dirty="0" smtClean="0"/>
-                        <a:t>Pointer from owner</a:t>
-                      </a:r>
-                      <a:endParaRPr lang="en-US" sz="1000" dirty="0"/>
-                    </a:p>
-                  </a:txBody>
-                  <a:tcPr marL="68580" marR="68580" marT="34290" marB="34290"/>
-                </a:tc>
-                <a:tc>
-                  <a:txBody>
-                    <a:bodyPr/>
-                    <a:lstStyle/>
-                    <a:p>
-                      <a:r>
-                        <a:rPr lang="en-US" sz="1000" dirty="0" smtClean="0"/>
-                        <a:t>Foreign Keys</a:t>
-                      </a:r>
-                      <a:endParaRPr lang="en-US" sz="1000" dirty="0"/>
-                    </a:p>
-                  </a:txBody>
-                  <a:tcPr marL="68580" marR="68580" marT="34290" marB="34290"/>
-                </a:tc>
-              </a:tr>
-              <a:tr h="278130">
-                <a:tc>
-                  <a:txBody>
-                    <a:bodyPr/>
-                    <a:lstStyle/>
-                    <a:p>
-                      <a:r>
-                        <a:rPr lang="en-US" sz="1000" dirty="0" smtClean="0"/>
-                        <a:t>Inheritance</a:t>
-                      </a:r>
-                      <a:endParaRPr lang="en-US" sz="1000" dirty="0"/>
-                    </a:p>
-                  </a:txBody>
-                  <a:tcPr marL="68580" marR="68580" marT="34290" marB="34290"/>
-                </a:tc>
-                <a:tc>
-                  <a:txBody>
-                    <a:bodyPr/>
-                    <a:lstStyle/>
-                    <a:p>
-                      <a:r>
-                        <a:rPr lang="en-US" sz="1000" dirty="0" smtClean="0"/>
-                        <a:t>None</a:t>
-                      </a:r>
-                      <a:endParaRPr lang="en-US" sz="1000" dirty="0"/>
-                    </a:p>
-                  </a:txBody>
-                  <a:tcPr marL="68580" marR="68580" marT="34290" marB="34290"/>
-                </a:tc>
-              </a:tr>
-              <a:tr h="278130">
-                <a:tc>
-                  <a:txBody>
-                    <a:bodyPr/>
-                    <a:lstStyle/>
-                    <a:p>
-                      <a:r>
-                        <a:rPr lang="en-US" sz="1000" dirty="0" err="1" smtClean="0"/>
-                        <a:t>Polymorhpism</a:t>
-                      </a:r>
-                      <a:endParaRPr lang="en-US" sz="1000" dirty="0"/>
-                    </a:p>
-                  </a:txBody>
-                  <a:tcPr marL="68580" marR="68580" marT="34290" marB="34290"/>
-                </a:tc>
-                <a:tc>
-                  <a:txBody>
-                    <a:bodyPr/>
-                    <a:lstStyle/>
-                    <a:p>
-                      <a:r>
-                        <a:rPr lang="en-US" sz="1000" dirty="0" smtClean="0"/>
-                        <a:t>None</a:t>
-                      </a:r>
-                      <a:endParaRPr lang="en-US" sz="1000" dirty="0"/>
-                    </a:p>
-                  </a:txBody>
-                  <a:tcPr marL="68580" marR="68580" marT="34290" marB="34290"/>
-                </a:tc>
-              </a:tr>
-              <a:tr h="278130">
-                <a:tc>
-                  <a:txBody>
-                    <a:bodyPr/>
-                    <a:lstStyle/>
-                    <a:p>
-                      <a:r>
-                        <a:rPr lang="en-US" sz="1000" dirty="0" smtClean="0"/>
-                        <a:t>M:M</a:t>
-                      </a:r>
-                      <a:endParaRPr lang="en-US" sz="1000" dirty="0"/>
-                    </a:p>
-                  </a:txBody>
-                  <a:tcPr marL="68580" marR="68580" marT="34290" marB="34290"/>
-                </a:tc>
-                <a:tc>
-                  <a:txBody>
-                    <a:bodyPr/>
-                    <a:lstStyle/>
-                    <a:p>
-                      <a:r>
-                        <a:rPr lang="en-US" sz="1000" dirty="0" smtClean="0"/>
-                        <a:t>Join Tables</a:t>
-                      </a:r>
-                      <a:endParaRPr lang="en-US" sz="1000" dirty="0"/>
-                    </a:p>
-                  </a:txBody>
-                  <a:tcPr marL="68580" marR="68580" marT="34290" marB="34290"/>
-                </a:tc>
-              </a:tr>
-            </a:tbl>
-          </a:graphicData>
-        </a:graphic>
-      </p:graphicFrame>
-    </p:spTree>
-    <p:extLst>
-      <p:ext uri="{BB962C8B-B14F-4D97-AF65-F5344CB8AC3E}">
-        <p14:creationId xmlns:p14="http://schemas.microsoft.com/office/powerpoint/2010/main" val="2618439212"/>
-      </p:ext>
-    </p:extLst>
-  </p:cSld>
-  <p:clrMapOvr>
-    <a:masterClrMapping/>
-  </p:clrMapOvr>
-  <p:timing>
-    <p:tnLst>
-      <p:par>
-        <p:cTn id="1" dur="indefinite" restart="never" nodeType="tmRoot"/>
-      </p:par>
-    </p:tnLst>
-  </p:timing>
-</p:sld>
-</file>
-
-<file path=ppt/slides/slide37.xml><?xml version="1.0" encoding="utf-8"?>
-<p:sld xmlns:a="http://schemas.openxmlformats.org/drawingml/2006/main" xmlns:r="http://schemas.openxmlformats.org/officeDocument/2006/relationships" xmlns:p="http://schemas.openxmlformats.org/presentationml/2006/main">
-  <p:cSld>
-    <p:spTree>
-      <p:nvGrpSpPr>
-        <p:cNvPr id="1" name=""/>
-        <p:cNvGrpSpPr/>
-        <p:nvPr/>
-      </p:nvGrpSpPr>
-      <p:grpSpPr>
-        <a:xfrm>
-          <a:off x="0" y="0"/>
-          <a:ext cx="0" cy="0"/>
-          <a:chOff x="0" y="0"/>
-          <a:chExt cx="0" cy="0"/>
-        </a:xfrm>
-      </p:grpSpPr>
-      <p:sp>
-        <p:nvSpPr>
-          <p:cNvPr id="2" name="Title 1"/>
-          <p:cNvSpPr>
-            <a:spLocks noGrp="1"/>
-          </p:cNvSpPr>
-          <p:nvPr>
-            <p:ph type="title"/>
-          </p:nvPr>
-        </p:nvSpPr>
-        <p:spPr/>
-        <p:txBody>
-          <a:bodyPr/>
-          <a:lstStyle/>
-          <a:p>
-            <a:r>
-              <a:rPr lang="en-US" dirty="0" smtClean="0"/>
-              <a:t>The Course</a:t>
-            </a:r>
-            <a:endParaRPr lang="en-US" dirty="0"/>
-          </a:p>
-        </p:txBody>
-      </p:sp>
-      <p:sp>
-        <p:nvSpPr>
-          <p:cNvPr id="3" name="Content Placeholder 2"/>
-          <p:cNvSpPr>
-            <a:spLocks noGrp="1"/>
-          </p:cNvSpPr>
-          <p:nvPr>
-            <p:ph idx="1"/>
-          </p:nvPr>
-        </p:nvSpPr>
-        <p:spPr/>
-        <p:txBody>
-          <a:bodyPr/>
-          <a:lstStyle/>
-          <a:p>
-            <a:r>
-              <a:rPr lang="en-US" dirty="0" smtClean="0"/>
-              <a:t>EF 5.0 / 6.0</a:t>
-            </a:r>
-          </a:p>
-          <a:p>
-            <a:r>
-              <a:rPr lang="en-US" dirty="0" smtClean="0"/>
-              <a:t>SQL Server 2014 Express Assumed installed</a:t>
-            </a:r>
-          </a:p>
-          <a:p>
-            <a:r>
-              <a:rPr lang="en-US" dirty="0" err="1" smtClean="0"/>
-              <a:t>Adventureworks</a:t>
-            </a:r>
-            <a:r>
-              <a:rPr lang="en-US" dirty="0" smtClean="0"/>
-              <a:t> DB</a:t>
-            </a:r>
-          </a:p>
-          <a:p>
-            <a:r>
-              <a:rPr lang="en-US" dirty="0" smtClean="0"/>
-              <a:t>And other sample databases</a:t>
-            </a:r>
-            <a:endParaRPr lang="en-US" dirty="0"/>
-          </a:p>
-        </p:txBody>
-      </p:sp>
-    </p:spTree>
-    <p:extLst>
-      <p:ext uri="{BB962C8B-B14F-4D97-AF65-F5344CB8AC3E}">
-        <p14:creationId xmlns:p14="http://schemas.microsoft.com/office/powerpoint/2010/main" val="4116878668"/>
-      </p:ext>
-    </p:extLst>
-  </p:cSld>
-  <p:clrMapOvr>
-    <a:masterClrMapping/>
-  </p:clrMapOvr>
-</p:sld>
-</file>
-
-<file path=ppt/slides/slide38.xml><?xml version="1.0" encoding="utf-8"?>
-<p:sld xmlns:a="http://schemas.openxmlformats.org/drawingml/2006/main" xmlns:r="http://schemas.openxmlformats.org/officeDocument/2006/relationships" xmlns:p="http://schemas.openxmlformats.org/presentationml/2006/main">
-  <p:cSld>
-    <p:spTree>
-      <p:nvGrpSpPr>
-        <p:cNvPr id="1" name=""/>
-        <p:cNvGrpSpPr/>
-        <p:nvPr/>
-      </p:nvGrpSpPr>
-      <p:grpSpPr>
-        <a:xfrm>
-          <a:off x="0" y="0"/>
-          <a:ext cx="0" cy="0"/>
-          <a:chOff x="0" y="0"/>
-          <a:chExt cx="0" cy="0"/>
-        </a:xfrm>
-      </p:grpSpPr>
-      <p:sp>
-        <p:nvSpPr>
-          <p:cNvPr id="2" name="Title 1"/>
-          <p:cNvSpPr>
-            <a:spLocks noGrp="1"/>
-          </p:cNvSpPr>
-          <p:nvPr>
-            <p:ph type="title"/>
-          </p:nvPr>
-        </p:nvSpPr>
-        <p:spPr/>
-        <p:txBody>
-          <a:bodyPr/>
-          <a:lstStyle/>
-          <a:p>
-            <a:r>
-              <a:rPr lang="en-US" dirty="0" smtClean="0"/>
-              <a:t>Demo</a:t>
-            </a:r>
-            <a:endParaRPr lang="en-US" dirty="0"/>
-          </a:p>
-        </p:txBody>
-      </p:sp>
-      <p:sp>
-        <p:nvSpPr>
-          <p:cNvPr id="3" name="Content Placeholder 2"/>
-          <p:cNvSpPr>
-            <a:spLocks noGrp="1"/>
-          </p:cNvSpPr>
-          <p:nvPr>
-            <p:ph idx="1"/>
-          </p:nvPr>
-        </p:nvSpPr>
-        <p:spPr/>
-        <p:txBody>
-          <a:bodyPr/>
-          <a:lstStyle/>
-          <a:p>
-            <a:r>
-              <a:rPr lang="en-US" dirty="0" smtClean="0"/>
-              <a:t>Create an entity data model from a database</a:t>
-            </a:r>
-          </a:p>
-          <a:p>
-            <a:r>
-              <a:rPr lang="en-US" dirty="0" smtClean="0"/>
-              <a:t>Query the model</a:t>
-            </a:r>
-            <a:endParaRPr lang="en-US" dirty="0"/>
-          </a:p>
-        </p:txBody>
-      </p:sp>
-    </p:spTree>
-    <p:extLst>
-      <p:ext uri="{BB962C8B-B14F-4D97-AF65-F5344CB8AC3E}">
-        <p14:creationId xmlns:p14="http://schemas.microsoft.com/office/powerpoint/2010/main" val="915565252"/>
-      </p:ext>
-    </p:extLst>
-  </p:cSld>
-  <p:clrMapOvr>
-    <a:masterClrMapping/>
-  </p:clrMapOvr>
-  <p:timing>
-    <p:tnLst>
-      <p:par>
-        <p:cTn id="1" dur="indefinite" restart="never" nodeType="tmRoot"/>
-      </p:par>
-    </p:tnLst>
-  </p:timing>
-</p:sld>
-</file>
-
-<file path=ppt/slides/slide39.xml><?xml version="1.0" encoding="utf-8"?>
-<p:sld xmlns:a="http://schemas.openxmlformats.org/drawingml/2006/main" xmlns:r="http://schemas.openxmlformats.org/officeDocument/2006/relationships" xmlns:p="http://schemas.openxmlformats.org/presentationml/2006/main">
-  <p:cSld>
-    <p:spTree>
-      <p:nvGrpSpPr>
-        <p:cNvPr id="1" name=""/>
-        <p:cNvGrpSpPr/>
-        <p:nvPr/>
-      </p:nvGrpSpPr>
-      <p:grpSpPr>
-        <a:xfrm>
-          <a:off x="0" y="0"/>
-          <a:ext cx="0" cy="0"/>
-          <a:chOff x="0" y="0"/>
-          <a:chExt cx="0" cy="0"/>
-        </a:xfrm>
-      </p:grpSpPr>
-      <p:sp>
-        <p:nvSpPr>
-          <p:cNvPr id="2" name="Title 1"/>
-          <p:cNvSpPr>
-            <a:spLocks noGrp="1"/>
-          </p:cNvSpPr>
-          <p:nvPr>
-            <p:ph type="title"/>
-          </p:nvPr>
-        </p:nvSpPr>
-        <p:spPr/>
-        <p:txBody>
-          <a:bodyPr/>
-          <a:lstStyle/>
-          <a:p>
-            <a:r>
-              <a:rPr lang="en-US" smtClean="0"/>
-              <a:t>Summary</a:t>
-            </a:r>
-            <a:endParaRPr lang="en-US"/>
-          </a:p>
-        </p:txBody>
-      </p:sp>
-      <p:sp>
-        <p:nvSpPr>
-          <p:cNvPr id="3" name="Content Placeholder 2"/>
-          <p:cNvSpPr>
-            <a:spLocks noGrp="1"/>
-          </p:cNvSpPr>
-          <p:nvPr>
-            <p:ph idx="1"/>
-          </p:nvPr>
-        </p:nvSpPr>
-        <p:spPr/>
-        <p:txBody>
-          <a:bodyPr/>
-          <a:lstStyle/>
-          <a:p>
-            <a:endParaRPr lang="en-US"/>
-          </a:p>
-        </p:txBody>
-      </p:sp>
-    </p:spTree>
-    <p:extLst>
-      <p:ext uri="{BB962C8B-B14F-4D97-AF65-F5344CB8AC3E}">
-        <p14:creationId xmlns:p14="http://schemas.microsoft.com/office/powerpoint/2010/main" val="2146432948"/>
-      </p:ext>
-    </p:extLst>
-  </p:cSld>
-  <p:clrMapOvr>
-    <a:masterClrMapping/>
-  </p:clrMapOvr>
-  <p:timing>
-    <p:tnLst>
-      <p:par>
-        <p:cTn id="1" dur="indefinite" restart="never" nodeType="tmRoot"/>
-      </p:par>
-    </p:tnLst>
-  </p:timing>
-</p:sld>
-</file>
-
 <file path=ppt/slides/slide4.xml><?xml version="1.0" encoding="utf-8"?>
 <p:sld xmlns:a="http://schemas.openxmlformats.org/drawingml/2006/main" xmlns:r="http://schemas.openxmlformats.org/officeDocument/2006/relationships" xmlns:p="http://schemas.openxmlformats.org/presentationml/2006/main">
   <p:cSld>
@@ -32270,7 +27467,12 @@
             <p:ph idx="1"/>
           </p:nvPr>
         </p:nvSpPr>
-        <p:spPr/>
+        <p:spPr>
+          <a:xfrm>
+            <a:off x="274087" y="1769642"/>
+            <a:ext cx="7886700" cy="4351338"/>
+          </a:xfrm>
+        </p:spPr>
         <p:txBody>
           <a:bodyPr>
             <a:normAutofit lnSpcReduction="10000"/>
